--- a/Database/MySQL 시작하기.pptx
+++ b/Database/MySQL 시작하기.pptx
@@ -3161,11 +3161,7 @@
             </a:r>
             <a:r>
               <a:rPr lang="en-US" altLang="ko-KR" sz="1600" dirty="0"/>
-              <a:t>(id, title, description, author, created) VALUES (1, </a:t>
-            </a:r>
-            <a:r>
-              <a:rPr lang="en-US" altLang="ko-KR" sz="1600" dirty="0"/>
-              <a:t>"</a:t>
+              <a:t>(id, title, description, author, created) VALUES (1, "</a:t>
             </a:r>
             <a:r>
               <a:rPr lang="en-US" altLang="ko-KR" sz="1600" dirty="0" smtClean="0"/>
@@ -3226,11 +3222,7 @@
             </a:r>
             <a:r>
               <a:rPr lang="en-US" altLang="ko-KR" sz="1600" dirty="0" smtClean="0"/>
-              <a:t>(2, </a:t>
-            </a:r>
-            <a:r>
-              <a:rPr lang="en-US" altLang="ko-KR" sz="1600" dirty="0" smtClean="0"/>
-              <a:t>"CSS", </a:t>
+              <a:t>(2, "CSS", </a:t>
             </a:r>
             <a:r>
               <a:rPr lang="en-US" altLang="ko-KR" sz="1600" dirty="0"/>
@@ -3283,11 +3275,7 @@
             </a:r>
             <a:r>
               <a:rPr lang="en-US" altLang="ko-KR" sz="1600" dirty="0" smtClean="0"/>
-              <a:t>(3, </a:t>
-            </a:r>
-            <a:r>
-              <a:rPr lang="en-US" altLang="ko-KR" sz="1600" dirty="0" smtClean="0"/>
-              <a:t>"JavaScript", </a:t>
+              <a:t>(3, "JavaScript", </a:t>
             </a:r>
             <a:r>
               <a:rPr lang="en-US" altLang="ko-KR" sz="1600" dirty="0"/>
@@ -3325,7 +3313,6 @@
               <a:rPr lang="en-US" altLang="ko-KR" sz="1600" dirty="0" smtClean="0"/>
               <a:t>());</a:t>
             </a:r>
-            <a:endParaRPr lang="en-US" altLang="ko-KR" sz="1600" dirty="0" smtClean="0"/>
           </a:p>
           <a:p>
             <a:pPr marL="742950" lvl="1" indent="-285750" latinLnBrk="0">
@@ -3408,8 +3395,12 @@
               <a:t>3", </a:t>
             </a:r>
             <a:r>
-              <a:rPr lang="en-US" altLang="ko-KR" sz="1600" dirty="0"/>
-              <a:t>'2020-11-13 00:00:00');-- </a:t>
+              <a:rPr lang="en-US" altLang="ko-KR" sz="1600" dirty="0" smtClean="0"/>
+              <a:t>'2020-11-13</a:t>
+            </a:r>
+            <a:r>
+              <a:rPr lang="en-US" altLang="ko-KR" sz="1600" dirty="0"/>
+              <a:t> 00:00:00');-- </a:t>
             </a:r>
             <a:r>
               <a:rPr lang="en-US" altLang="ko-KR" sz="1600" dirty="0" smtClean="0"/>
@@ -3683,23 +3674,7 @@
             </a:pPr>
             <a:r>
               <a:rPr lang="en-US" altLang="ko-KR" sz="1600" dirty="0" smtClean="0"/>
-              <a:t>UPDATE `topic` SET </a:t>
-            </a:r>
-            <a:r>
-              <a:rPr lang="en-US" altLang="ko-KR" sz="1600" dirty="0" smtClean="0"/>
-              <a:t>title="HTML", description="HTML </a:t>
-            </a:r>
-            <a:r>
-              <a:rPr lang="en-US" altLang="ko-KR" sz="1600" dirty="0" smtClean="0"/>
-              <a:t>is </a:t>
-            </a:r>
-            <a:r>
-              <a:rPr lang="en-US" altLang="ko-KR" sz="1600" dirty="0" smtClean="0"/>
-              <a:t>…" </a:t>
-            </a:r>
-            <a:r>
-              <a:rPr lang="en-US" altLang="ko-KR" sz="1600" dirty="0" smtClean="0"/>
-              <a:t>WHERE id=1;</a:t>
+              <a:t>UPDATE `topic` SET title="HTML", description="HTML is …" WHERE id=1;</a:t>
             </a:r>
           </a:p>
           <a:p>
@@ -4331,11 +4306,7 @@
             </a:r>
             <a:r>
               <a:rPr lang="en-US" altLang="ko-KR" sz="1600" dirty="0"/>
-              <a:t>VALUES (1, </a:t>
-            </a:r>
-            <a:r>
-              <a:rPr lang="en-US" altLang="ko-KR" sz="1600" dirty="0"/>
-              <a:t>"</a:t>
+              <a:t>VALUES (1, "</a:t>
             </a:r>
             <a:r>
               <a:rPr lang="en-US" altLang="ko-KR" sz="1600" dirty="0" err="1" smtClean="0"/>
@@ -4353,7 +4324,6 @@
               <a:rPr lang="en-US" altLang="ko-KR" sz="1600" dirty="0" smtClean="0"/>
               <a:t>1111");</a:t>
             </a:r>
-            <a:endParaRPr lang="en-US" altLang="ko-KR" sz="1600" dirty="0" smtClean="0"/>
           </a:p>
           <a:p>
             <a:pPr marL="742950" lvl="1" indent="-285750" latinLnBrk="0">
@@ -4369,11 +4339,7 @@
             </a:r>
             <a:r>
               <a:rPr lang="en-US" altLang="ko-KR" sz="1600" dirty="0" smtClean="0"/>
-              <a:t>(2, </a:t>
-            </a:r>
-            <a:r>
-              <a:rPr lang="en-US" altLang="ko-KR" sz="1600" dirty="0" smtClean="0"/>
-              <a:t>"jsh",  </a:t>
+              <a:t>(2, "jsh",  </a:t>
             </a:r>
             <a:r>
               <a:rPr lang="en-US" altLang="ko-KR" sz="1600" dirty="0"/>
@@ -4399,11 +4365,7 @@
             </a:r>
             <a:r>
               <a:rPr lang="en-US" altLang="ko-KR" sz="1600" dirty="0" smtClean="0"/>
-              <a:t>(3, </a:t>
-            </a:r>
-            <a:r>
-              <a:rPr lang="en-US" altLang="ko-KR" sz="1600" dirty="0" smtClean="0"/>
-              <a:t>"lily",  </a:t>
+              <a:t>(3, "lily",  </a:t>
             </a:r>
             <a:r>
               <a:rPr lang="en-US" altLang="ko-KR" sz="1600" dirty="0"/>
@@ -6601,7 +6563,6 @@
               <a:rPr lang="en-US" altLang="ko-KR" sz="1600" dirty="0" smtClean="0"/>
               <a:t>"table name";</a:t>
             </a:r>
-            <a:endParaRPr lang="en-US" altLang="ko-KR" sz="1600" dirty="0" smtClean="0"/>
           </a:p>
         </p:txBody>
       </p:sp>
@@ -8525,11 +8486,7 @@
             </a:r>
             <a:r>
               <a:rPr lang="en-US" altLang="ko-KR" sz="1600" dirty="0"/>
-              <a:t>(id, title, description, author, created) VALUES (1, </a:t>
-            </a:r>
-            <a:r>
-              <a:rPr lang="en-US" altLang="ko-KR" sz="1600" dirty="0"/>
-              <a:t>"</a:t>
+              <a:t>(id, title, description, author, created) VALUES (1, "</a:t>
             </a:r>
             <a:r>
               <a:rPr lang="en-US" altLang="ko-KR" sz="1600" dirty="0" smtClean="0"/>

--- a/Database/MySQL 시작하기.pptx
+++ b/Database/MySQL 시작하기.pptx
@@ -14,9 +14,9 @@
     <p:sldId id="615" r:id="rId2"/>
     <p:sldId id="1142" r:id="rId3"/>
     <p:sldId id="1127" r:id="rId4"/>
-    <p:sldId id="1128" r:id="rId5"/>
-    <p:sldId id="1143" r:id="rId6"/>
-    <p:sldId id="1145" r:id="rId7"/>
+    <p:sldId id="1143" r:id="rId5"/>
+    <p:sldId id="1145" r:id="rId6"/>
+    <p:sldId id="1128" r:id="rId7"/>
     <p:sldId id="1144" r:id="rId8"/>
     <p:sldId id="1129" r:id="rId9"/>
     <p:sldId id="1130" r:id="rId10"/>
@@ -262,7 +262,7 @@
           <a:p>
             <a:fld id="{0701E38F-D71B-4628-B377-F26FA834EB07}" type="datetimeFigureOut">
               <a:rPr lang="ko-KR" altLang="en-US" smtClean="0"/>
-              <a:t>2022-12-07</a:t>
+              <a:t>2022-12-20</a:t>
             </a:fld>
             <a:endParaRPr lang="ko-KR" altLang="en-US"/>
           </a:p>
@@ -428,7 +428,7 @@
             <a:fld id="{BC75A1C1-99F9-4ED1-B968-97F8F766565C}" type="datetimeFigureOut">
               <a:rPr lang="ko-KR" altLang="en-US" smtClean="0"/>
               <a:pPr/>
-              <a:t>2022-12-07</a:t>
+              <a:t>2022-12-20</a:t>
             </a:fld>
             <a:endParaRPr lang="ko-KR" altLang="en-US"/>
           </a:p>
@@ -765,7 +765,7 @@
             <a:fld id="{2925679C-3CF1-4175-AC10-4B4E045DB2D3}" type="slidenum">
               <a:rPr lang="ko-KR" altLang="en-US" smtClean="0"/>
               <a:pPr/>
-              <a:t>6</a:t>
+              <a:t>5</a:t>
             </a:fld>
             <a:endParaRPr lang="ko-KR" altLang="en-US"/>
           </a:p>
@@ -6308,7 +6308,7 @@
                 <a:latin typeface="HY헤드라인M" pitchFamily="18" charset="-127"/>
                 <a:ea typeface="HY헤드라인M" pitchFamily="18" charset="-127"/>
               </a:rPr>
-              <a:t>개발 환경</a:t>
+              <a:t>설치</a:t>
             </a:r>
             <a:endParaRPr lang="ko-KR" altLang="en-US" sz="2400" dirty="0">
               <a:latin typeface="HY헤드라인M" pitchFamily="18" charset="-127"/>
@@ -6391,401 +6391,118 @@
               <a:buChar char="Ø"/>
             </a:pPr>
             <a:r>
-              <a:rPr lang="ko-KR" altLang="en-US" sz="2000" dirty="0" smtClean="0">
+              <a:rPr lang="en-US" altLang="ko-KR" sz="2000" dirty="0" smtClean="0">
                 <a:solidFill>
                   <a:srgbClr val="0000FF"/>
                 </a:solidFill>
                 <a:latin typeface="+mn-ea"/>
               </a:rPr>
-              <a:t>연결</a:t>
-            </a:r>
-            <a:endParaRPr lang="en-US" altLang="ko-KR" sz="2000" dirty="0" smtClean="0">
-              <a:solidFill>
-                <a:srgbClr val="0000FF"/>
-              </a:solidFill>
-              <a:latin typeface="+mn-ea"/>
-            </a:endParaRPr>
-          </a:p>
-          <a:p>
-            <a:pPr marL="742950" lvl="1" indent="-285750" latinLnBrk="0">
-              <a:lnSpc>
-                <a:spcPct val="150000"/>
-              </a:lnSpc>
-              <a:buFont typeface="Arial" panose="020B0604020202020204" pitchFamily="34" charset="0"/>
-              <a:buChar char="•"/>
-            </a:pPr>
-            <a:r>
-              <a:rPr lang="en-US" altLang="ko-KR" sz="1600" dirty="0" err="1" smtClean="0"/>
-              <a:t>cmd</a:t>
-            </a:r>
-            <a:r>
-              <a:rPr lang="en-US" altLang="ko-KR" sz="1600" dirty="0" smtClean="0"/>
-              <a:t> </a:t>
-            </a:r>
-            <a:r>
-              <a:rPr lang="en-US" altLang="ko-KR" sz="1600" dirty="0"/>
-              <a:t>C:\Bitnami\wampstack-7.4.11-0\mysql\bin </a:t>
-            </a:r>
-            <a:endParaRPr lang="en-US" altLang="ko-KR" sz="1600" dirty="0" smtClean="0"/>
-          </a:p>
-          <a:p>
-            <a:pPr marL="742950" lvl="1" indent="-285750" latinLnBrk="0">
-              <a:lnSpc>
-                <a:spcPct val="150000"/>
-              </a:lnSpc>
-              <a:buFont typeface="Arial" panose="020B0604020202020204" pitchFamily="34" charset="0"/>
-              <a:buChar char="•"/>
-            </a:pPr>
-            <a:r>
-              <a:rPr lang="en-US" altLang="ko-KR" sz="1600" dirty="0" err="1" smtClean="0"/>
-              <a:t>mysql</a:t>
-            </a:r>
-            <a:r>
-              <a:rPr lang="en-US" altLang="ko-KR" sz="1600" dirty="0" smtClean="0"/>
-              <a:t> –u root –p</a:t>
-            </a:r>
-          </a:p>
-          <a:p>
-            <a:pPr marL="742950" lvl="1" indent="-285750" latinLnBrk="0">
-              <a:lnSpc>
-                <a:spcPct val="150000"/>
-              </a:lnSpc>
-              <a:buFont typeface="Arial" panose="020B0604020202020204" pitchFamily="34" charset="0"/>
-              <a:buChar char="•"/>
-            </a:pPr>
-            <a:endParaRPr lang="en-US" altLang="ko-KR" sz="1600" dirty="0" smtClean="0"/>
-          </a:p>
-          <a:p>
-            <a:pPr marL="285750" indent="-285750">
-              <a:lnSpc>
-                <a:spcPct val="150000"/>
-              </a:lnSpc>
-              <a:buFont typeface="Wingdings" panose="05000000000000000000" pitchFamily="2" charset="2"/>
-              <a:buChar char="Ø"/>
-            </a:pPr>
-            <a:r>
-              <a:rPr lang="ko-KR" altLang="en-US" sz="2000" dirty="0" smtClean="0">
+              <a:t>Download </a:t>
+            </a:r>
+            <a:r>
+              <a:rPr lang="en-US" altLang="ko-KR" sz="2000" dirty="0">
                 <a:solidFill>
                   <a:srgbClr val="0000FF"/>
                 </a:solidFill>
                 <a:latin typeface="+mn-ea"/>
               </a:rPr>
-              <a:t>명령어</a:t>
-            </a:r>
-            <a:endParaRPr lang="en-US" altLang="ko-KR" sz="2000" dirty="0">
-              <a:solidFill>
-                <a:srgbClr val="0000FF"/>
-              </a:solidFill>
-              <a:latin typeface="+mn-ea"/>
-            </a:endParaRPr>
-          </a:p>
-          <a:p>
-            <a:pPr marL="742950" lvl="1" indent="-285750" latinLnBrk="0">
-              <a:lnSpc>
-                <a:spcPct val="150000"/>
-              </a:lnSpc>
-              <a:buFont typeface="Arial" panose="020B0604020202020204" pitchFamily="34" charset="0"/>
-              <a:buChar char="•"/>
-            </a:pPr>
-            <a:r>
-              <a:rPr lang="en-US" altLang="ko-KR" sz="1600" dirty="0" smtClean="0"/>
-              <a:t>show databases;</a:t>
-            </a:r>
-          </a:p>
-          <a:p>
-            <a:pPr marL="742950" lvl="1" indent="-285750" latinLnBrk="0">
-              <a:lnSpc>
-                <a:spcPct val="150000"/>
-              </a:lnSpc>
-              <a:buFont typeface="Arial" panose="020B0604020202020204" pitchFamily="34" charset="0"/>
-              <a:buChar char="•"/>
-            </a:pPr>
-            <a:r>
-              <a:rPr lang="en-US" altLang="ko-KR" sz="1600" dirty="0"/>
-              <a:t>CREATE DATABASE </a:t>
-            </a:r>
-            <a:r>
-              <a:rPr lang="en-US" altLang="ko-KR" sz="1600" dirty="0" err="1"/>
-              <a:t>opentutorials</a:t>
-            </a:r>
-            <a:r>
-              <a:rPr lang="en-US" altLang="ko-KR" sz="1600" dirty="0"/>
-              <a:t> CHARACTER SET utf8 COLLATE utf8_general_ci;</a:t>
-            </a:r>
-          </a:p>
-          <a:p>
-            <a:pPr marL="742950" lvl="1" indent="-285750" latinLnBrk="0">
-              <a:lnSpc>
-                <a:spcPct val="150000"/>
-              </a:lnSpc>
-              <a:buFont typeface="Arial" panose="020B0604020202020204" pitchFamily="34" charset="0"/>
-              <a:buChar char="•"/>
-            </a:pPr>
-            <a:r>
-              <a:rPr lang="en-US" altLang="ko-KR" sz="1600" dirty="0"/>
-              <a:t>use </a:t>
-            </a:r>
-            <a:r>
-              <a:rPr lang="en-US" altLang="ko-KR" sz="1600" dirty="0" err="1"/>
-              <a:t>opentutorials</a:t>
-            </a:r>
-            <a:r>
-              <a:rPr lang="en-US" altLang="ko-KR" sz="1600" dirty="0" smtClean="0"/>
-              <a:t>;</a:t>
-            </a:r>
-          </a:p>
-          <a:p>
-            <a:pPr marL="742950" lvl="1" indent="-285750" latinLnBrk="0">
-              <a:lnSpc>
-                <a:spcPct val="150000"/>
-              </a:lnSpc>
-              <a:buFont typeface="Arial" panose="020B0604020202020204" pitchFamily="34" charset="0"/>
-              <a:buChar char="•"/>
-            </a:pPr>
-            <a:r>
-              <a:rPr lang="en-US" altLang="ko-KR" sz="1600" dirty="0" smtClean="0"/>
-              <a:t>show tables;</a:t>
-            </a:r>
-          </a:p>
-          <a:p>
-            <a:pPr marL="742950" lvl="1" indent="-285750" latinLnBrk="0">
-              <a:lnSpc>
-                <a:spcPct val="150000"/>
-              </a:lnSpc>
-              <a:buFont typeface="Arial" panose="020B0604020202020204" pitchFamily="34" charset="0"/>
-              <a:buChar char="•"/>
-            </a:pPr>
-            <a:r>
-              <a:rPr lang="en-US" altLang="ko-KR" sz="1600" dirty="0"/>
-              <a:t>describe </a:t>
-            </a:r>
-            <a:r>
-              <a:rPr lang="en-US" altLang="ko-KR" sz="1600" dirty="0" smtClean="0"/>
-              <a:t>"table name";</a:t>
-            </a:r>
-          </a:p>
-        </p:txBody>
-      </p:sp>
-    </p:spTree>
-    <p:extLst>
-      <p:ext uri="{BB962C8B-B14F-4D97-AF65-F5344CB8AC3E}">
-        <p14:creationId xmlns:p14="http://schemas.microsoft.com/office/powerpoint/2010/main" val="2723228594"/>
-      </p:ext>
-    </p:extLst>
-  </p:cSld>
-  <p:clrMapOvr>
-    <a:masterClrMapping/>
-  </p:clrMapOvr>
-  <p:timing>
-    <p:tnLst>
-      <p:par>
-        <p:cTn id="1" dur="indefinite" restart="never" nodeType="tmRoot"/>
-      </p:par>
-    </p:tnLst>
-  </p:timing>
-</p:sld>
-</file>
-
-<file path=ppt/slides/slide5.xml><?xml version="1.0" encoding="utf-8"?>
-<p:sld xmlns:a="http://schemas.openxmlformats.org/drawingml/2006/main" xmlns:r="http://schemas.openxmlformats.org/officeDocument/2006/relationships" xmlns:p="http://schemas.openxmlformats.org/presentationml/2006/main">
-  <p:cSld>
-    <p:spTree>
-      <p:nvGrpSpPr>
-        <p:cNvPr id="1" name=""/>
-        <p:cNvGrpSpPr/>
-        <p:nvPr/>
-      </p:nvGrpSpPr>
-      <p:grpSpPr>
-        <a:xfrm>
-          <a:off x="0" y="0"/>
-          <a:ext cx="0" cy="0"/>
-          <a:chOff x="0" y="0"/>
-          <a:chExt cx="0" cy="0"/>
-        </a:xfrm>
-      </p:grpSpPr>
-      <p:sp>
-        <p:nvSpPr>
-          <p:cNvPr id="3" name="TextBox 2"/>
-          <p:cNvSpPr txBox="1"/>
-          <p:nvPr/>
-        </p:nvSpPr>
-        <p:spPr>
-          <a:xfrm>
-            <a:off x="548640" y="470346"/>
-            <a:ext cx="8055807" cy="461665"/>
-          </a:xfrm>
-          <a:prstGeom prst="rect">
-            <a:avLst/>
-          </a:prstGeom>
-          <a:noFill/>
-        </p:spPr>
-        <p:txBody>
-          <a:bodyPr wrap="square" rtlCol="0">
-            <a:spAutoFit/>
-          </a:bodyPr>
-          <a:lstStyle/>
-          <a:p>
-            <a:r>
-              <a:rPr lang="en-US" altLang="ko-KR" sz="2400" dirty="0" smtClean="0">
-                <a:latin typeface="HY헤드라인M" pitchFamily="18" charset="-127"/>
-                <a:ea typeface="HY헤드라인M" pitchFamily="18" charset="-127"/>
-              </a:rPr>
-              <a:t>MySQL </a:t>
-            </a:r>
-            <a:r>
-              <a:rPr lang="ko-KR" altLang="en-US" sz="2400" dirty="0" smtClean="0">
-                <a:latin typeface="HY헤드라인M" pitchFamily="18" charset="-127"/>
-                <a:ea typeface="HY헤드라인M" pitchFamily="18" charset="-127"/>
-              </a:rPr>
-              <a:t>설치</a:t>
-            </a:r>
-            <a:endParaRPr lang="ko-KR" altLang="en-US" sz="2400" dirty="0">
-              <a:latin typeface="HY헤드라인M" pitchFamily="18" charset="-127"/>
-              <a:ea typeface="HY헤드라인M" pitchFamily="18" charset="-127"/>
-            </a:endParaRPr>
-          </a:p>
-        </p:txBody>
-      </p:sp>
-      <p:pic>
-        <p:nvPicPr>
-          <p:cNvPr id="2" name="그림 1"/>
-          <p:cNvPicPr>
-            <a:picLocks noChangeAspect="1"/>
-          </p:cNvPicPr>
-          <p:nvPr/>
-        </p:nvPicPr>
-        <p:blipFill>
-          <a:blip r:embed="rId2" cstate="print">
-            <a:extLst>
-              <a:ext uri="{28A0092B-C50C-407E-A947-70E740481C1C}">
-                <a14:useLocalDpi xmlns:a14="http://schemas.microsoft.com/office/drawing/2010/main" val="0"/>
-              </a:ext>
-            </a:extLst>
-          </a:blip>
-          <a:stretch>
-            <a:fillRect/>
-          </a:stretch>
-        </p:blipFill>
-        <p:spPr>
-          <a:xfrm>
-            <a:off x="7596744" y="2925352"/>
-            <a:ext cx="71600" cy="71600"/>
-          </a:xfrm>
-          <a:prstGeom prst="rect">
-            <a:avLst/>
-          </a:prstGeom>
-        </p:spPr>
-      </p:pic>
-      <p:sp>
-        <p:nvSpPr>
-          <p:cNvPr id="5" name="모서리가 둥근 직사각형 4"/>
-          <p:cNvSpPr/>
-          <p:nvPr/>
-        </p:nvSpPr>
-        <p:spPr>
-          <a:xfrm>
-            <a:off x="439982" y="1251508"/>
-            <a:ext cx="8164465" cy="5345844"/>
-          </a:xfrm>
-          <a:prstGeom prst="roundRect">
-            <a:avLst>
-              <a:gd name="adj" fmla="val 8134"/>
-            </a:avLst>
-          </a:prstGeom>
-          <a:ln/>
-        </p:spPr>
-        <p:style>
-          <a:lnRef idx="2">
-            <a:schemeClr val="accent1"/>
-          </a:lnRef>
-          <a:fillRef idx="1">
-            <a:schemeClr val="lt1"/>
-          </a:fillRef>
-          <a:effectRef idx="0">
-            <a:schemeClr val="accent1"/>
-          </a:effectRef>
-          <a:fontRef idx="minor">
-            <a:schemeClr val="dk1"/>
-          </a:fontRef>
-        </p:style>
-        <p:txBody>
-          <a:bodyPr rtlCol="0" anchor="t"/>
-          <a:lstStyle/>
-          <a:p>
-            <a:pPr marL="285750" indent="-285750">
-              <a:lnSpc>
-                <a:spcPct val="150000"/>
-              </a:lnSpc>
-              <a:buFont typeface="Wingdings" panose="05000000000000000000" pitchFamily="2" charset="2"/>
-              <a:buChar char="Ø"/>
-            </a:pPr>
-            <a:r>
-              <a:rPr lang="ko-KR" altLang="en-US" sz="2000" smtClean="0">
+              <a:t>MySQL Community </a:t>
+            </a:r>
+            <a:r>
+              <a:rPr lang="en-US" altLang="ko-KR" sz="2000" dirty="0" smtClean="0">
                 <a:solidFill>
                   <a:srgbClr val="0000FF"/>
                 </a:solidFill>
                 <a:latin typeface="+mn-ea"/>
               </a:rPr>
-              <a:t>구성 요소</a:t>
-            </a:r>
-            <a:endParaRPr lang="en-US" altLang="ko-KR" sz="2000" dirty="0" smtClean="0">
+              <a:t>Server</a:t>
+            </a:r>
+          </a:p>
+          <a:p>
+            <a:pPr marL="742950" lvl="1" indent="-285750" latinLnBrk="0">
+              <a:lnSpc>
+                <a:spcPct val="150000"/>
+              </a:lnSpc>
+              <a:buFont typeface="Arial" panose="020B0604020202020204" pitchFamily="34" charset="0"/>
+              <a:buChar char="•"/>
+            </a:pPr>
+            <a:r>
+              <a:rPr lang="ko-KR" altLang="en-US" sz="1600" dirty="0" smtClean="0"/>
+              <a:t>설정</a:t>
+            </a:r>
+            <a:endParaRPr lang="en-US" altLang="ko-KR" sz="1600" dirty="0" smtClean="0"/>
+          </a:p>
+          <a:p>
+            <a:pPr marL="1200150" lvl="2" indent="-285750" latinLnBrk="0">
+              <a:lnSpc>
+                <a:spcPct val="150000"/>
+              </a:lnSpc>
+              <a:buFont typeface="Wingdings" panose="05000000000000000000" pitchFamily="2" charset="2"/>
+              <a:buChar char="ü"/>
+            </a:pPr>
+            <a:r>
+              <a:rPr lang="en-US" altLang="ko-KR" sz="1400" dirty="0">
+                <a:latin typeface="+mn-ea"/>
+              </a:rPr>
+              <a:t>mysql-installer-web-community-8.0.21.0</a:t>
+            </a:r>
+          </a:p>
+          <a:p>
+            <a:pPr marL="1200150" lvl="2" indent="-285750" latinLnBrk="0">
+              <a:lnSpc>
+                <a:spcPct val="150000"/>
+              </a:lnSpc>
+              <a:buFont typeface="Wingdings" panose="05000000000000000000" pitchFamily="2" charset="2"/>
+              <a:buChar char="ü"/>
+            </a:pPr>
+            <a:r>
+              <a:rPr lang="en-US" altLang="ko-KR" sz="1400" dirty="0" smtClean="0">
+                <a:solidFill>
+                  <a:srgbClr val="FF0000"/>
+                </a:solidFill>
+                <a:latin typeface="+mn-ea"/>
+                <a:hlinkClick r:id="rId3"/>
+              </a:rPr>
+              <a:t>jsh-1235@hanmail.net</a:t>
+            </a:r>
+            <a:endParaRPr lang="en-US" altLang="ko-KR" sz="1400" dirty="0" smtClean="0">
               <a:solidFill>
-                <a:srgbClr val="0000FF"/>
+                <a:srgbClr val="FF0000"/>
               </a:solidFill>
               <a:latin typeface="+mn-ea"/>
             </a:endParaRPr>
           </a:p>
           <a:p>
-            <a:pPr marL="742950" lvl="1" indent="-285750" latinLnBrk="0">
-              <a:lnSpc>
-                <a:spcPct val="150000"/>
-              </a:lnSpc>
-              <a:buFont typeface="Arial" panose="020B0604020202020204" pitchFamily="34" charset="0"/>
-              <a:buChar char="•"/>
-            </a:pPr>
-            <a:r>
-              <a:rPr lang="en-US" altLang="ko-KR" sz="1600" dirty="0"/>
-              <a:t>Download MySQL Community </a:t>
-            </a:r>
-            <a:r>
-              <a:rPr lang="en-US" altLang="ko-KR" sz="1600" dirty="0" smtClean="0"/>
-              <a:t>Server</a:t>
-            </a:r>
-          </a:p>
-          <a:p>
             <a:pPr marL="1200150" lvl="2" indent="-285750" latinLnBrk="0">
               <a:lnSpc>
                 <a:spcPct val="150000"/>
               </a:lnSpc>
-              <a:buFont typeface="Arial" panose="020B0604020202020204" pitchFamily="34" charset="0"/>
-              <a:buChar char="•"/>
-            </a:pPr>
-            <a:r>
-              <a:rPr lang="en-US" altLang="ko-KR" sz="1600" dirty="0"/>
-              <a:t>mysql-installer-web-community-8.0.21.0</a:t>
-            </a:r>
-          </a:p>
-          <a:p>
-            <a:pPr marL="1200150" lvl="2" indent="-285750" latinLnBrk="0">
-              <a:lnSpc>
-                <a:spcPct val="150000"/>
-              </a:lnSpc>
-              <a:buFont typeface="Arial" panose="020B0604020202020204" pitchFamily="34" charset="0"/>
-              <a:buChar char="•"/>
-            </a:pPr>
-            <a:r>
-              <a:rPr lang="en-US" altLang="ko-KR" sz="1600" dirty="0" smtClean="0">
+              <a:buFont typeface="Wingdings" panose="05000000000000000000" pitchFamily="2" charset="2"/>
+              <a:buChar char="ü"/>
+            </a:pPr>
+            <a:r>
+              <a:rPr lang="en-US" altLang="ko-KR" sz="1400" dirty="0" smtClean="0">
                 <a:solidFill>
                   <a:srgbClr val="FF0000"/>
                 </a:solidFill>
-                <a:hlinkClick r:id="rId3"/>
-              </a:rPr>
-              <a:t>jsh-1235@hanmail.net</a:t>
-            </a:r>
-            <a:endParaRPr lang="en-US" altLang="ko-KR" sz="1600" dirty="0" smtClean="0">
+                <a:latin typeface="+mn-ea"/>
+              </a:rPr>
+              <a:t>Safe Updates </a:t>
+            </a:r>
+            <a:r>
+              <a:rPr lang="ko-KR" altLang="en-US" sz="1400" dirty="0" smtClean="0">
+                <a:solidFill>
+                  <a:srgbClr val="FF0000"/>
+                </a:solidFill>
+                <a:latin typeface="+mn-ea"/>
+              </a:rPr>
+              <a:t>체크 해제</a:t>
+            </a:r>
+            <a:endParaRPr lang="en-US" altLang="ko-KR" sz="1400" dirty="0" smtClean="0">
               <a:solidFill>
                 <a:srgbClr val="FF0000"/>
               </a:solidFill>
+              <a:latin typeface="+mn-ea"/>
             </a:endParaRPr>
           </a:p>
           <a:p>
@@ -6793,76 +6510,51 @@
               <a:lnSpc>
                 <a:spcPct val="150000"/>
               </a:lnSpc>
-              <a:buFont typeface="Arial" panose="020B0604020202020204" pitchFamily="34" charset="0"/>
-              <a:buChar char="•"/>
-            </a:pPr>
-            <a:r>
-              <a:rPr lang="en-US" altLang="ko-KR" sz="1600" dirty="0" smtClean="0">
+              <a:buFont typeface="Wingdings" panose="05000000000000000000" pitchFamily="2" charset="2"/>
+              <a:buChar char="ü"/>
+            </a:pPr>
+            <a:r>
+              <a:rPr lang="en-US" altLang="ko-KR" sz="1400" dirty="0" smtClean="0">
                 <a:solidFill>
                   <a:srgbClr val="FF0000"/>
                 </a:solidFill>
-              </a:rPr>
-              <a:t>Safe Updates </a:t>
-            </a:r>
-            <a:r>
-              <a:rPr lang="ko-KR" altLang="en-US" sz="1600" dirty="0" smtClean="0">
+                <a:latin typeface="+mn-ea"/>
+              </a:rPr>
+              <a:t>MySQL Installer </a:t>
+            </a:r>
+            <a:r>
+              <a:rPr lang="en-US" altLang="ko-KR" sz="1400" dirty="0">
                 <a:solidFill>
                   <a:srgbClr val="FF0000"/>
                 </a:solidFill>
-              </a:rPr>
-              <a:t>체크 해제</a:t>
-            </a:r>
-            <a:endParaRPr lang="en-US" altLang="ko-KR" sz="1600" dirty="0" smtClean="0">
-              <a:solidFill>
-                <a:srgbClr val="FF0000"/>
-              </a:solidFill>
-            </a:endParaRPr>
-          </a:p>
-          <a:p>
-            <a:pPr marL="1200150" lvl="2" indent="-285750" latinLnBrk="0">
-              <a:lnSpc>
-                <a:spcPct val="150000"/>
-              </a:lnSpc>
-              <a:buFont typeface="Arial" panose="020B0604020202020204" pitchFamily="34" charset="0"/>
-              <a:buChar char="•"/>
-            </a:pPr>
-            <a:r>
-              <a:rPr lang="en-US" altLang="ko-KR" sz="1600" dirty="0" smtClean="0">
+                <a:latin typeface="+mn-ea"/>
+              </a:rPr>
+              <a:t>&gt; </a:t>
+            </a:r>
+            <a:r>
+              <a:rPr lang="en-US" altLang="ko-KR" sz="1400" dirty="0" smtClean="0">
                 <a:solidFill>
                   <a:srgbClr val="FF0000"/>
                 </a:solidFill>
-              </a:rPr>
-              <a:t>MySQL Installer </a:t>
-            </a:r>
-            <a:r>
-              <a:rPr lang="en-US" altLang="ko-KR" sz="1600" dirty="0">
+                <a:latin typeface="+mn-ea"/>
+              </a:rPr>
+              <a:t>Server &gt; Reconfigure </a:t>
+            </a:r>
+            <a:r>
+              <a:rPr lang="en-US" altLang="ko-KR" sz="1400" dirty="0">
                 <a:solidFill>
                   <a:srgbClr val="FF0000"/>
                 </a:solidFill>
+                <a:latin typeface="+mn-ea"/>
               </a:rPr>
               <a:t>&gt; </a:t>
             </a:r>
             <a:r>
-              <a:rPr lang="en-US" altLang="ko-KR" sz="1600" dirty="0" smtClean="0">
+              <a:rPr lang="en-US" altLang="ko-KR" sz="1400" dirty="0" smtClean="0">
                 <a:solidFill>
                   <a:srgbClr val="FF0000"/>
                 </a:solidFill>
-              </a:rPr>
-              <a:t>Server &gt; Reconfigure </a:t>
-            </a:r>
-            <a:r>
-              <a:rPr lang="en-US" altLang="ko-KR" sz="1600" dirty="0">
-                <a:solidFill>
-                  <a:srgbClr val="FF0000"/>
-                </a:solidFill>
-              </a:rPr>
-              <a:t>&gt; </a:t>
-            </a:r>
-            <a:r>
-              <a:rPr lang="en-US" altLang="ko-KR" sz="1600" dirty="0" smtClean="0">
-                <a:solidFill>
-                  <a:srgbClr val="FF0000"/>
-                </a:solidFill>
+                <a:latin typeface="+mn-ea"/>
               </a:rPr>
               <a:t>Authentication Method &gt; Use Legacy Authentication Method </a:t>
             </a:r>
@@ -6933,7 +6625,7 @@
         </p:nvGrpSpPr>
         <p:grpSpPr>
           <a:xfrm>
-            <a:off x="1870808" y="4653136"/>
+            <a:off x="1870808" y="4293096"/>
             <a:ext cx="5402385" cy="1744042"/>
             <a:chOff x="1259632" y="3789040"/>
             <a:chExt cx="7060354" cy="2608138"/>
@@ -7008,7 +6700,7 @@
 </p:sld>
 </file>
 
-<file path=ppt/slides/slide6.xml><?xml version="1.0" encoding="utf-8"?>
+<file path=ppt/slides/slide5.xml><?xml version="1.0" encoding="utf-8"?>
 <p:sld xmlns:a="http://schemas.openxmlformats.org/drawingml/2006/main" xmlns:r="http://schemas.openxmlformats.org/officeDocument/2006/relationships" xmlns:p="http://schemas.openxmlformats.org/presentationml/2006/main">
   <p:cSld>
     <p:spTree>
@@ -7048,23 +6740,26 @@
           <a:lstStyle/>
           <a:p>
             <a:r>
+              <a:rPr lang="en-US" altLang="ko-KR" sz="2400" dirty="0" err="1" smtClean="0">
+                <a:latin typeface="HY헤드라인M" pitchFamily="18" charset="-127"/>
+                <a:ea typeface="HY헤드라인M" pitchFamily="18" charset="-127"/>
+              </a:rPr>
+              <a:t>Heroku</a:t>
+            </a:r>
+            <a:r>
               <a:rPr lang="en-US" altLang="ko-KR" sz="2400" dirty="0" smtClean="0">
                 <a:latin typeface="HY헤드라인M" pitchFamily="18" charset="-127"/>
                 <a:ea typeface="HY헤드라인M" pitchFamily="18" charset="-127"/>
               </a:rPr>
-              <a:t>Database </a:t>
-            </a:r>
-            <a:r>
-              <a:rPr lang="ko-KR" altLang="en-US" sz="2400" dirty="0" smtClean="0">
+              <a:t> MySQL </a:t>
+            </a:r>
+            <a:r>
+              <a:rPr lang="ko-KR" altLang="en-US" sz="2400" dirty="0">
                 <a:latin typeface="HY헤드라인M" pitchFamily="18" charset="-127"/>
                 <a:ea typeface="HY헤드라인M" pitchFamily="18" charset="-127"/>
               </a:rPr>
-              <a:t>설정</a:t>
-            </a:r>
-            <a:endParaRPr lang="ko-KR" altLang="en-US" sz="2400" dirty="0">
-              <a:latin typeface="HY헤드라인M" pitchFamily="18" charset="-127"/>
-              <a:ea typeface="HY헤드라인M" pitchFamily="18" charset="-127"/>
-            </a:endParaRPr>
+              <a:t>설치</a:t>
+            </a:r>
           </a:p>
         </p:txBody>
       </p:sp>
@@ -7142,13 +6837,22 @@
               <a:buChar char="Ø"/>
             </a:pPr>
             <a:r>
+              <a:rPr lang="en-US" altLang="ko-KR" sz="2000" dirty="0" err="1" smtClean="0">
+                <a:solidFill>
+                  <a:srgbClr val="0000FF"/>
+                </a:solidFill>
+                <a:latin typeface="+mn-ea"/>
+              </a:rPr>
+              <a:t>ClearDB</a:t>
+            </a:r>
+            <a:r>
               <a:rPr lang="en-US" altLang="ko-KR" sz="2000" dirty="0" smtClean="0">
                 <a:solidFill>
                   <a:srgbClr val="0000FF"/>
                 </a:solidFill>
                 <a:latin typeface="+mn-ea"/>
               </a:rPr>
-              <a:t>MySQL</a:t>
+              <a:t> MySQL</a:t>
             </a:r>
           </a:p>
           <a:p>
@@ -7160,11 +6864,70 @@
               <a:buChar char="•"/>
             </a:pPr>
             <a:r>
+              <a:rPr lang="en-US" altLang="ko-KR" sz="1400" dirty="0" err="1"/>
+              <a:t>heroku</a:t>
+            </a:r>
+            <a:r>
+              <a:rPr lang="en-US" altLang="ko-KR" sz="1400" dirty="0"/>
+              <a:t> </a:t>
+            </a:r>
+            <a:r>
+              <a:rPr lang="en-US" altLang="ko-KR" sz="1400" dirty="0" err="1"/>
+              <a:t>addons:create</a:t>
+            </a:r>
+            <a:r>
+              <a:rPr lang="en-US" altLang="ko-KR" sz="1400" dirty="0"/>
+              <a:t> </a:t>
+            </a:r>
+            <a:r>
               <a:rPr lang="en-US" altLang="ko-KR" sz="1400" dirty="0" err="1" smtClean="0"/>
+              <a:t>cleardb:ignite</a:t>
+            </a:r>
+            <a:endParaRPr lang="en-US" altLang="ko-KR" sz="1400" dirty="0" smtClean="0"/>
+          </a:p>
+          <a:p>
+            <a:pPr marL="742950" lvl="1" indent="-285750" latinLnBrk="0">
+              <a:lnSpc>
+                <a:spcPct val="150000"/>
+              </a:lnSpc>
+              <a:buFont typeface="Arial" panose="020B0604020202020204" pitchFamily="34" charset="0"/>
+              <a:buChar char="•"/>
+            </a:pPr>
+            <a:r>
+              <a:rPr lang="en-US" altLang="ko-KR" sz="1400" dirty="0" err="1"/>
+              <a:t>heroku</a:t>
+            </a:r>
+            <a:r>
+              <a:rPr lang="en-US" altLang="ko-KR" sz="1400" dirty="0"/>
+              <a:t> </a:t>
+            </a:r>
+            <a:r>
+              <a:rPr lang="en-US" altLang="ko-KR" sz="1400" dirty="0" err="1"/>
+              <a:t>config</a:t>
+            </a:r>
+            <a:r>
+              <a:rPr lang="en-US" altLang="ko-KR" sz="1400" dirty="0"/>
+              <a:t> CLEARDB_DATABASE_URL : mysql://&lt;username&gt;:&lt;password&gt;@&lt;hostname&gt;/&lt;Default Schema&gt;?</a:t>
+            </a:r>
+            <a:r>
+              <a:rPr lang="en-US" altLang="ko-KR" sz="1400" dirty="0" smtClean="0"/>
+              <a:t>reconnection=true</a:t>
+            </a:r>
+          </a:p>
+          <a:p>
+            <a:pPr marL="742950" lvl="1" indent="-285750" latinLnBrk="0">
+              <a:lnSpc>
+                <a:spcPct val="150000"/>
+              </a:lnSpc>
+              <a:buFont typeface="Arial" panose="020B0604020202020204" pitchFamily="34" charset="0"/>
+              <a:buChar char="•"/>
+            </a:pPr>
+            <a:r>
+              <a:rPr lang="en-US" altLang="ko-KR" sz="1200" dirty="0" err="1" smtClean="0"/>
               <a:t>ClearDB</a:t>
             </a:r>
             <a:r>
-              <a:rPr lang="en-US" altLang="ko-KR" sz="1400" dirty="0" smtClean="0"/>
+              <a:rPr lang="en-US" altLang="ko-KR" sz="1200" dirty="0" smtClean="0"/>
               <a:t> MySQL</a:t>
             </a:r>
           </a:p>
@@ -7177,10 +6940,10 @@
               <a:buChar char="ü"/>
             </a:pPr>
             <a:r>
-              <a:rPr lang="en-US" altLang="ko-KR" sz="1400" dirty="0" smtClean="0"/>
+              <a:rPr lang="en-US" altLang="ko-KR" sz="1200" dirty="0" smtClean="0"/>
               <a:t>Ignite - Free</a:t>
             </a:r>
-            <a:endParaRPr lang="en-US" altLang="ko-KR" sz="1400" dirty="0"/>
+            <a:endParaRPr lang="en-US" altLang="ko-KR" sz="1200" dirty="0"/>
           </a:p>
           <a:p>
             <a:pPr marL="742950" lvl="1" indent="-285750" latinLnBrk="0">
@@ -7191,22 +6954,22 @@
               <a:buChar char="•"/>
             </a:pPr>
             <a:r>
-              <a:rPr lang="en-US" altLang="ko-KR" sz="1400" dirty="0" smtClean="0"/>
+              <a:rPr lang="en-US" altLang="ko-KR" sz="1200" dirty="0" smtClean="0"/>
               <a:t>Settings -&gt; </a:t>
             </a:r>
             <a:r>
-              <a:rPr lang="en-US" altLang="ko-KR" sz="1400" dirty="0" err="1" smtClean="0"/>
+              <a:rPr lang="en-US" altLang="ko-KR" sz="1200" dirty="0" err="1" smtClean="0"/>
               <a:t>Config</a:t>
             </a:r>
             <a:r>
-              <a:rPr lang="en-US" altLang="ko-KR" sz="1400" dirty="0" smtClean="0"/>
+              <a:rPr lang="en-US" altLang="ko-KR" sz="1200" dirty="0" smtClean="0"/>
               <a:t> </a:t>
             </a:r>
             <a:r>
-              <a:rPr lang="en-US" altLang="ko-KR" sz="1400" dirty="0" err="1" smtClean="0"/>
+              <a:rPr lang="en-US" altLang="ko-KR" sz="1200" dirty="0" err="1" smtClean="0"/>
               <a:t>Vars</a:t>
             </a:r>
-            <a:endParaRPr lang="en-US" altLang="ko-KR" sz="1400" dirty="0"/>
+            <a:endParaRPr lang="en-US" altLang="ko-KR" sz="1200" dirty="0"/>
           </a:p>
           <a:p>
             <a:pPr marL="1200150" lvl="2" indent="-285750" latinLnBrk="0">
@@ -7217,11 +6980,11 @@
               <a:buChar char="ü"/>
             </a:pPr>
             <a:r>
-              <a:rPr lang="en-US" altLang="ko-KR" sz="1400" dirty="0"/>
+              <a:rPr lang="en-US" altLang="ko-KR" sz="1200" dirty="0"/>
               <a:t>mysql://</a:t>
             </a:r>
             <a:r>
-              <a:rPr lang="en-US" altLang="ko-KR" sz="1400" dirty="0" smtClean="0"/>
+              <a:rPr lang="en-US" altLang="ko-KR" sz="1200" dirty="0" smtClean="0"/>
               <a:t>b7f38136889ea3:9bc0ca2f@us-cdbr-east-02.cleardb.com/heroku_c7d8ff5943024e2?reconnect=true</a:t>
             </a:r>
           </a:p>
@@ -7234,11 +6997,11 @@
               <a:buChar char="ü"/>
             </a:pPr>
             <a:r>
-              <a:rPr lang="en-US" altLang="ko-KR" sz="1400" dirty="0"/>
+              <a:rPr lang="en-US" altLang="ko-KR" sz="1200" dirty="0"/>
               <a:t>mysql://[user name]:[password]@[Host name]/[password2]?</a:t>
             </a:r>
             <a:r>
-              <a:rPr lang="en-US" altLang="ko-KR" sz="1400" dirty="0" smtClean="0"/>
+              <a:rPr lang="en-US" altLang="ko-KR" sz="1200" dirty="0" smtClean="0"/>
               <a:t>reconnect=true</a:t>
             </a:r>
           </a:p>
@@ -7251,10 +7014,10 @@
               <a:buChar char="•"/>
             </a:pPr>
             <a:r>
-              <a:rPr lang="en-US" altLang="ko-KR" sz="1400" dirty="0" smtClean="0"/>
+              <a:rPr lang="en-US" altLang="ko-KR" sz="1200" dirty="0" smtClean="0"/>
               <a:t>MySQL Workbench</a:t>
             </a:r>
-            <a:endParaRPr lang="en-US" altLang="ko-KR" sz="1400" dirty="0"/>
+            <a:endParaRPr lang="en-US" altLang="ko-KR" sz="1200" dirty="0"/>
           </a:p>
           <a:p>
             <a:pPr marL="1200150" lvl="2" indent="-285750" latinLnBrk="0">
@@ -7265,7 +7028,7 @@
               <a:buChar char="ü"/>
             </a:pPr>
             <a:r>
-              <a:rPr lang="en-US" altLang="ko-KR" sz="1400" dirty="0">
+              <a:rPr lang="en-US" altLang="ko-KR" sz="1200" dirty="0">
                 <a:solidFill>
                   <a:srgbClr val="FF0000"/>
                 </a:solidFill>
@@ -7273,7 +7036,7 @@
               <a:t>Hostname : </a:t>
             </a:r>
             <a:r>
-              <a:rPr lang="en-US" altLang="ko-KR" sz="1400" dirty="0" smtClean="0">
+              <a:rPr lang="en-US" altLang="ko-KR" sz="1200" dirty="0" smtClean="0">
                 <a:solidFill>
                   <a:srgbClr val="FF0000"/>
                 </a:solidFill>
@@ -7290,7 +7053,7 @@
               <a:buChar char="ü"/>
             </a:pPr>
             <a:r>
-              <a:rPr lang="en-US" altLang="ko-KR" sz="1400" dirty="0" smtClean="0">
+              <a:rPr lang="en-US" altLang="ko-KR" sz="1200" dirty="0" smtClean="0">
                 <a:solidFill>
                   <a:srgbClr val="FF0000"/>
                 </a:solidFill>
@@ -7307,14 +7070,14 @@
               <a:buChar char="ü"/>
             </a:pPr>
             <a:r>
-              <a:rPr lang="en-US" altLang="ko-KR" sz="1400" dirty="0">
+              <a:rPr lang="en-US" altLang="ko-KR" sz="1200" dirty="0">
                 <a:solidFill>
                   <a:srgbClr val="FF0000"/>
                 </a:solidFill>
               </a:rPr>
               <a:t>Username : b7f38136889ea3</a:t>
             </a:r>
-            <a:endParaRPr lang="en-US" altLang="ko-KR" sz="1400" dirty="0" smtClean="0">
+            <a:endParaRPr lang="en-US" altLang="ko-KR" sz="1200" dirty="0" smtClean="0">
               <a:solidFill>
                 <a:srgbClr val="FF0000"/>
               </a:solidFill>
@@ -7329,7 +7092,7 @@
               <a:buChar char="ü"/>
             </a:pPr>
             <a:r>
-              <a:rPr lang="en-US" altLang="ko-KR" sz="1400" dirty="0" smtClean="0">
+              <a:rPr lang="en-US" altLang="ko-KR" sz="1200" dirty="0" smtClean="0">
                 <a:solidFill>
                   <a:srgbClr val="FF0000"/>
                 </a:solidFill>
@@ -7346,7 +7109,7 @@
               <a:buChar char="ü"/>
             </a:pPr>
             <a:r>
-              <a:rPr lang="en-US" altLang="ko-KR" sz="1400" dirty="0">
+              <a:rPr lang="en-US" altLang="ko-KR" sz="1200" dirty="0">
                 <a:solidFill>
                   <a:srgbClr val="FF0000"/>
                 </a:solidFill>
@@ -7424,6 +7187,307 @@
     <p:extLst>
       <p:ext uri="{BB962C8B-B14F-4D97-AF65-F5344CB8AC3E}">
         <p14:creationId xmlns:p14="http://schemas.microsoft.com/office/powerpoint/2010/main" val="1481137822"/>
+      </p:ext>
+    </p:extLst>
+  </p:cSld>
+  <p:clrMapOvr>
+    <a:masterClrMapping/>
+  </p:clrMapOvr>
+  <p:timing>
+    <p:tnLst>
+      <p:par>
+        <p:cTn id="1" dur="indefinite" restart="never" nodeType="tmRoot"/>
+      </p:par>
+    </p:tnLst>
+  </p:timing>
+</p:sld>
+</file>
+
+<file path=ppt/slides/slide6.xml><?xml version="1.0" encoding="utf-8"?>
+<p:sld xmlns:a="http://schemas.openxmlformats.org/drawingml/2006/main" xmlns:r="http://schemas.openxmlformats.org/officeDocument/2006/relationships" xmlns:p="http://schemas.openxmlformats.org/presentationml/2006/main">
+  <p:cSld>
+    <p:spTree>
+      <p:nvGrpSpPr>
+        <p:cNvPr id="1" name=""/>
+        <p:cNvGrpSpPr/>
+        <p:nvPr/>
+      </p:nvGrpSpPr>
+      <p:grpSpPr>
+        <a:xfrm>
+          <a:off x="0" y="0"/>
+          <a:ext cx="0" cy="0"/>
+          <a:chOff x="0" y="0"/>
+          <a:chExt cx="0" cy="0"/>
+        </a:xfrm>
+      </p:grpSpPr>
+      <p:sp>
+        <p:nvSpPr>
+          <p:cNvPr id="3" name="TextBox 2"/>
+          <p:cNvSpPr txBox="1"/>
+          <p:nvPr/>
+        </p:nvSpPr>
+        <p:spPr>
+          <a:xfrm>
+            <a:off x="548640" y="470346"/>
+            <a:ext cx="8055807" cy="461665"/>
+          </a:xfrm>
+          <a:prstGeom prst="rect">
+            <a:avLst/>
+          </a:prstGeom>
+          <a:noFill/>
+        </p:spPr>
+        <p:txBody>
+          <a:bodyPr wrap="square" rtlCol="0">
+            <a:spAutoFit/>
+          </a:bodyPr>
+          <a:lstStyle/>
+          <a:p>
+            <a:r>
+              <a:rPr lang="en-US" altLang="ko-KR" sz="2400" dirty="0" smtClean="0">
+                <a:latin typeface="HY헤드라인M" pitchFamily="18" charset="-127"/>
+                <a:ea typeface="HY헤드라인M" pitchFamily="18" charset="-127"/>
+              </a:rPr>
+              <a:t>MySQL 8.0 Command Line Client</a:t>
+            </a:r>
+            <a:endParaRPr lang="ko-KR" altLang="en-US" sz="2400" dirty="0">
+              <a:latin typeface="HY헤드라인M" pitchFamily="18" charset="-127"/>
+              <a:ea typeface="HY헤드라인M" pitchFamily="18" charset="-127"/>
+            </a:endParaRPr>
+          </a:p>
+        </p:txBody>
+      </p:sp>
+      <p:pic>
+        <p:nvPicPr>
+          <p:cNvPr id="2" name="그림 1"/>
+          <p:cNvPicPr>
+            <a:picLocks noChangeAspect="1"/>
+          </p:cNvPicPr>
+          <p:nvPr/>
+        </p:nvPicPr>
+        <p:blipFill>
+          <a:blip r:embed="rId2" cstate="print">
+            <a:extLst>
+              <a:ext uri="{28A0092B-C50C-407E-A947-70E740481C1C}">
+                <a14:useLocalDpi xmlns:a14="http://schemas.microsoft.com/office/drawing/2010/main" val="0"/>
+              </a:ext>
+            </a:extLst>
+          </a:blip>
+          <a:stretch>
+            <a:fillRect/>
+          </a:stretch>
+        </p:blipFill>
+        <p:spPr>
+          <a:xfrm>
+            <a:off x="7596744" y="2925352"/>
+            <a:ext cx="71600" cy="71600"/>
+          </a:xfrm>
+          <a:prstGeom prst="rect">
+            <a:avLst/>
+          </a:prstGeom>
+        </p:spPr>
+      </p:pic>
+      <p:sp>
+        <p:nvSpPr>
+          <p:cNvPr id="5" name="모서리가 둥근 직사각형 4"/>
+          <p:cNvSpPr/>
+          <p:nvPr/>
+        </p:nvSpPr>
+        <p:spPr>
+          <a:xfrm>
+            <a:off x="439982" y="1251508"/>
+            <a:ext cx="8164465" cy="5345844"/>
+          </a:xfrm>
+          <a:prstGeom prst="roundRect">
+            <a:avLst>
+              <a:gd name="adj" fmla="val 8134"/>
+            </a:avLst>
+          </a:prstGeom>
+          <a:ln/>
+        </p:spPr>
+        <p:style>
+          <a:lnRef idx="2">
+            <a:schemeClr val="accent1"/>
+          </a:lnRef>
+          <a:fillRef idx="1">
+            <a:schemeClr val="lt1"/>
+          </a:fillRef>
+          <a:effectRef idx="0">
+            <a:schemeClr val="accent1"/>
+          </a:effectRef>
+          <a:fontRef idx="minor">
+            <a:schemeClr val="dk1"/>
+          </a:fontRef>
+        </p:style>
+        <p:txBody>
+          <a:bodyPr rtlCol="0" anchor="t"/>
+          <a:lstStyle/>
+          <a:p>
+            <a:pPr marL="285750" indent="-285750">
+              <a:lnSpc>
+                <a:spcPct val="150000"/>
+              </a:lnSpc>
+              <a:buFont typeface="Wingdings" panose="05000000000000000000" pitchFamily="2" charset="2"/>
+              <a:buChar char="Ø"/>
+            </a:pPr>
+            <a:r>
+              <a:rPr lang="ko-KR" altLang="en-US" sz="2000" dirty="0" smtClean="0">
+                <a:solidFill>
+                  <a:srgbClr val="0000FF"/>
+                </a:solidFill>
+                <a:latin typeface="+mn-ea"/>
+              </a:rPr>
+              <a:t>연결</a:t>
+            </a:r>
+            <a:endParaRPr lang="en-US" altLang="ko-KR" sz="2000" dirty="0" smtClean="0">
+              <a:solidFill>
+                <a:srgbClr val="0000FF"/>
+              </a:solidFill>
+              <a:latin typeface="+mn-ea"/>
+            </a:endParaRPr>
+          </a:p>
+          <a:p>
+            <a:pPr marL="742950" lvl="1" indent="-285750" latinLnBrk="0">
+              <a:lnSpc>
+                <a:spcPct val="150000"/>
+              </a:lnSpc>
+              <a:buFont typeface="Arial" panose="020B0604020202020204" pitchFamily="34" charset="0"/>
+              <a:buChar char="•"/>
+            </a:pPr>
+            <a:r>
+              <a:rPr lang="en-US" altLang="ko-KR" sz="1600" dirty="0" err="1" smtClean="0"/>
+              <a:t>cmd</a:t>
+            </a:r>
+            <a:r>
+              <a:rPr lang="en-US" altLang="ko-KR" sz="1600" dirty="0" smtClean="0"/>
+              <a:t> </a:t>
+            </a:r>
+            <a:r>
+              <a:rPr lang="en-US" altLang="ko-KR" sz="1600" dirty="0"/>
+              <a:t>C:\Bitnami\wampstack-7.4.11-0\mysql\bin </a:t>
+            </a:r>
+            <a:endParaRPr lang="en-US" altLang="ko-KR" sz="1600" dirty="0" smtClean="0"/>
+          </a:p>
+          <a:p>
+            <a:pPr marL="742950" lvl="1" indent="-285750" latinLnBrk="0">
+              <a:lnSpc>
+                <a:spcPct val="150000"/>
+              </a:lnSpc>
+              <a:buFont typeface="Arial" panose="020B0604020202020204" pitchFamily="34" charset="0"/>
+              <a:buChar char="•"/>
+            </a:pPr>
+            <a:r>
+              <a:rPr lang="en-US" altLang="ko-KR" sz="1600" dirty="0" err="1" smtClean="0"/>
+              <a:t>mysql</a:t>
+            </a:r>
+            <a:r>
+              <a:rPr lang="en-US" altLang="ko-KR" sz="1600" dirty="0" smtClean="0"/>
+              <a:t> –u root –p</a:t>
+            </a:r>
+          </a:p>
+          <a:p>
+            <a:pPr marL="742950" lvl="1" indent="-285750" latinLnBrk="0">
+              <a:lnSpc>
+                <a:spcPct val="150000"/>
+              </a:lnSpc>
+              <a:buFont typeface="Arial" panose="020B0604020202020204" pitchFamily="34" charset="0"/>
+              <a:buChar char="•"/>
+            </a:pPr>
+            <a:endParaRPr lang="en-US" altLang="ko-KR" sz="1600" dirty="0" smtClean="0"/>
+          </a:p>
+          <a:p>
+            <a:pPr marL="285750" indent="-285750">
+              <a:lnSpc>
+                <a:spcPct val="150000"/>
+              </a:lnSpc>
+              <a:buFont typeface="Wingdings" panose="05000000000000000000" pitchFamily="2" charset="2"/>
+              <a:buChar char="Ø"/>
+            </a:pPr>
+            <a:r>
+              <a:rPr lang="ko-KR" altLang="en-US" sz="2000" dirty="0" smtClean="0">
+                <a:solidFill>
+                  <a:srgbClr val="0000FF"/>
+                </a:solidFill>
+                <a:latin typeface="+mn-ea"/>
+              </a:rPr>
+              <a:t>명령어</a:t>
+            </a:r>
+            <a:endParaRPr lang="en-US" altLang="ko-KR" sz="2000" dirty="0">
+              <a:solidFill>
+                <a:srgbClr val="0000FF"/>
+              </a:solidFill>
+              <a:latin typeface="+mn-ea"/>
+            </a:endParaRPr>
+          </a:p>
+          <a:p>
+            <a:pPr marL="742950" lvl="1" indent="-285750" latinLnBrk="0">
+              <a:lnSpc>
+                <a:spcPct val="150000"/>
+              </a:lnSpc>
+              <a:buFont typeface="Arial" panose="020B0604020202020204" pitchFamily="34" charset="0"/>
+              <a:buChar char="•"/>
+            </a:pPr>
+            <a:r>
+              <a:rPr lang="en-US" altLang="ko-KR" sz="1600" dirty="0" smtClean="0"/>
+              <a:t>show databases;</a:t>
+            </a:r>
+          </a:p>
+          <a:p>
+            <a:pPr marL="742950" lvl="1" indent="-285750" latinLnBrk="0">
+              <a:lnSpc>
+                <a:spcPct val="150000"/>
+              </a:lnSpc>
+              <a:buFont typeface="Arial" panose="020B0604020202020204" pitchFamily="34" charset="0"/>
+              <a:buChar char="•"/>
+            </a:pPr>
+            <a:r>
+              <a:rPr lang="en-US" altLang="ko-KR" sz="1600" dirty="0" smtClean="0"/>
+              <a:t>use </a:t>
+            </a:r>
+            <a:r>
+              <a:rPr lang="en-US" altLang="ko-KR" sz="1600" smtClean="0"/>
+              <a:t>"database </a:t>
+            </a:r>
+            <a:r>
+              <a:rPr lang="en-US" altLang="ko-KR" sz="1600" dirty="0" smtClean="0"/>
+              <a:t>name";</a:t>
+            </a:r>
+          </a:p>
+          <a:p>
+            <a:pPr marL="742950" lvl="1" indent="-285750" latinLnBrk="0">
+              <a:lnSpc>
+                <a:spcPct val="150000"/>
+              </a:lnSpc>
+              <a:buFont typeface="Arial" panose="020B0604020202020204" pitchFamily="34" charset="0"/>
+              <a:buChar char="•"/>
+            </a:pPr>
+            <a:r>
+              <a:rPr lang="en-US" altLang="ko-KR" sz="1600" dirty="0" smtClean="0"/>
+              <a:t>show tables;</a:t>
+            </a:r>
+          </a:p>
+          <a:p>
+            <a:pPr marL="742950" lvl="1" indent="-285750" latinLnBrk="0">
+              <a:lnSpc>
+                <a:spcPct val="150000"/>
+              </a:lnSpc>
+              <a:buFont typeface="Arial" panose="020B0604020202020204" pitchFamily="34" charset="0"/>
+              <a:buChar char="•"/>
+            </a:pPr>
+            <a:r>
+              <a:rPr lang="en-US" altLang="ko-KR" sz="1600" dirty="0"/>
+              <a:t>describe </a:t>
+            </a:r>
+            <a:r>
+              <a:rPr lang="en-US" altLang="ko-KR" sz="1600" dirty="0" smtClean="0"/>
+              <a:t>"table name";</a:t>
+            </a:r>
+          </a:p>
+        </p:txBody>
+      </p:sp>
+    </p:spTree>
+    <p:extLst>
+      <p:ext uri="{BB962C8B-B14F-4D97-AF65-F5344CB8AC3E}">
+        <p14:creationId xmlns:p14="http://schemas.microsoft.com/office/powerpoint/2010/main" val="2723228594"/>
       </p:ext>
     </p:extLst>
   </p:cSld>

--- a/Database/MySQL 시작하기.pptx
+++ b/Database/MySQL 시작하기.pptx
@@ -5,10 +5,10 @@
     <p:sldMasterId id="2147483659" r:id="rId1"/>
   </p:sldMasterIdLst>
   <p:notesMasterIdLst>
-    <p:notesMasterId r:id="rId21"/>
+    <p:notesMasterId r:id="rId24"/>
   </p:notesMasterIdLst>
   <p:handoutMasterIdLst>
-    <p:handoutMasterId r:id="rId22"/>
+    <p:handoutMasterId r:id="rId25"/>
   </p:handoutMasterIdLst>
   <p:sldIdLst>
     <p:sldId id="615" r:id="rId2"/>
@@ -19,17 +19,20 @@
     <p:sldId id="1128" r:id="rId7"/>
     <p:sldId id="1144" r:id="rId8"/>
     <p:sldId id="1129" r:id="rId9"/>
-    <p:sldId id="1130" r:id="rId10"/>
-    <p:sldId id="1131" r:id="rId11"/>
-    <p:sldId id="1132" r:id="rId12"/>
-    <p:sldId id="1133" r:id="rId13"/>
-    <p:sldId id="1134" r:id="rId14"/>
-    <p:sldId id="1135" r:id="rId15"/>
-    <p:sldId id="1137" r:id="rId16"/>
-    <p:sldId id="1138" r:id="rId17"/>
-    <p:sldId id="1139" r:id="rId18"/>
-    <p:sldId id="1140" r:id="rId19"/>
-    <p:sldId id="1141" r:id="rId20"/>
+    <p:sldId id="1146" r:id="rId10"/>
+    <p:sldId id="1147" r:id="rId11"/>
+    <p:sldId id="1148" r:id="rId12"/>
+    <p:sldId id="1130" r:id="rId13"/>
+    <p:sldId id="1131" r:id="rId14"/>
+    <p:sldId id="1132" r:id="rId15"/>
+    <p:sldId id="1133" r:id="rId16"/>
+    <p:sldId id="1134" r:id="rId17"/>
+    <p:sldId id="1135" r:id="rId18"/>
+    <p:sldId id="1137" r:id="rId19"/>
+    <p:sldId id="1138" r:id="rId20"/>
+    <p:sldId id="1139" r:id="rId21"/>
+    <p:sldId id="1140" r:id="rId22"/>
+    <p:sldId id="1141" r:id="rId23"/>
   </p:sldIdLst>
   <p:sldSz cx="9144000" cy="6858000" type="screen4x3"/>
   <p:notesSz cx="6865938" cy="9998075"/>
@@ -262,7 +265,7 @@
           <a:p>
             <a:fld id="{0701E38F-D71B-4628-B377-F26FA834EB07}" type="datetimeFigureOut">
               <a:rPr lang="ko-KR" altLang="en-US" smtClean="0"/>
-              <a:t>2022-12-20</a:t>
+              <a:t>2023-03-15</a:t>
             </a:fld>
             <a:endParaRPr lang="ko-KR" altLang="en-US"/>
           </a:p>
@@ -428,7 +431,7 @@
             <a:fld id="{BC75A1C1-99F9-4ED1-B968-97F8F766565C}" type="datetimeFigureOut">
               <a:rPr lang="ko-KR" altLang="en-US" smtClean="0"/>
               <a:pPr/>
-              <a:t>2022-12-20</a:t>
+              <a:t>2023-03-15</a:t>
             </a:fld>
             <a:endParaRPr lang="ko-KR" altLang="en-US"/>
           </a:p>
@@ -2644,19 +2647,30 @@
           <a:lstStyle/>
           <a:p>
             <a:r>
-              <a:rPr lang="en-US" altLang="ko-KR" sz="2400" dirty="0">
+              <a:rPr lang="en-US" altLang="ko-KR" sz="2400" dirty="0" err="1">
                 <a:latin typeface="HY헤드라인M" pitchFamily="18" charset="-127"/>
                 <a:ea typeface="HY헤드라인M" pitchFamily="18" charset="-127"/>
               </a:rPr>
-              <a:t>MySQL </a:t>
-            </a:r>
-            <a:r>
-              <a:rPr lang="ko-KR" altLang="en-US" sz="2400" dirty="0">
+              <a:t>O</a:t>
+            </a:r>
+            <a:r>
+              <a:rPr lang="en-US" altLang="ko-KR" sz="2400" dirty="0" err="1" smtClean="0">
                 <a:latin typeface="HY헤드라인M" pitchFamily="18" charset="-127"/>
                 <a:ea typeface="HY헤드라인M" pitchFamily="18" charset="-127"/>
               </a:rPr>
-              <a:t>명령어</a:t>
-            </a:r>
+              <a:t>pentutorials</a:t>
+            </a:r>
+            <a:r>
+              <a:rPr lang="en-US" altLang="ko-KR" sz="2400" dirty="0" smtClean="0">
+                <a:latin typeface="HY헤드라인M" pitchFamily="18" charset="-127"/>
+                <a:ea typeface="HY헤드라인M" pitchFamily="18" charset="-127"/>
+              </a:rPr>
+              <a:t> Topics</a:t>
+            </a:r>
+            <a:endParaRPr lang="ko-KR" altLang="en-US" sz="2400" dirty="0">
+              <a:latin typeface="HY헤드라인M" pitchFamily="18" charset="-127"/>
+              <a:ea typeface="HY헤드라인M" pitchFamily="18" charset="-127"/>
+            </a:endParaRPr>
           </a:p>
         </p:txBody>
       </p:sp>
@@ -2740,16 +2754,7 @@
                 </a:solidFill>
                 <a:latin typeface="+mn-ea"/>
               </a:rPr>
-              <a:t>테이블 생성 </a:t>
-            </a:r>
-            <a:r>
-              <a:rPr lang="en-US" altLang="ko-KR" sz="2000" dirty="0" smtClean="0">
-                <a:solidFill>
-                  <a:srgbClr val="0000FF"/>
-                </a:solidFill>
-                <a:latin typeface="+mn-ea"/>
-              </a:rPr>
-              <a:t>(Join)</a:t>
+              <a:t>테이블 생성</a:t>
             </a:r>
             <a:endParaRPr lang="en-US" altLang="ko-KR" sz="2000" dirty="0">
               <a:solidFill>
@@ -2768,7 +2773,164 @@
             </a:pPr>
             <a:r>
               <a:rPr lang="en-US" altLang="ko-KR" sz="1600" dirty="0"/>
-              <a:t>DROP TABLE IF EXISTS `topic`;</a:t>
+              <a:t>CREATE TABLE </a:t>
+            </a:r>
+            <a:r>
+              <a:rPr lang="en-US" altLang="ko-KR" sz="1600" dirty="0" smtClean="0"/>
+              <a:t>topics (</a:t>
+            </a:r>
+          </a:p>
+          <a:p>
+            <a:pPr lvl="2" latinLnBrk="0">
+              <a:lnSpc>
+                <a:spcPct val="150000"/>
+              </a:lnSpc>
+            </a:pPr>
+            <a:r>
+              <a:rPr lang="en-US" altLang="ko-KR" sz="1600" dirty="0" err="1" smtClean="0"/>
+              <a:t>id`INT</a:t>
+            </a:r>
+            <a:r>
+              <a:rPr lang="en-US" altLang="ko-KR" sz="1600" dirty="0" smtClean="0"/>
+              <a:t> </a:t>
+            </a:r>
+            <a:r>
+              <a:rPr lang="en-US" altLang="ko-KR" sz="1600" dirty="0"/>
+              <a:t>NOT NULL AUTO_INCREMENT</a:t>
+            </a:r>
+            <a:r>
+              <a:rPr lang="en-US" altLang="ko-KR" sz="1600" dirty="0" smtClean="0"/>
+              <a:t>,</a:t>
+            </a:r>
+          </a:p>
+          <a:p>
+            <a:pPr lvl="2" latinLnBrk="0">
+              <a:lnSpc>
+                <a:spcPct val="150000"/>
+              </a:lnSpc>
+            </a:pPr>
+            <a:r>
+              <a:rPr lang="en-US" altLang="ko-KR" sz="1600" dirty="0" smtClean="0"/>
+              <a:t>title </a:t>
+            </a:r>
+            <a:r>
+              <a:rPr lang="en-US" altLang="ko-KR" sz="1600" dirty="0"/>
+              <a:t>VARCHAR(100) NOT NULL</a:t>
+            </a:r>
+            <a:r>
+              <a:rPr lang="en-US" altLang="ko-KR" sz="1600" dirty="0" smtClean="0"/>
+              <a:t>,</a:t>
+            </a:r>
+          </a:p>
+          <a:p>
+            <a:pPr lvl="2" latinLnBrk="0">
+              <a:lnSpc>
+                <a:spcPct val="150000"/>
+              </a:lnSpc>
+            </a:pPr>
+            <a:r>
+              <a:rPr lang="en-US" altLang="ko-KR" sz="1600" dirty="0" err="1" smtClean="0"/>
+              <a:t>description`TEXT</a:t>
+            </a:r>
+            <a:r>
+              <a:rPr lang="en-US" altLang="ko-KR" sz="1600" dirty="0" smtClean="0"/>
+              <a:t> </a:t>
+            </a:r>
+            <a:r>
+              <a:rPr lang="en-US" altLang="ko-KR" sz="1600" dirty="0"/>
+              <a:t>NOT NULL</a:t>
+            </a:r>
+            <a:r>
+              <a:rPr lang="en-US" altLang="ko-KR" sz="1600" dirty="0" smtClean="0"/>
+              <a:t>,</a:t>
+            </a:r>
+          </a:p>
+          <a:p>
+            <a:pPr lvl="2" latinLnBrk="0">
+              <a:lnSpc>
+                <a:spcPct val="150000"/>
+              </a:lnSpc>
+            </a:pPr>
+            <a:r>
+              <a:rPr lang="en-US" altLang="ko-KR" sz="1600" dirty="0" err="1" smtClean="0"/>
+              <a:t>author`INT</a:t>
+            </a:r>
+            <a:r>
+              <a:rPr lang="en-US" altLang="ko-KR" sz="1600" dirty="0" smtClean="0"/>
+              <a:t> </a:t>
+            </a:r>
+            <a:r>
+              <a:rPr lang="en-US" altLang="ko-KR" sz="1600" dirty="0"/>
+              <a:t>NOT NULL</a:t>
+            </a:r>
+            <a:r>
+              <a:rPr lang="en-US" altLang="ko-KR" sz="1600" dirty="0" smtClean="0"/>
+              <a:t>,</a:t>
+            </a:r>
+          </a:p>
+          <a:p>
+            <a:pPr lvl="2" latinLnBrk="0">
+              <a:lnSpc>
+                <a:spcPct val="150000"/>
+              </a:lnSpc>
+            </a:pPr>
+            <a:r>
+              <a:rPr lang="en-US" altLang="ko-KR" sz="1600" dirty="0" smtClean="0"/>
+              <a:t>created </a:t>
+            </a:r>
+            <a:r>
+              <a:rPr lang="en-US" altLang="ko-KR" sz="1600" dirty="0"/>
+              <a:t>DATETIME NOT NULL</a:t>
+            </a:r>
+            <a:r>
+              <a:rPr lang="en-US" altLang="ko-KR" sz="1600" dirty="0" smtClean="0"/>
+              <a:t>,</a:t>
+            </a:r>
+          </a:p>
+          <a:p>
+            <a:pPr lvl="2" latinLnBrk="0">
+              <a:lnSpc>
+                <a:spcPct val="150000"/>
+              </a:lnSpc>
+            </a:pPr>
+            <a:r>
+              <a:rPr lang="en-US" altLang="ko-KR" sz="1600" dirty="0" smtClean="0"/>
+              <a:t>PRIMARY </a:t>
+            </a:r>
+            <a:r>
+              <a:rPr lang="en-US" altLang="ko-KR" sz="1600" dirty="0"/>
+              <a:t>KEY </a:t>
+            </a:r>
+            <a:r>
+              <a:rPr lang="en-US" altLang="ko-KR" sz="1600" dirty="0" smtClean="0"/>
+              <a:t>(id)</a:t>
+            </a:r>
+          </a:p>
+          <a:p>
+            <a:pPr lvl="2" latinLnBrk="0">
+              <a:lnSpc>
+                <a:spcPct val="150000"/>
+              </a:lnSpc>
+            </a:pPr>
+            <a:r>
+              <a:rPr lang="en-US" altLang="ko-KR" sz="1600" dirty="0" smtClean="0"/>
+              <a:t>) ENGINE=</a:t>
+            </a:r>
+            <a:r>
+              <a:rPr lang="en-US" altLang="ko-KR" sz="1600" dirty="0" err="1" smtClean="0"/>
+              <a:t>InnoDB</a:t>
+            </a:r>
+            <a:r>
+              <a:rPr lang="en-US" altLang="ko-KR" sz="1600" dirty="0" smtClean="0"/>
+              <a:t> DEFAULT </a:t>
+            </a:r>
+            <a:r>
+              <a:rPr lang="en-US" altLang="ko-KR" sz="1600" dirty="0"/>
+              <a:t>CHARACTER </a:t>
+            </a:r>
+            <a:r>
+              <a:rPr lang="en-US" altLang="ko-KR" sz="1600" dirty="0" smtClean="0"/>
+              <a:t>SET=utf8;</a:t>
             </a:r>
           </a:p>
           <a:p>
@@ -2779,9 +2941,27 @@
               <a:buFont typeface="Arial" panose="020B0604020202020204" pitchFamily="34" charset="0"/>
               <a:buChar char="•"/>
             </a:pPr>
-            <a:r>
-              <a:rPr lang="en-US" altLang="ko-KR" sz="1600" dirty="0" smtClean="0"/>
-              <a:t>CREATE TABLE `topic` (</a:t>
+            <a:endParaRPr lang="en-US" altLang="ko-KR" sz="1600" dirty="0" smtClean="0"/>
+          </a:p>
+          <a:p>
+            <a:pPr marL="742950" lvl="1" indent="-285750" latinLnBrk="0">
+              <a:lnSpc>
+                <a:spcPct val="150000"/>
+              </a:lnSpc>
+              <a:buFont typeface="Arial" panose="020B0604020202020204" pitchFamily="34" charset="0"/>
+              <a:buChar char="•"/>
+            </a:pPr>
+            <a:r>
+              <a:rPr lang="en-US" altLang="ko-KR" sz="1600" dirty="0" smtClean="0"/>
+              <a:t>DROP </a:t>
+            </a:r>
+            <a:r>
+              <a:rPr lang="en-US" altLang="ko-KR" sz="1600" dirty="0"/>
+              <a:t>TABLE IF EXISTS `</a:t>
+            </a:r>
+            <a:r>
+              <a:rPr lang="en-US" altLang="ko-KR" sz="1600" dirty="0" smtClean="0"/>
+              <a:t>topics`;</a:t>
             </a:r>
             <a:endParaRPr lang="en-US" altLang="ko-KR" sz="1600" dirty="0"/>
           </a:p>
@@ -2791,164 +2971,7 @@
                 <a:spcPct val="150000"/>
               </a:lnSpc>
             </a:pPr>
-            <a:r>
-              <a:rPr lang="en-US" altLang="ko-KR" sz="1600" dirty="0"/>
-              <a:t>	</a:t>
-            </a:r>
-            <a:r>
-              <a:rPr lang="en-US" altLang="ko-KR" sz="1600" dirty="0" smtClean="0"/>
-              <a:t>id </a:t>
-            </a:r>
-            <a:r>
-              <a:rPr lang="en-US" altLang="ko-KR" sz="1600" dirty="0" err="1"/>
-              <a:t>int</a:t>
-            </a:r>
-            <a:r>
-              <a:rPr lang="en-US" altLang="ko-KR" sz="1600" dirty="0"/>
-              <a:t>(11) NOT NULL </a:t>
-            </a:r>
-            <a:r>
-              <a:rPr lang="en-US" altLang="ko-KR" sz="1600" dirty="0" smtClean="0"/>
-              <a:t>AUTO_INCREMENT,</a:t>
-            </a:r>
-          </a:p>
-          <a:p>
-            <a:pPr lvl="1" latinLnBrk="0">
-              <a:lnSpc>
-                <a:spcPct val="150000"/>
-              </a:lnSpc>
-            </a:pPr>
-            <a:r>
-              <a:rPr lang="en-US" altLang="ko-KR" sz="1600" dirty="0"/>
-              <a:t>	</a:t>
-            </a:r>
-            <a:r>
-              <a:rPr lang="en-US" altLang="ko-KR" sz="1600" dirty="0" smtClean="0"/>
-              <a:t>title </a:t>
-            </a:r>
-            <a:r>
-              <a:rPr lang="en-US" altLang="ko-KR" sz="1600" dirty="0"/>
-              <a:t>varchar(100) NOT NULL,</a:t>
-            </a:r>
-          </a:p>
-          <a:p>
-            <a:pPr lvl="1" latinLnBrk="0">
-              <a:lnSpc>
-                <a:spcPct val="150000"/>
-              </a:lnSpc>
-            </a:pPr>
-            <a:r>
-              <a:rPr lang="en-US" altLang="ko-KR" sz="1600" dirty="0" smtClean="0"/>
-              <a:t>	description </a:t>
-            </a:r>
-            <a:r>
-              <a:rPr lang="en-US" altLang="ko-KR" sz="1600" dirty="0"/>
-              <a:t>text NOT </a:t>
-            </a:r>
-            <a:r>
-              <a:rPr lang="en-US" altLang="ko-KR" sz="1600" dirty="0" smtClean="0"/>
-              <a:t>NULL,</a:t>
-            </a:r>
-          </a:p>
-          <a:p>
-            <a:pPr lvl="1" latinLnBrk="0">
-              <a:lnSpc>
-                <a:spcPct val="150000"/>
-              </a:lnSpc>
-            </a:pPr>
-            <a:r>
-              <a:rPr lang="en-US" altLang="ko-KR" sz="1600" dirty="0"/>
-              <a:t>	</a:t>
-            </a:r>
-            <a:r>
-              <a:rPr lang="en-US" altLang="ko-KR" sz="1600" dirty="0" smtClean="0"/>
-              <a:t>author </a:t>
-            </a:r>
-            <a:r>
-              <a:rPr lang="en-US" altLang="ko-KR" sz="1600" dirty="0" err="1" smtClean="0"/>
-              <a:t>int</a:t>
-            </a:r>
-            <a:r>
-              <a:rPr lang="en-US" altLang="ko-KR" sz="1600" dirty="0" smtClean="0"/>
-              <a:t>(11) </a:t>
-            </a:r>
-            <a:r>
-              <a:rPr lang="en-US" altLang="ko-KR" sz="1600" dirty="0"/>
-              <a:t>NOT NULL,</a:t>
-            </a:r>
-          </a:p>
-          <a:p>
-            <a:pPr lvl="1" latinLnBrk="0">
-              <a:lnSpc>
-                <a:spcPct val="150000"/>
-              </a:lnSpc>
-            </a:pPr>
-            <a:r>
-              <a:rPr lang="en-US" altLang="ko-KR" sz="1600" dirty="0" smtClean="0"/>
-              <a:t>	created </a:t>
-            </a:r>
-            <a:r>
-              <a:rPr lang="en-US" altLang="ko-KR" sz="1600" dirty="0" err="1"/>
-              <a:t>datetime</a:t>
-            </a:r>
-            <a:r>
-              <a:rPr lang="en-US" altLang="ko-KR" sz="1600" dirty="0"/>
-              <a:t> NOT NULL,</a:t>
-            </a:r>
-          </a:p>
-          <a:p>
-            <a:pPr lvl="1" latinLnBrk="0">
-              <a:lnSpc>
-                <a:spcPct val="150000"/>
-              </a:lnSpc>
-            </a:pPr>
-            <a:r>
-              <a:rPr lang="en-US" altLang="ko-KR" sz="1600" dirty="0" smtClean="0"/>
-              <a:t>	PRIMARY </a:t>
-            </a:r>
-            <a:r>
-              <a:rPr lang="en-US" altLang="ko-KR" sz="1600" dirty="0"/>
-              <a:t>KEY (id</a:t>
-            </a:r>
-            <a:r>
-              <a:rPr lang="en-US" altLang="ko-KR" sz="1600" dirty="0" smtClean="0"/>
-              <a:t>)</a:t>
-            </a:r>
-          </a:p>
-          <a:p>
-            <a:pPr lvl="1" latinLnBrk="0">
-              <a:lnSpc>
-                <a:spcPct val="150000"/>
-              </a:lnSpc>
-            </a:pPr>
-            <a:r>
-              <a:rPr lang="en-US" altLang="ko-KR" sz="1600" dirty="0" smtClean="0"/>
-              <a:t>) ENGINE=</a:t>
-            </a:r>
-            <a:r>
-              <a:rPr lang="en-US" altLang="ko-KR" sz="1600" dirty="0" err="1" smtClean="0"/>
-              <a:t>InnoDB</a:t>
-            </a:r>
-            <a:r>
-              <a:rPr lang="en-US" altLang="ko-KR" sz="1600" dirty="0" smtClean="0"/>
-              <a:t> </a:t>
-            </a:r>
-            <a:r>
-              <a:rPr lang="en-US" altLang="ko-KR" sz="1600" dirty="0"/>
-              <a:t>AUTO_INCREMENT=8</a:t>
-            </a:r>
-            <a:r>
-              <a:rPr lang="en-US" altLang="ko-KR" sz="1600" dirty="0" smtClean="0"/>
-              <a:t> </a:t>
-            </a:r>
-            <a:r>
-              <a:rPr lang="en-US" altLang="ko-KR" sz="1600" dirty="0"/>
-              <a:t>DEFAULT CHARSET=utf8</a:t>
-            </a:r>
-            <a:r>
-              <a:rPr lang="en-US" altLang="ko-KR" sz="1600" dirty="0" smtClean="0"/>
-              <a:t>;</a:t>
-            </a:r>
+            <a:endParaRPr lang="en-US" altLang="ko-KR" sz="1600" dirty="0" smtClean="0"/>
           </a:p>
           <a:p>
             <a:pPr lvl="1" latinLnBrk="0">
@@ -2987,7 +3010,7 @@
     </p:spTree>
     <p:extLst>
       <p:ext uri="{BB962C8B-B14F-4D97-AF65-F5344CB8AC3E}">
-        <p14:creationId xmlns:p14="http://schemas.microsoft.com/office/powerpoint/2010/main" val="2478523106"/>
+        <p14:creationId xmlns:p14="http://schemas.microsoft.com/office/powerpoint/2010/main" val="929174919"/>
       </p:ext>
     </p:extLst>
   </p:cSld>
@@ -3030,7 +3053,7 @@
         <p:spPr>
           <a:xfrm>
             <a:off x="548640" y="470346"/>
-            <a:ext cx="8055807" cy="461665"/>
+            <a:ext cx="8055807" cy="830997"/>
           </a:xfrm>
           <a:prstGeom prst="rect">
             <a:avLst/>
@@ -3044,19 +3067,36 @@
           <a:lstStyle/>
           <a:p>
             <a:r>
+              <a:rPr lang="en-US" altLang="ko-KR" sz="2400" dirty="0" err="1">
+                <a:latin typeface="HY헤드라인M" pitchFamily="18" charset="-127"/>
+                <a:ea typeface="HY헤드라인M" pitchFamily="18" charset="-127"/>
+              </a:rPr>
+              <a:t>Opentutorials</a:t>
+            </a:r>
+            <a:r>
               <a:rPr lang="en-US" altLang="ko-KR" sz="2400" dirty="0">
                 <a:latin typeface="HY헤드라인M" pitchFamily="18" charset="-127"/>
                 <a:ea typeface="HY헤드라인M" pitchFamily="18" charset="-127"/>
               </a:rPr>
-              <a:t>MySQL </a:t>
-            </a:r>
-            <a:r>
-              <a:rPr lang="ko-KR" altLang="en-US" sz="2400" dirty="0">
+              <a:t> </a:t>
+            </a:r>
+            <a:r>
+              <a:rPr lang="en-US" altLang="ko-KR" sz="2400" dirty="0" smtClean="0">
                 <a:latin typeface="HY헤드라인M" pitchFamily="18" charset="-127"/>
                 <a:ea typeface="HY헤드라인M" pitchFamily="18" charset="-127"/>
               </a:rPr>
-              <a:t>명령어</a:t>
-            </a:r>
+              <a:t>Users</a:t>
+            </a:r>
+            <a:endParaRPr lang="ko-KR" altLang="en-US" sz="2400" dirty="0">
+              <a:latin typeface="HY헤드라인M" pitchFamily="18" charset="-127"/>
+              <a:ea typeface="HY헤드라인M" pitchFamily="18" charset="-127"/>
+            </a:endParaRPr>
+          </a:p>
+          <a:p>
+            <a:endParaRPr lang="ko-KR" altLang="en-US" sz="2400" dirty="0">
+              <a:latin typeface="HY헤드라인M" pitchFamily="18" charset="-127"/>
+              <a:ea typeface="HY헤드라인M" pitchFamily="18" charset="-127"/>
+            </a:endParaRPr>
           </a:p>
         </p:txBody>
       </p:sp>
@@ -3140,8 +3180,14 @@
                 </a:solidFill>
                 <a:latin typeface="+mn-ea"/>
               </a:rPr>
-              <a:t>데이터 추가</a:t>
-            </a:r>
+              <a:t>테이블 생성</a:t>
+            </a:r>
+            <a:endParaRPr lang="en-US" altLang="ko-KR" sz="2000" dirty="0">
+              <a:solidFill>
+                <a:srgbClr val="0000FF"/>
+              </a:solidFill>
+              <a:latin typeface="+mn-ea"/>
+            </a:endParaRPr>
           </a:p>
           <a:p>
             <a:pPr marL="742950" lvl="1" indent="-285750" latinLnBrk="0">
@@ -3152,52 +3198,86 @@
               <a:buChar char="•"/>
             </a:pPr>
             <a:r>
-              <a:rPr lang="en-US" altLang="ko-KR" sz="1600" dirty="0"/>
-              <a:t>INSERT INTO </a:t>
-            </a:r>
-            <a:r>
-              <a:rPr lang="en-US" altLang="ko-KR" sz="1600" dirty="0" smtClean="0"/>
-              <a:t>`topic` </a:t>
-            </a:r>
-            <a:r>
-              <a:rPr lang="en-US" altLang="ko-KR" sz="1600" dirty="0"/>
-              <a:t>(id, title, description, author, created) VALUES (1, "</a:t>
-            </a:r>
-            <a:r>
-              <a:rPr lang="en-US" altLang="ko-KR" sz="1600" dirty="0" smtClean="0"/>
-              <a:t>HTML", </a:t>
-            </a:r>
-            <a:r>
-              <a:rPr lang="en-US" altLang="ko-KR" sz="1600" dirty="0"/>
-              <a:t>"</a:t>
-            </a:r>
-            <a:r>
-              <a:rPr lang="en-US" altLang="ko-KR" sz="1600" dirty="0" smtClean="0"/>
-              <a:t>HTML </a:t>
-            </a:r>
-            <a:r>
-              <a:rPr lang="en-US" altLang="ko-KR" sz="1600" dirty="0"/>
-              <a:t>is </a:t>
-            </a:r>
-            <a:r>
-              <a:rPr lang="en-US" altLang="ko-KR" sz="1600" dirty="0" smtClean="0"/>
-              <a:t>...", </a:t>
-            </a:r>
-            <a:r>
-              <a:rPr lang="en-US" altLang="ko-KR" sz="1600" dirty="0"/>
-              <a:t>"</a:t>
-            </a:r>
-            <a:r>
-              <a:rPr lang="en-US" altLang="ko-KR" sz="1600" dirty="0" smtClean="0"/>
-              <a:t>1", </a:t>
-            </a:r>
-            <a:r>
-              <a:rPr lang="en-US" altLang="ko-KR" sz="1600" dirty="0"/>
-              <a:t>now</a:t>
-            </a:r>
-            <a:r>
-              <a:rPr lang="en-US" altLang="ko-KR" sz="1600" dirty="0" smtClean="0"/>
-              <a:t>());</a:t>
+              <a:rPr lang="en-US" altLang="ko-KR" sz="1600" dirty="0" smtClean="0"/>
+              <a:t>CREATE TABLE users (</a:t>
+            </a:r>
+          </a:p>
+          <a:p>
+            <a:pPr lvl="2" latinLnBrk="0">
+              <a:lnSpc>
+                <a:spcPct val="150000"/>
+              </a:lnSpc>
+            </a:pPr>
+            <a:r>
+              <a:rPr lang="en-US" altLang="ko-KR" sz="1600" dirty="0" smtClean="0"/>
+              <a:t>id INT NOT NULL AUTO_INCREMENT,</a:t>
+            </a:r>
+          </a:p>
+          <a:p>
+            <a:pPr lvl="2" latinLnBrk="0">
+              <a:lnSpc>
+                <a:spcPct val="150000"/>
+              </a:lnSpc>
+            </a:pPr>
+            <a:r>
+              <a:rPr lang="en-US" altLang="ko-KR" sz="1600" dirty="0" smtClean="0"/>
+              <a:t>email VARCHAR(100) NOT NULL,</a:t>
+            </a:r>
+          </a:p>
+          <a:p>
+            <a:pPr lvl="2" latinLnBrk="0">
+              <a:lnSpc>
+                <a:spcPct val="150000"/>
+              </a:lnSpc>
+            </a:pPr>
+            <a:r>
+              <a:rPr lang="en-US" altLang="ko-KR" sz="1600" dirty="0" smtClean="0"/>
+              <a:t>password VARCHAR(100) NOT NULL,</a:t>
+            </a:r>
+          </a:p>
+          <a:p>
+            <a:pPr lvl="2" latinLnBrk="0">
+              <a:lnSpc>
+                <a:spcPct val="150000"/>
+              </a:lnSpc>
+            </a:pPr>
+            <a:r>
+              <a:rPr lang="en-US" altLang="ko-KR" sz="1600" dirty="0" err="1" smtClean="0"/>
+              <a:t>displayName</a:t>
+            </a:r>
+            <a:r>
+              <a:rPr lang="en-US" altLang="ko-KR" sz="1600" dirty="0" smtClean="0"/>
+              <a:t> VARCHAR(100) NOT NULL,</a:t>
+            </a:r>
+          </a:p>
+          <a:p>
+            <a:pPr lvl="2" latinLnBrk="0">
+              <a:lnSpc>
+                <a:spcPct val="150000"/>
+              </a:lnSpc>
+            </a:pPr>
+            <a:r>
+              <a:rPr lang="en-US" altLang="ko-KR" sz="1600" dirty="0" smtClean="0"/>
+              <a:t>PRIMARY KEY (id)</a:t>
+            </a:r>
+          </a:p>
+          <a:p>
+            <a:pPr lvl="2" latinLnBrk="0">
+              <a:lnSpc>
+                <a:spcPct val="150000"/>
+              </a:lnSpc>
+            </a:pPr>
+            <a:r>
+              <a:rPr lang="en-US" altLang="ko-KR" sz="1600" dirty="0" smtClean="0"/>
+              <a:t>) ENGINE=</a:t>
+            </a:r>
+            <a:r>
+              <a:rPr lang="en-US" altLang="ko-KR" sz="1600" dirty="0" err="1" smtClean="0"/>
+              <a:t>InnoDB</a:t>
+            </a:r>
+            <a:r>
+              <a:rPr lang="en-US" altLang="ko-KR" sz="1600" dirty="0" smtClean="0"/>
+              <a:t> DEFAULT CHARACTER SET=utf8;</a:t>
             </a:r>
           </a:p>
           <a:p>
@@ -3208,50 +3288,7 @@
               <a:buFont typeface="Arial" panose="020B0604020202020204" pitchFamily="34" charset="0"/>
               <a:buChar char="•"/>
             </a:pPr>
-            <a:r>
-              <a:rPr lang="en-US" altLang="ko-KR" sz="1600" dirty="0"/>
-              <a:t>INSERT INTO </a:t>
-            </a:r>
-            <a:r>
-              <a:rPr lang="en-US" altLang="ko-KR" sz="1600" dirty="0" smtClean="0"/>
-              <a:t>`topic` </a:t>
-            </a:r>
-            <a:r>
-              <a:rPr lang="en-US" altLang="ko-KR" sz="1600" dirty="0"/>
-              <a:t>(id, title, description, author, created) VALUES </a:t>
-            </a:r>
-            <a:r>
-              <a:rPr lang="en-US" altLang="ko-KR" sz="1600" dirty="0" smtClean="0"/>
-              <a:t>(2, "CSS", </a:t>
-            </a:r>
-            <a:r>
-              <a:rPr lang="en-US" altLang="ko-KR" sz="1600" dirty="0"/>
-              <a:t>"</a:t>
-            </a:r>
-            <a:r>
-              <a:rPr lang="en-US" altLang="ko-KR" sz="1600" dirty="0" smtClean="0"/>
-              <a:t>CSS </a:t>
-            </a:r>
-            <a:r>
-              <a:rPr lang="en-US" altLang="ko-KR" sz="1600" dirty="0"/>
-              <a:t>is </a:t>
-            </a:r>
-            <a:r>
-              <a:rPr lang="en-US" altLang="ko-KR" sz="1600" dirty="0" smtClean="0"/>
-              <a:t>...", </a:t>
-            </a:r>
-            <a:r>
-              <a:rPr lang="en-US" altLang="ko-KR" sz="1600" dirty="0"/>
-              <a:t>"</a:t>
-            </a:r>
-            <a:r>
-              <a:rPr lang="en-US" altLang="ko-KR" sz="1600" dirty="0" smtClean="0"/>
-              <a:t>2", </a:t>
-            </a:r>
-            <a:r>
-              <a:rPr lang="en-US" altLang="ko-KR" sz="1600" dirty="0"/>
-              <a:t>now());</a:t>
-            </a:r>
+            <a:endParaRPr lang="en-US" altLang="ko-KR" sz="1600" dirty="0" smtClean="0"/>
           </a:p>
           <a:p>
             <a:pPr marL="742950" lvl="1" indent="-285750" latinLnBrk="0">
@@ -3262,188 +3299,56 @@
               <a:buChar char="•"/>
             </a:pPr>
             <a:r>
-              <a:rPr lang="en-US" altLang="ko-KR" sz="1600" dirty="0"/>
-              <a:t>INSERT INTO </a:t>
-            </a:r>
-            <a:r>
-              <a:rPr lang="en-US" altLang="ko-KR" sz="1600" dirty="0" smtClean="0"/>
-              <a:t>`topic` </a:t>
-            </a:r>
-            <a:r>
-              <a:rPr lang="en-US" altLang="ko-KR" sz="1600" dirty="0"/>
-              <a:t>(id, title, description, author, created) VALUES </a:t>
-            </a:r>
-            <a:r>
-              <a:rPr lang="en-US" altLang="ko-KR" sz="1600" dirty="0" smtClean="0"/>
-              <a:t>(3, "JavaScript", </a:t>
-            </a:r>
-            <a:r>
-              <a:rPr lang="en-US" altLang="ko-KR" sz="1600" dirty="0"/>
-              <a:t>"</a:t>
-            </a:r>
-            <a:r>
-              <a:rPr lang="en-US" altLang="ko-KR" sz="1600" dirty="0" err="1" smtClean="0"/>
-              <a:t>javaScript</a:t>
-            </a:r>
-            <a:r>
-              <a:rPr lang="en-US" altLang="ko-KR" sz="1600" dirty="0" smtClean="0"/>
-              <a:t> </a:t>
-            </a:r>
-            <a:r>
-              <a:rPr lang="en-US" altLang="ko-KR" sz="1600" dirty="0"/>
-              <a:t>is </a:t>
-            </a:r>
-            <a:r>
-              <a:rPr lang="en-US" altLang="ko-KR" sz="1600" dirty="0" smtClean="0"/>
-              <a:t>...", </a:t>
-            </a:r>
-            <a:r>
-              <a:rPr lang="en-US" altLang="ko-KR" sz="1600" dirty="0"/>
-              <a:t>"</a:t>
-            </a:r>
-            <a:r>
-              <a:rPr lang="en-US" altLang="ko-KR" sz="1600" dirty="0" smtClean="0"/>
-              <a:t>3", </a:t>
-            </a:r>
-            <a:r>
-              <a:rPr lang="en-US" altLang="ko-KR" sz="1600" dirty="0"/>
-              <a:t>now</a:t>
-            </a:r>
-            <a:r>
-              <a:rPr lang="en-US" altLang="ko-KR" sz="1600" dirty="0" smtClean="0"/>
-              <a:t>());</a:t>
-            </a:r>
-          </a:p>
-          <a:p>
-            <a:pPr marL="742950" lvl="1" indent="-285750" latinLnBrk="0">
-              <a:lnSpc>
-                <a:spcPct val="150000"/>
-              </a:lnSpc>
-              <a:buFont typeface="Arial" panose="020B0604020202020204" pitchFamily="34" charset="0"/>
-              <a:buChar char="•"/>
-            </a:pPr>
-            <a:r>
-              <a:rPr lang="en-US" altLang="ko-KR" sz="1600" dirty="0">
-                <a:solidFill>
-                  <a:srgbClr val="3333FF"/>
-                </a:solidFill>
-              </a:rPr>
-              <a:t>INSERT INTO `topic` (id, title, description, author, created) VALUES (3, </a:t>
-            </a:r>
-            <a:r>
-              <a:rPr lang="en-US" altLang="ko-KR" sz="1600" dirty="0" smtClean="0">
-                <a:solidFill>
-                  <a:srgbClr val="3333FF"/>
-                </a:solidFill>
-              </a:rPr>
-              <a:t>"JavaScript", </a:t>
-            </a:r>
-            <a:r>
-              <a:rPr lang="en-US" altLang="ko-KR" sz="1600" dirty="0">
-                <a:solidFill>
-                  <a:srgbClr val="3333FF"/>
-                </a:solidFill>
-              </a:rPr>
-              <a:t>"</a:t>
-            </a:r>
-            <a:r>
-              <a:rPr lang="en-US" altLang="ko-KR" sz="1600" dirty="0" err="1" smtClean="0">
-                <a:solidFill>
-                  <a:srgbClr val="3333FF"/>
-                </a:solidFill>
-              </a:rPr>
-              <a:t>javaScript</a:t>
-            </a:r>
-            <a:r>
-              <a:rPr lang="en-US" altLang="ko-KR" sz="1600" dirty="0" smtClean="0">
-                <a:solidFill>
-                  <a:srgbClr val="3333FF"/>
-                </a:solidFill>
-              </a:rPr>
-              <a:t> </a:t>
-            </a:r>
-            <a:r>
-              <a:rPr lang="en-US" altLang="ko-KR" sz="1600" dirty="0">
-                <a:solidFill>
-                  <a:srgbClr val="3333FF"/>
-                </a:solidFill>
-              </a:rPr>
-              <a:t>is </a:t>
-            </a:r>
-            <a:r>
-              <a:rPr lang="en-US" altLang="ko-KR" sz="1600" dirty="0" smtClean="0">
-                <a:solidFill>
-                  <a:srgbClr val="3333FF"/>
-                </a:solidFill>
-              </a:rPr>
-              <a:t>...", </a:t>
-            </a:r>
-            <a:r>
-              <a:rPr lang="en-US" altLang="ko-KR" sz="1600" dirty="0">
-                <a:solidFill>
-                  <a:srgbClr val="3333FF"/>
-                </a:solidFill>
-              </a:rPr>
-              <a:t>"</a:t>
-            </a:r>
-            <a:r>
-              <a:rPr lang="en-US" altLang="ko-KR" sz="1600" dirty="0" smtClean="0">
-                <a:solidFill>
-                  <a:srgbClr val="3333FF"/>
-                </a:solidFill>
-              </a:rPr>
-              <a:t>3", </a:t>
-            </a:r>
-            <a:r>
-              <a:rPr lang="en-US" altLang="ko-KR" sz="1600" dirty="0" smtClean="0"/>
-              <a:t>'2020-11-13</a:t>
-            </a:r>
-            <a:r>
-              <a:rPr lang="en-US" altLang="ko-KR" sz="1600" dirty="0"/>
-              <a:t> 00:00:00');-- </a:t>
-            </a:r>
-            <a:r>
-              <a:rPr lang="en-US" altLang="ko-KR" sz="1600" dirty="0" smtClean="0"/>
-              <a:t>＇</a:t>
-            </a:r>
-            <a:r>
-              <a:rPr lang="ko-KR" altLang="en-US" sz="1600" dirty="0" smtClean="0"/>
-              <a:t> </a:t>
-            </a:r>
-            <a:r>
-              <a:rPr lang="en-US" altLang="ko-KR" sz="1600" dirty="0" smtClean="0">
-                <a:solidFill>
-                  <a:srgbClr val="3333FF"/>
-                </a:solidFill>
-              </a:rPr>
-              <a:t>now</a:t>
-            </a:r>
-            <a:r>
-              <a:rPr lang="en-US" altLang="ko-KR" sz="1600" dirty="0">
-                <a:solidFill>
-                  <a:srgbClr val="3333FF"/>
-                </a:solidFill>
-              </a:rPr>
-              <a:t>());</a:t>
-            </a:r>
-          </a:p>
-          <a:p>
-            <a:pPr marL="742950" lvl="1" indent="-285750" latinLnBrk="0">
-              <a:lnSpc>
-                <a:spcPct val="150000"/>
-              </a:lnSpc>
-              <a:buFont typeface="Arial" panose="020B0604020202020204" pitchFamily="34" charset="0"/>
-              <a:buChar char="•"/>
-            </a:pPr>
+              <a:rPr lang="en-US" altLang="ko-KR" sz="1600" dirty="0" smtClean="0"/>
+              <a:t>DROP </a:t>
+            </a:r>
+            <a:r>
+              <a:rPr lang="en-US" altLang="ko-KR" sz="1600" dirty="0"/>
+              <a:t>TABLE IF EXISTS </a:t>
+            </a:r>
+            <a:r>
+              <a:rPr lang="en-US" altLang="ko-KR" sz="1600" dirty="0" smtClean="0"/>
+              <a:t>`users`;</a:t>
+            </a:r>
             <a:endParaRPr lang="en-US" altLang="ko-KR" sz="1600" dirty="0"/>
           </a:p>
           <a:p>
-            <a:pPr marL="742950" lvl="1" indent="-285750" latinLnBrk="0">
-              <a:lnSpc>
-                <a:spcPct val="150000"/>
-              </a:lnSpc>
-              <a:buFont typeface="Arial" panose="020B0604020202020204" pitchFamily="34" charset="0"/>
-              <a:buChar char="•"/>
+            <a:pPr lvl="1" latinLnBrk="0">
+              <a:lnSpc>
+                <a:spcPct val="150000"/>
+              </a:lnSpc>
+            </a:pPr>
+            <a:endParaRPr lang="en-US" altLang="ko-KR" sz="1600" dirty="0" smtClean="0"/>
+          </a:p>
+          <a:p>
+            <a:pPr lvl="1" latinLnBrk="0">
+              <a:lnSpc>
+                <a:spcPct val="150000"/>
+              </a:lnSpc>
+            </a:pPr>
+            <a:endParaRPr lang="en-US" altLang="ko-KR" sz="1600" dirty="0"/>
+          </a:p>
+          <a:p>
+            <a:pPr lvl="1" latinLnBrk="0">
+              <a:lnSpc>
+                <a:spcPct val="150000"/>
+              </a:lnSpc>
+            </a:pPr>
+            <a:endParaRPr lang="en-US" altLang="ko-KR" sz="1600" dirty="0" smtClean="0"/>
+          </a:p>
+          <a:p>
+            <a:pPr lvl="1" latinLnBrk="0">
+              <a:lnSpc>
+                <a:spcPct val="150000"/>
+              </a:lnSpc>
+            </a:pPr>
+            <a:endParaRPr lang="en-US" altLang="ko-KR" sz="1600" dirty="0"/>
+          </a:p>
+          <a:p>
+            <a:pPr lvl="1" latinLnBrk="0">
+              <a:lnSpc>
+                <a:spcPct val="150000"/>
+              </a:lnSpc>
             </a:pPr>
             <a:endParaRPr lang="en-US" altLang="ko-KR" sz="1600" dirty="0" smtClean="0"/>
           </a:p>
@@ -3452,7 +3357,7 @@
     </p:spTree>
     <p:extLst>
       <p:ext uri="{BB962C8B-B14F-4D97-AF65-F5344CB8AC3E}">
-        <p14:creationId xmlns:p14="http://schemas.microsoft.com/office/powerpoint/2010/main" val="3710627598"/>
+        <p14:creationId xmlns:p14="http://schemas.microsoft.com/office/powerpoint/2010/main" val="232364854"/>
       </p:ext>
     </p:extLst>
   </p:cSld>
@@ -3605,7 +3510,7 @@
                 </a:solidFill>
                 <a:latin typeface="+mn-ea"/>
               </a:rPr>
-              <a:t>데이터 선택</a:t>
+              <a:t>데이터 추가</a:t>
             </a:r>
           </a:p>
           <a:p>
@@ -3617,17 +3522,59 @@
               <a:buChar char="•"/>
             </a:pPr>
             <a:r>
-              <a:rPr lang="en-US" altLang="ko-KR" sz="1600" dirty="0" smtClean="0"/>
-              <a:t>SELECT * FROM `topic` LIMIT 100;</a:t>
-            </a:r>
-          </a:p>
-          <a:p>
-            <a:pPr marL="742950" lvl="1" indent="-285750" latinLnBrk="0">
-              <a:lnSpc>
-                <a:spcPct val="150000"/>
-              </a:lnSpc>
-              <a:buFont typeface="Arial" panose="020B0604020202020204" pitchFamily="34" charset="0"/>
-              <a:buChar char="•"/>
+              <a:rPr lang="en-US" altLang="ko-KR" sz="1600" dirty="0"/>
+              <a:t>INSERT INTO </a:t>
+            </a:r>
+            <a:r>
+              <a:rPr lang="en-US" altLang="ko-KR" sz="1600" dirty="0" smtClean="0"/>
+              <a:t>`topic` </a:t>
+            </a:r>
+            <a:r>
+              <a:rPr lang="en-US" altLang="ko-KR" sz="1600" dirty="0"/>
+              <a:t>(id, title, description, author, created) VALUES (1, "</a:t>
+            </a:r>
+            <a:r>
+              <a:rPr lang="en-US" altLang="ko-KR" sz="1600" dirty="0" smtClean="0"/>
+              <a:t>HTML", </a:t>
+            </a:r>
+            <a:r>
+              <a:rPr lang="en-US" altLang="ko-KR" sz="1600" dirty="0"/>
+              <a:t>"</a:t>
+            </a:r>
+            <a:r>
+              <a:rPr lang="en-US" altLang="ko-KR" sz="1600" dirty="0" smtClean="0"/>
+              <a:t>HTML </a:t>
+            </a:r>
+            <a:r>
+              <a:rPr lang="en-US" altLang="ko-KR" sz="1600" dirty="0"/>
+              <a:t>is </a:t>
+            </a:r>
+            <a:r>
+              <a:rPr lang="en-US" altLang="ko-KR" sz="1600" dirty="0" smtClean="0"/>
+              <a:t>...", </a:t>
+            </a:r>
+            <a:r>
+              <a:rPr lang="en-US" altLang="ko-KR" sz="1600" dirty="0"/>
+              <a:t>"</a:t>
+            </a:r>
+            <a:r>
+              <a:rPr lang="en-US" altLang="ko-KR" sz="1600" dirty="0" smtClean="0"/>
+              <a:t>jsh", </a:t>
+            </a:r>
+            <a:r>
+              <a:rPr lang="en-US" altLang="ko-KR" sz="1600" dirty="0"/>
+              <a:t>now</a:t>
+            </a:r>
+            <a:r>
+              <a:rPr lang="en-US" altLang="ko-KR" sz="1600" dirty="0" smtClean="0"/>
+              <a:t>());</a:t>
+            </a:r>
+          </a:p>
+          <a:p>
+            <a:pPr lvl="1" latinLnBrk="0">
+              <a:lnSpc>
+                <a:spcPct val="150000"/>
+              </a:lnSpc>
             </a:pPr>
             <a:endParaRPr lang="en-US" altLang="ko-KR" sz="1600" dirty="0"/>
           </a:p>
@@ -3655,7 +3602,7 @@
                 </a:solidFill>
                 <a:latin typeface="+mn-ea"/>
               </a:rPr>
-              <a:t>수정</a:t>
+              <a:t>삭제</a:t>
             </a:r>
             <a:endParaRPr lang="ko-KR" altLang="en-US" sz="2000" dirty="0">
               <a:solidFill>
@@ -3674,75 +3621,11 @@
             </a:pPr>
             <a:r>
               <a:rPr lang="en-US" altLang="ko-KR" sz="1600" dirty="0" smtClean="0"/>
-              <a:t>UPDATE `topic` SET title="HTML", description="HTML is …" WHERE id=1;</a:t>
-            </a:r>
-          </a:p>
-          <a:p>
-            <a:pPr marL="742950" lvl="1" indent="-285750" latinLnBrk="0">
-              <a:lnSpc>
-                <a:spcPct val="150000"/>
-              </a:lnSpc>
-              <a:buFont typeface="Arial" panose="020B0604020202020204" pitchFamily="34" charset="0"/>
-              <a:buChar char="•"/>
-            </a:pPr>
-            <a:endParaRPr lang="en-US" altLang="ko-KR" sz="1600" dirty="0"/>
-          </a:p>
-          <a:p>
-            <a:pPr marL="285750" indent="-285750">
-              <a:lnSpc>
-                <a:spcPct val="150000"/>
-              </a:lnSpc>
-              <a:buFont typeface="Wingdings" panose="05000000000000000000" pitchFamily="2" charset="2"/>
-              <a:buChar char="Ø"/>
-            </a:pPr>
-            <a:r>
-              <a:rPr lang="ko-KR" altLang="en-US" sz="2000" dirty="0">
-                <a:solidFill>
-                  <a:srgbClr val="0000FF"/>
-                </a:solidFill>
-                <a:latin typeface="+mn-ea"/>
-              </a:rPr>
-              <a:t>데이터 </a:t>
-            </a:r>
-            <a:r>
-              <a:rPr lang="ko-KR" altLang="en-US" sz="2000" dirty="0" smtClean="0">
-                <a:solidFill>
-                  <a:srgbClr val="0000FF"/>
-                </a:solidFill>
-                <a:latin typeface="+mn-ea"/>
-              </a:rPr>
-              <a:t>삭제</a:t>
-            </a:r>
-            <a:endParaRPr lang="ko-KR" altLang="en-US" sz="2000" dirty="0">
-              <a:solidFill>
-                <a:srgbClr val="0000FF"/>
-              </a:solidFill>
-              <a:latin typeface="+mn-ea"/>
-            </a:endParaRPr>
-          </a:p>
-          <a:p>
-            <a:pPr marL="742950" lvl="1" indent="-285750" latinLnBrk="0">
-              <a:lnSpc>
-                <a:spcPct val="150000"/>
-              </a:lnSpc>
-              <a:buFont typeface="Arial" panose="020B0604020202020204" pitchFamily="34" charset="0"/>
-              <a:buChar char="•"/>
-            </a:pPr>
-            <a:r>
-              <a:rPr lang="en-US" altLang="ko-KR" sz="1600" dirty="0" smtClean="0"/>
-              <a:t>DELETE FROM </a:t>
-            </a:r>
-            <a:r>
-              <a:rPr lang="en-US" altLang="ko-KR" sz="1600" dirty="0"/>
-              <a:t>`topic` </a:t>
-            </a:r>
-            <a:r>
-              <a:rPr lang="en-US" altLang="ko-KR" sz="1600" dirty="0" smtClean="0"/>
-              <a:t>WHERE </a:t>
-            </a:r>
-            <a:r>
-              <a:rPr lang="en-US" altLang="ko-KR" sz="1600" dirty="0"/>
-              <a:t>id=1;</a:t>
+              <a:t>truncate </a:t>
+            </a:r>
+            <a:r>
+              <a:rPr lang="en-US" altLang="ko-KR" sz="1600" dirty="0"/>
+              <a:t>user;</a:t>
             </a:r>
           </a:p>
           <a:p>
@@ -3770,7 +3653,7 @@
     </p:spTree>
     <p:extLst>
       <p:ext uri="{BB962C8B-B14F-4D97-AF65-F5344CB8AC3E}">
-        <p14:creationId xmlns:p14="http://schemas.microsoft.com/office/powerpoint/2010/main" val="3038340587"/>
+        <p14:creationId xmlns:p14="http://schemas.microsoft.com/office/powerpoint/2010/main" val="184301439"/>
       </p:ext>
     </p:extLst>
   </p:cSld>
@@ -3951,13 +3834,8 @@
             </a:pPr>
             <a:r>
               <a:rPr lang="en-US" altLang="ko-KR" sz="1600" dirty="0"/>
-              <a:t>DROP TABLE IF EXISTS </a:t>
-            </a:r>
-            <a:r>
-              <a:rPr lang="en-US" altLang="ko-KR" sz="1600" dirty="0" smtClean="0"/>
-              <a:t>`user`;</a:t>
-            </a:r>
-            <a:endParaRPr lang="en-US" altLang="ko-KR" sz="1600" dirty="0"/>
+              <a:t>DROP TABLE IF EXISTS `topic`;</a:t>
+            </a:r>
           </a:p>
           <a:p>
             <a:pPr marL="742950" lvl="1" indent="-285750" latinLnBrk="0">
@@ -3969,12 +3847,9 @@
             </a:pPr>
             <a:r>
               <a:rPr lang="en-US" altLang="ko-KR" sz="1600" dirty="0" smtClean="0"/>
-              <a:t>CREATE TABLE `user` </a:t>
-            </a:r>
-            <a:r>
-              <a:rPr lang="en-US" altLang="ko-KR" sz="1600" dirty="0"/>
-              <a:t>(</a:t>
-            </a:r>
+              <a:t>CREATE TABLE `topic` (</a:t>
+            </a:r>
+            <a:endParaRPr lang="en-US" altLang="ko-KR" sz="1600" dirty="0"/>
           </a:p>
           <a:p>
             <a:pPr lvl="1" latinLnBrk="0">
@@ -3988,7 +3863,7 @@
             </a:r>
             <a:r>
               <a:rPr lang="en-US" altLang="ko-KR" sz="1600" dirty="0" smtClean="0"/>
-              <a:t>`id` </a:t>
+              <a:t>id </a:t>
             </a:r>
             <a:r>
               <a:rPr lang="en-US" altLang="ko-KR" sz="1600" dirty="0" err="1"/>
@@ -4015,7 +3890,11 @@
             </a:r>
             <a:r>
               <a:rPr lang="en-US" altLang="ko-KR" sz="1600" dirty="0" smtClean="0"/>
-              <a:t>`name` varchar(20) not null,</a:t>
+              <a:t>title </a:t>
+            </a:r>
+            <a:r>
+              <a:rPr lang="en-US" altLang="ko-KR" sz="1600" dirty="0"/>
+              <a:t>varchar(100) NOT NULL,</a:t>
             </a:r>
           </a:p>
           <a:p>
@@ -4025,12 +3904,43 @@
               </a:lnSpc>
             </a:pPr>
             <a:r>
+              <a:rPr lang="en-US" altLang="ko-KR" sz="1600" dirty="0" smtClean="0"/>
+              <a:t>	description </a:t>
+            </a:r>
+            <a:r>
+              <a:rPr lang="en-US" altLang="ko-KR" sz="1600" dirty="0"/>
+              <a:t>text NOT </a:t>
+            </a:r>
+            <a:r>
+              <a:rPr lang="en-US" altLang="ko-KR" sz="1600" dirty="0" smtClean="0"/>
+              <a:t>NULL,</a:t>
+            </a:r>
+          </a:p>
+          <a:p>
+            <a:pPr lvl="1" latinLnBrk="0">
+              <a:lnSpc>
+                <a:spcPct val="150000"/>
+              </a:lnSpc>
+            </a:pPr>
+            <a:r>
               <a:rPr lang="en-US" altLang="ko-KR" sz="1600" dirty="0"/>
               <a:t>	</a:t>
             </a:r>
             <a:r>
               <a:rPr lang="en-US" altLang="ko-KR" sz="1600" dirty="0" smtClean="0"/>
-              <a:t>`password` varchar(30) not null,</a:t>
+              <a:t>author </a:t>
+            </a:r>
+            <a:r>
+              <a:rPr lang="en-US" altLang="ko-KR" sz="1600" dirty="0" err="1" smtClean="0"/>
+              <a:t>int</a:t>
+            </a:r>
+            <a:r>
+              <a:rPr lang="en-US" altLang="ko-KR" sz="1600" dirty="0" smtClean="0"/>
+              <a:t>(11) </a:t>
+            </a:r>
+            <a:r>
+              <a:rPr lang="en-US" altLang="ko-KR" sz="1600" dirty="0"/>
+              <a:t>NOT NULL,</a:t>
             </a:r>
           </a:p>
           <a:p>
@@ -4041,15 +3951,34 @@
             </a:pPr>
             <a:r>
               <a:rPr lang="en-US" altLang="ko-KR" sz="1600" dirty="0" smtClean="0"/>
+              <a:t>	created </a:t>
+            </a:r>
+            <a:r>
+              <a:rPr lang="en-US" altLang="ko-KR" sz="1600" dirty="0" err="1"/>
+              <a:t>datetime</a:t>
+            </a:r>
+            <a:r>
+              <a:rPr lang="en-US" altLang="ko-KR" sz="1600" dirty="0"/>
+              <a:t> NOT NULL,</a:t>
+            </a:r>
+          </a:p>
+          <a:p>
+            <a:pPr lvl="1" latinLnBrk="0">
+              <a:lnSpc>
+                <a:spcPct val="150000"/>
+              </a:lnSpc>
+            </a:pPr>
+            <a:r>
+              <a:rPr lang="en-US" altLang="ko-KR" sz="1600" dirty="0" smtClean="0"/>
               <a:t>	PRIMARY </a:t>
             </a:r>
             <a:r>
               <a:rPr lang="en-US" altLang="ko-KR" sz="1600" dirty="0"/>
-              <a:t>KEY </a:t>
-            </a:r>
-            <a:r>
-              <a:rPr lang="en-US" altLang="ko-KR" sz="1600" dirty="0" smtClean="0"/>
-              <a:t>(`id`)</a:t>
+              <a:t>KEY (id</a:t>
+            </a:r>
+            <a:r>
+              <a:rPr lang="en-US" altLang="ko-KR" sz="1600" dirty="0" smtClean="0"/>
+              <a:t>)</a:t>
             </a:r>
           </a:p>
           <a:p>
@@ -4124,7 +4053,7 @@
     </p:spTree>
     <p:extLst>
       <p:ext uri="{BB962C8B-B14F-4D97-AF65-F5344CB8AC3E}">
-        <p14:creationId xmlns:p14="http://schemas.microsoft.com/office/powerpoint/2010/main" val="1371645219"/>
+        <p14:creationId xmlns:p14="http://schemas.microsoft.com/office/powerpoint/2010/main" val="2478523106"/>
       </p:ext>
     </p:extLst>
   </p:cSld>
@@ -4294,27 +4223,15 @@
             </a:r>
             <a:r>
               <a:rPr lang="en-US" altLang="ko-KR" sz="1600" dirty="0" smtClean="0"/>
-              <a:t>`user` </a:t>
-            </a:r>
-            <a:r>
-              <a:rPr lang="en-US" altLang="ko-KR" sz="1600" dirty="0"/>
-              <a:t>(id, </a:t>
-            </a:r>
-            <a:r>
-              <a:rPr lang="en-US" altLang="ko-KR" sz="1600" dirty="0" smtClean="0"/>
-              <a:t>name, password) </a:t>
-            </a:r>
-            <a:r>
-              <a:rPr lang="en-US" altLang="ko-KR" sz="1600" dirty="0"/>
-              <a:t>VALUES (1, "</a:t>
-            </a:r>
-            <a:r>
-              <a:rPr lang="en-US" altLang="ko-KR" sz="1600" dirty="0" err="1" smtClean="0"/>
-              <a:t>egoin</a:t>
-            </a:r>
-            <a:r>
-              <a:rPr lang="en-US" altLang="ko-KR" sz="1600" dirty="0" smtClean="0"/>
-              <a:t>",  </a:t>
+              <a:t>`topic` </a:t>
+            </a:r>
+            <a:r>
+              <a:rPr lang="en-US" altLang="ko-KR" sz="1600" dirty="0"/>
+              <a:t>(id, title, description, author, created) VALUES (1, "</a:t>
+            </a:r>
+            <a:r>
+              <a:rPr lang="en-US" altLang="ko-KR" sz="1600" dirty="0" smtClean="0"/>
+              <a:t>HTML", </a:t>
             </a:r>
             <a:r>
               <a:rPr lang="en-US" altLang="ko-KR" sz="1600" dirty="0"/>
@@ -4322,7 +4239,31 @@
             </a:r>
             <a:r>
               <a:rPr lang="en-US" altLang="ko-KR" sz="1600" dirty="0" smtClean="0"/>
-              <a:t>1111");</a:t>
+              <a:t>HTML </a:t>
+            </a:r>
+            <a:r>
+              <a:rPr lang="en-US" altLang="ko-KR" sz="1600" dirty="0"/>
+              <a:t>is </a:t>
+            </a:r>
+            <a:r>
+              <a:rPr lang="en-US" altLang="ko-KR" sz="1600" dirty="0" smtClean="0"/>
+              <a:t>...", </a:t>
+            </a:r>
+            <a:r>
+              <a:rPr lang="en-US" altLang="ko-KR" sz="1600" dirty="0"/>
+              <a:t>"</a:t>
+            </a:r>
+            <a:r>
+              <a:rPr lang="en-US" altLang="ko-KR" sz="1600" dirty="0" smtClean="0"/>
+              <a:t>1", </a:t>
+            </a:r>
+            <a:r>
+              <a:rPr lang="en-US" altLang="ko-KR" sz="1600" dirty="0"/>
+              <a:t>now</a:t>
+            </a:r>
+            <a:r>
+              <a:rPr lang="en-US" altLang="ko-KR" sz="1600" dirty="0" smtClean="0"/>
+              <a:t>());</a:t>
             </a:r>
           </a:p>
           <a:p>
@@ -4335,11 +4276,19 @@
             </a:pPr>
             <a:r>
               <a:rPr lang="en-US" altLang="ko-KR" sz="1600" dirty="0"/>
-              <a:t>INSERT INTO `user` (id, name, password) VALUES </a:t>
-            </a:r>
-            <a:r>
-              <a:rPr lang="en-US" altLang="ko-KR" sz="1600" dirty="0" smtClean="0"/>
-              <a:t>(2, "jsh",  </a:t>
+              <a:t>INSERT INTO </a:t>
+            </a:r>
+            <a:r>
+              <a:rPr lang="en-US" altLang="ko-KR" sz="1600" dirty="0" smtClean="0"/>
+              <a:t>`topic` </a:t>
+            </a:r>
+            <a:r>
+              <a:rPr lang="en-US" altLang="ko-KR" sz="1600" dirty="0"/>
+              <a:t>(id, title, description, author, created) VALUES </a:t>
+            </a:r>
+            <a:r>
+              <a:rPr lang="en-US" altLang="ko-KR" sz="1600" dirty="0" smtClean="0"/>
+              <a:t>(2, "CSS", </a:t>
             </a:r>
             <a:r>
               <a:rPr lang="en-US" altLang="ko-KR" sz="1600" dirty="0"/>
@@ -4347,9 +4296,28 @@
             </a:r>
             <a:r>
               <a:rPr lang="en-US" altLang="ko-KR" sz="1600" dirty="0" smtClean="0"/>
-              <a:t>222");</a:t>
-            </a:r>
-            <a:endParaRPr lang="en-US" altLang="ko-KR" sz="1600" dirty="0"/>
+              <a:t>CSS </a:t>
+            </a:r>
+            <a:r>
+              <a:rPr lang="en-US" altLang="ko-KR" sz="1600" dirty="0"/>
+              <a:t>is </a:t>
+            </a:r>
+            <a:r>
+              <a:rPr lang="en-US" altLang="ko-KR" sz="1600" dirty="0" smtClean="0"/>
+              <a:t>...", </a:t>
+            </a:r>
+            <a:r>
+              <a:rPr lang="en-US" altLang="ko-KR" sz="1600" dirty="0"/>
+              <a:t>"</a:t>
+            </a:r>
+            <a:r>
+              <a:rPr lang="en-US" altLang="ko-KR" sz="1600" dirty="0" smtClean="0"/>
+              <a:t>2", </a:t>
+            </a:r>
+            <a:r>
+              <a:rPr lang="en-US" altLang="ko-KR" sz="1600" dirty="0"/>
+              <a:t>now());</a:t>
+            </a:r>
           </a:p>
           <a:p>
             <a:pPr marL="742950" lvl="1" indent="-285750" latinLnBrk="0">
@@ -4361,21 +4329,56 @@
             </a:pPr>
             <a:r>
               <a:rPr lang="en-US" altLang="ko-KR" sz="1600" dirty="0"/>
-              <a:t>INSERT INTO `user` (id, name, password) VALUES </a:t>
-            </a:r>
-            <a:r>
-              <a:rPr lang="en-US" altLang="ko-KR" sz="1600" dirty="0" smtClean="0"/>
-              <a:t>(3, "lily",  </a:t>
+              <a:t>INSERT INTO </a:t>
+            </a:r>
+            <a:r>
+              <a:rPr lang="en-US" altLang="ko-KR" sz="1600" dirty="0" smtClean="0"/>
+              <a:t>`topic` </a:t>
+            </a:r>
+            <a:r>
+              <a:rPr lang="en-US" altLang="ko-KR" sz="1600" dirty="0"/>
+              <a:t>(id, title, description, author, created) VALUES </a:t>
+            </a:r>
+            <a:r>
+              <a:rPr lang="en-US" altLang="ko-KR" sz="1600" dirty="0" smtClean="0"/>
+              <a:t>(3, "JavaScript", </a:t>
             </a:r>
             <a:r>
               <a:rPr lang="en-US" altLang="ko-KR" sz="1600" dirty="0"/>
               <a:t>"</a:t>
             </a:r>
             <a:r>
-              <a:rPr lang="en-US" altLang="ko-KR" sz="1600" dirty="0" smtClean="0"/>
-              <a:t>3333");</a:t>
-            </a:r>
-            <a:endParaRPr lang="en-US" altLang="ko-KR" sz="1600" dirty="0"/>
+              <a:rPr lang="en-US" altLang="ko-KR" sz="1600" dirty="0" err="1" smtClean="0"/>
+              <a:t>javaScript</a:t>
+            </a:r>
+            <a:r>
+              <a:rPr lang="en-US" altLang="ko-KR" sz="1600" dirty="0" smtClean="0"/>
+              <a:t> </a:t>
+            </a:r>
+            <a:r>
+              <a:rPr lang="en-US" altLang="ko-KR" sz="1600" dirty="0"/>
+              <a:t>is </a:t>
+            </a:r>
+            <a:r>
+              <a:rPr lang="en-US" altLang="ko-KR" sz="1600" dirty="0" smtClean="0"/>
+              <a:t>...", </a:t>
+            </a:r>
+            <a:r>
+              <a:rPr lang="en-US" altLang="ko-KR" sz="1600" dirty="0"/>
+              <a:t>"</a:t>
+            </a:r>
+            <a:r>
+              <a:rPr lang="en-US" altLang="ko-KR" sz="1600" dirty="0" smtClean="0"/>
+              <a:t>3", </a:t>
+            </a:r>
+            <a:r>
+              <a:rPr lang="en-US" altLang="ko-KR" sz="1600" dirty="0"/>
+              <a:t>now</a:t>
+            </a:r>
+            <a:r>
+              <a:rPr lang="en-US" altLang="ko-KR" sz="1600" dirty="0" smtClean="0"/>
+              <a:t>());</a:t>
+            </a:r>
           </a:p>
           <a:p>
             <a:pPr marL="742950" lvl="1" indent="-285750" latinLnBrk="0">
@@ -4385,7 +4388,120 @@
               <a:buFont typeface="Arial" panose="020B0604020202020204" pitchFamily="34" charset="0"/>
               <a:buChar char="•"/>
             </a:pPr>
-            <a:endParaRPr lang="en-US" altLang="ko-KR" sz="1600" dirty="0" smtClean="0"/>
+            <a:r>
+              <a:rPr lang="en-US" altLang="ko-KR" sz="1600" dirty="0">
+                <a:solidFill>
+                  <a:srgbClr val="3333FF"/>
+                </a:solidFill>
+              </a:rPr>
+              <a:t>INSERT INTO `topic` (id, title, description, author, created) VALUES (3, </a:t>
+            </a:r>
+            <a:r>
+              <a:rPr lang="en-US" altLang="ko-KR" sz="1600" dirty="0" smtClean="0">
+                <a:solidFill>
+                  <a:srgbClr val="3333FF"/>
+                </a:solidFill>
+              </a:rPr>
+              <a:t>"JavaScript", </a:t>
+            </a:r>
+            <a:r>
+              <a:rPr lang="en-US" altLang="ko-KR" sz="1600" dirty="0">
+                <a:solidFill>
+                  <a:srgbClr val="3333FF"/>
+                </a:solidFill>
+              </a:rPr>
+              <a:t>"</a:t>
+            </a:r>
+            <a:r>
+              <a:rPr lang="en-US" altLang="ko-KR" sz="1600" dirty="0" err="1" smtClean="0">
+                <a:solidFill>
+                  <a:srgbClr val="3333FF"/>
+                </a:solidFill>
+              </a:rPr>
+              <a:t>javaScript</a:t>
+            </a:r>
+            <a:r>
+              <a:rPr lang="en-US" altLang="ko-KR" sz="1600" dirty="0" smtClean="0">
+                <a:solidFill>
+                  <a:srgbClr val="3333FF"/>
+                </a:solidFill>
+              </a:rPr>
+              <a:t> </a:t>
+            </a:r>
+            <a:r>
+              <a:rPr lang="en-US" altLang="ko-KR" sz="1600" dirty="0">
+                <a:solidFill>
+                  <a:srgbClr val="3333FF"/>
+                </a:solidFill>
+              </a:rPr>
+              <a:t>is </a:t>
+            </a:r>
+            <a:r>
+              <a:rPr lang="en-US" altLang="ko-KR" sz="1600" dirty="0" smtClean="0">
+                <a:solidFill>
+                  <a:srgbClr val="3333FF"/>
+                </a:solidFill>
+              </a:rPr>
+              <a:t>...", </a:t>
+            </a:r>
+            <a:r>
+              <a:rPr lang="en-US" altLang="ko-KR" sz="1600" dirty="0">
+                <a:solidFill>
+                  <a:srgbClr val="3333FF"/>
+                </a:solidFill>
+              </a:rPr>
+              <a:t>"</a:t>
+            </a:r>
+            <a:r>
+              <a:rPr lang="en-US" altLang="ko-KR" sz="1600" dirty="0" smtClean="0">
+                <a:solidFill>
+                  <a:srgbClr val="3333FF"/>
+                </a:solidFill>
+              </a:rPr>
+              <a:t>3", </a:t>
+            </a:r>
+            <a:r>
+              <a:rPr lang="en-US" altLang="ko-KR" sz="1600" dirty="0" smtClean="0"/>
+              <a:t>'2020-11-13</a:t>
+            </a:r>
+            <a:r>
+              <a:rPr lang="en-US" altLang="ko-KR" sz="1600" dirty="0"/>
+              <a:t> 00:00:00');-- </a:t>
+            </a:r>
+            <a:r>
+              <a:rPr lang="en-US" altLang="ko-KR" sz="1600" dirty="0" smtClean="0"/>
+              <a:t>＇</a:t>
+            </a:r>
+            <a:r>
+              <a:rPr lang="ko-KR" altLang="en-US" sz="1600" dirty="0" smtClean="0"/>
+              <a:t> </a:t>
+            </a:r>
+            <a:r>
+              <a:rPr lang="en-US" altLang="ko-KR" sz="1600" dirty="0" smtClean="0">
+                <a:solidFill>
+                  <a:srgbClr val="3333FF"/>
+                </a:solidFill>
+              </a:rPr>
+              <a:t>now</a:t>
+            </a:r>
+            <a:r>
+              <a:rPr lang="en-US" altLang="ko-KR" sz="1600" dirty="0">
+                <a:solidFill>
+                  <a:srgbClr val="3333FF"/>
+                </a:solidFill>
+              </a:rPr>
+              <a:t>());</a:t>
+            </a:r>
+          </a:p>
+          <a:p>
+            <a:pPr marL="742950" lvl="1" indent="-285750" latinLnBrk="0">
+              <a:lnSpc>
+                <a:spcPct val="150000"/>
+              </a:lnSpc>
+              <a:buFont typeface="Arial" panose="020B0604020202020204" pitchFamily="34" charset="0"/>
+              <a:buChar char="•"/>
+            </a:pPr>
+            <a:endParaRPr lang="en-US" altLang="ko-KR" sz="1600" dirty="0"/>
           </a:p>
           <a:p>
             <a:pPr marL="742950" lvl="1" indent="-285750" latinLnBrk="0">
@@ -4402,7 +4518,7 @@
     </p:spTree>
     <p:extLst>
       <p:ext uri="{BB962C8B-B14F-4D97-AF65-F5344CB8AC3E}">
-        <p14:creationId xmlns:p14="http://schemas.microsoft.com/office/powerpoint/2010/main" val="1201798251"/>
+        <p14:creationId xmlns:p14="http://schemas.microsoft.com/office/powerpoint/2010/main" val="3710627598"/>
       </p:ext>
     </p:extLst>
   </p:cSld>
@@ -4555,7 +4671,7 @@
                 </a:solidFill>
                 <a:latin typeface="+mn-ea"/>
               </a:rPr>
-              <a:t>테이블 병합</a:t>
+              <a:t>데이터 선택</a:t>
             </a:r>
           </a:p>
           <a:p>
@@ -4568,15 +4684,7 @@
             </a:pPr>
             <a:r>
               <a:rPr lang="en-US" altLang="ko-KR" sz="1600" dirty="0" smtClean="0"/>
-              <a:t>SELECT * FROM topic LEFT JOIN user ON </a:t>
-            </a:r>
-            <a:r>
-              <a:rPr lang="en-US" altLang="ko-KR" sz="1600" dirty="0" err="1" smtClean="0"/>
-              <a:t>topic.author</a:t>
-            </a:r>
-            <a:r>
-              <a:rPr lang="en-US" altLang="ko-KR" sz="1600" dirty="0" smtClean="0"/>
-              <a:t> = user.id;</a:t>
+              <a:t>SELECT * FROM `topic` LIMIT 100;</a:t>
             </a:r>
           </a:p>
           <a:p>
@@ -4587,30 +4695,40 @@
               <a:buFont typeface="Arial" panose="020B0604020202020204" pitchFamily="34" charset="0"/>
               <a:buChar char="•"/>
             </a:pPr>
-            <a:r>
-              <a:rPr lang="en-US" altLang="ko-KR" sz="1600" dirty="0"/>
-              <a:t>SELECT * FROM topic LEFT </a:t>
-            </a:r>
-            <a:r>
-              <a:rPr lang="en-US" altLang="ko-KR" sz="1600" dirty="0" smtClean="0"/>
-              <a:t>JOIN user </a:t>
-            </a:r>
-            <a:r>
-              <a:rPr lang="en-US" altLang="ko-KR" sz="1600" dirty="0"/>
-              <a:t>ON </a:t>
-            </a:r>
-            <a:r>
-              <a:rPr lang="en-US" altLang="ko-KR" sz="1600" dirty="0" err="1"/>
-              <a:t>topic.author</a:t>
-            </a:r>
-            <a:r>
-              <a:rPr lang="en-US" altLang="ko-KR" sz="1600" dirty="0"/>
-              <a:t> = </a:t>
-            </a:r>
-            <a:r>
-              <a:rPr lang="en-US" altLang="ko-KR" sz="1600" dirty="0" smtClean="0"/>
-              <a:t>user.id WHERE topic.id=1;</a:t>
-            </a:r>
+            <a:endParaRPr lang="en-US" altLang="ko-KR" sz="1600" dirty="0"/>
+          </a:p>
+          <a:p>
+            <a:pPr marL="285750" indent="-285750">
+              <a:lnSpc>
+                <a:spcPct val="150000"/>
+              </a:lnSpc>
+              <a:buFont typeface="Wingdings" panose="05000000000000000000" pitchFamily="2" charset="2"/>
+              <a:buChar char="Ø"/>
+            </a:pPr>
+            <a:r>
+              <a:rPr lang="ko-KR" altLang="en-US" sz="2000" dirty="0">
+                <a:solidFill>
+                  <a:srgbClr val="0000FF"/>
+                </a:solidFill>
+                <a:latin typeface="+mn-ea"/>
+              </a:rPr>
+              <a:t>데이터 </a:t>
+            </a:r>
+            <a:r>
+              <a:rPr lang="ko-KR" altLang="en-US" sz="2000" dirty="0" smtClean="0">
+                <a:solidFill>
+                  <a:srgbClr val="0000FF"/>
+                </a:solidFill>
+                <a:latin typeface="+mn-ea"/>
+              </a:rPr>
+              <a:t>수정</a:t>
+            </a:r>
+            <a:endParaRPr lang="ko-KR" altLang="en-US" sz="2000" dirty="0">
+              <a:solidFill>
+                <a:srgbClr val="0000FF"/>
+              </a:solidFill>
+              <a:latin typeface="+mn-ea"/>
+            </a:endParaRPr>
           </a:p>
           <a:p>
             <a:pPr marL="742950" lvl="1" indent="-285750" latinLnBrk="0">
@@ -4621,28 +4739,8 @@
               <a:buChar char="•"/>
             </a:pPr>
             <a:r>
-              <a:rPr lang="en-US" altLang="ko-KR" sz="1600" dirty="0"/>
-              <a:t>SELECT </a:t>
-            </a:r>
-            <a:r>
-              <a:rPr lang="en-US" altLang="ko-KR" sz="1600" dirty="0" smtClean="0"/>
-              <a:t>topic.id, title, name, description </a:t>
-            </a:r>
-            <a:r>
-              <a:rPr lang="en-US" altLang="ko-KR" sz="1600" dirty="0"/>
-              <a:t>FROM topic LEFT JOIN user ON </a:t>
-            </a:r>
-            <a:r>
-              <a:rPr lang="en-US" altLang="ko-KR" sz="1600" dirty="0" err="1"/>
-              <a:t>topic.author</a:t>
-            </a:r>
-            <a:r>
-              <a:rPr lang="en-US" altLang="ko-KR" sz="1600" dirty="0"/>
-              <a:t> = </a:t>
-            </a:r>
-            <a:r>
-              <a:rPr lang="en-US" altLang="ko-KR" sz="1600" dirty="0" smtClean="0"/>
-              <a:t>user.id;</a:t>
+              <a:rPr lang="en-US" altLang="ko-KR" sz="1600" dirty="0" smtClean="0"/>
+              <a:t>UPDATE `topic` SET title="HTML", description="HTML is …" WHERE id=1;</a:t>
             </a:r>
           </a:p>
           <a:p>
@@ -4653,69 +4751,64 @@
               <a:buFont typeface="Arial" panose="020B0604020202020204" pitchFamily="34" charset="0"/>
               <a:buChar char="•"/>
             </a:pPr>
-            <a:r>
-              <a:rPr lang="en-US" altLang="ko-KR" sz="1600" dirty="0">
+            <a:endParaRPr lang="en-US" altLang="ko-KR" sz="1600" dirty="0"/>
+          </a:p>
+          <a:p>
+            <a:pPr marL="285750" indent="-285750">
+              <a:lnSpc>
+                <a:spcPct val="150000"/>
+              </a:lnSpc>
+              <a:buFont typeface="Wingdings" panose="05000000000000000000" pitchFamily="2" charset="2"/>
+              <a:buChar char="Ø"/>
+            </a:pPr>
+            <a:r>
+              <a:rPr lang="ko-KR" altLang="en-US" sz="2000" dirty="0">
                 <a:solidFill>
-                  <a:srgbClr val="FF0000"/>
+                  <a:srgbClr val="0000FF"/>
                 </a:solidFill>
-              </a:rPr>
-              <a:t>SELECT </a:t>
-            </a:r>
-            <a:r>
-              <a:rPr lang="en-US" altLang="ko-KR" sz="1600" dirty="0" smtClean="0">
+                <a:latin typeface="+mn-ea"/>
+              </a:rPr>
+              <a:t>데이터 </a:t>
+            </a:r>
+            <a:r>
+              <a:rPr lang="ko-KR" altLang="en-US" sz="2000" dirty="0" smtClean="0">
                 <a:solidFill>
-                  <a:srgbClr val="FF0000"/>
+                  <a:srgbClr val="0000FF"/>
                 </a:solidFill>
-              </a:rPr>
-              <a:t>topic.id as</a:t>
-            </a:r>
-            <a:r>
-              <a:rPr lang="ko-KR" altLang="en-US" sz="1600" dirty="0" smtClean="0">
-                <a:solidFill>
-                  <a:srgbClr val="FF0000"/>
-                </a:solidFill>
-              </a:rPr>
-              <a:t> </a:t>
-            </a:r>
-            <a:r>
-              <a:rPr lang="en-US" altLang="ko-KR" sz="1600" dirty="0" err="1" smtClean="0">
-                <a:solidFill>
-                  <a:srgbClr val="FF0000"/>
-                </a:solidFill>
-              </a:rPr>
-              <a:t>topic_id</a:t>
-            </a:r>
-            <a:r>
-              <a:rPr lang="en-US" altLang="ko-KR" sz="1600" dirty="0" smtClean="0">
-                <a:solidFill>
-                  <a:srgbClr val="FF0000"/>
-                </a:solidFill>
-              </a:rPr>
-              <a:t>, </a:t>
-            </a:r>
-            <a:r>
-              <a:rPr lang="en-US" altLang="ko-KR" sz="1600" dirty="0">
-                <a:solidFill>
-                  <a:srgbClr val="FF0000"/>
-                </a:solidFill>
-              </a:rPr>
-              <a:t>title, name, description FROM topic LEFT JOIN user ON </a:t>
-            </a:r>
-            <a:r>
-              <a:rPr lang="en-US" altLang="ko-KR" sz="1600" dirty="0" err="1">
-                <a:solidFill>
-                  <a:srgbClr val="FF0000"/>
-                </a:solidFill>
-              </a:rPr>
-              <a:t>topic.author</a:t>
-            </a:r>
-            <a:r>
-              <a:rPr lang="en-US" altLang="ko-KR" sz="1600" dirty="0">
-                <a:solidFill>
-                  <a:srgbClr val="FF0000"/>
-                </a:solidFill>
-              </a:rPr>
-              <a:t> = user.id;</a:t>
+                <a:latin typeface="+mn-ea"/>
+              </a:rPr>
+              <a:t>삭제</a:t>
+            </a:r>
+            <a:endParaRPr lang="ko-KR" altLang="en-US" sz="2000" dirty="0">
+              <a:solidFill>
+                <a:srgbClr val="0000FF"/>
+              </a:solidFill>
+              <a:latin typeface="+mn-ea"/>
+            </a:endParaRPr>
+          </a:p>
+          <a:p>
+            <a:pPr marL="742950" lvl="1" indent="-285750" latinLnBrk="0">
+              <a:lnSpc>
+                <a:spcPct val="150000"/>
+              </a:lnSpc>
+              <a:buFont typeface="Arial" panose="020B0604020202020204" pitchFamily="34" charset="0"/>
+              <a:buChar char="•"/>
+            </a:pPr>
+            <a:r>
+              <a:rPr lang="en-US" altLang="ko-KR" sz="1600" dirty="0" smtClean="0"/>
+              <a:t>DELETE FROM </a:t>
+            </a:r>
+            <a:r>
+              <a:rPr lang="en-US" altLang="ko-KR" sz="1600" dirty="0"/>
+              <a:t>`topic` </a:t>
+            </a:r>
+            <a:r>
+              <a:rPr lang="en-US" altLang="ko-KR" sz="1600" dirty="0" smtClean="0"/>
+              <a:t>WHERE </a:t>
+            </a:r>
+            <a:r>
+              <a:rPr lang="en-US" altLang="ko-KR" sz="1600" dirty="0"/>
+              <a:t>id=1;</a:t>
             </a:r>
           </a:p>
           <a:p>
@@ -4743,7 +4836,7 @@
     </p:spTree>
     <p:extLst>
       <p:ext uri="{BB962C8B-B14F-4D97-AF65-F5344CB8AC3E}">
-        <p14:creationId xmlns:p14="http://schemas.microsoft.com/office/powerpoint/2010/main" val="3167778717"/>
+        <p14:creationId xmlns:p14="http://schemas.microsoft.com/office/powerpoint/2010/main" val="3038340587"/>
       </p:ext>
     </p:extLst>
   </p:cSld>
@@ -4896,8 +4989,23 @@
                 </a:solidFill>
                 <a:latin typeface="+mn-ea"/>
               </a:rPr>
-              <a:t>보완</a:t>
-            </a:r>
+              <a:t>테이블 생성 </a:t>
+            </a:r>
+            <a:r>
+              <a:rPr lang="en-US" altLang="ko-KR" sz="2000" dirty="0" smtClean="0">
+                <a:solidFill>
+                  <a:srgbClr val="0000FF"/>
+                </a:solidFill>
+                <a:latin typeface="+mn-ea"/>
+              </a:rPr>
+              <a:t>(Join)</a:t>
+            </a:r>
+            <a:endParaRPr lang="en-US" altLang="ko-KR" sz="2000" dirty="0">
+              <a:solidFill>
+                <a:srgbClr val="0000FF"/>
+              </a:solidFill>
+              <a:latin typeface="+mn-ea"/>
+            </a:endParaRPr>
           </a:p>
           <a:p>
             <a:pPr marL="742950" lvl="1" indent="-285750" latinLnBrk="0">
@@ -4908,39 +5016,172 @@
               <a:buChar char="•"/>
             </a:pPr>
             <a:r>
-              <a:rPr lang="en-US" altLang="ko-KR" sz="1600" dirty="0" smtClean="0"/>
-              <a:t>SQL Injection </a:t>
-            </a:r>
-            <a:r>
-              <a:rPr lang="ko-KR" altLang="en-US" sz="1600" dirty="0" smtClean="0"/>
-              <a:t>공격</a:t>
-            </a:r>
-            <a:endParaRPr lang="en-US" altLang="ko-KR" sz="1600" dirty="0" smtClean="0"/>
-          </a:p>
-          <a:p>
-            <a:pPr marL="1200150" lvl="2" indent="-285750" latinLnBrk="0">
-              <a:lnSpc>
-                <a:spcPct val="150000"/>
-              </a:lnSpc>
-              <a:buFont typeface="Wingdings" panose="05000000000000000000" pitchFamily="2" charset="2"/>
-              <a:buChar char="v"/>
-            </a:pPr>
-            <a:r>
-              <a:rPr lang="en-US" altLang="ko-KR" sz="1400" dirty="0">
-                <a:solidFill>
-                  <a:srgbClr val="FF0000"/>
-                </a:solidFill>
-              </a:rPr>
-              <a:t>select * from user where name ="jsh" and password="1111" or 1=1</a:t>
-            </a:r>
-          </a:p>
-          <a:p>
-            <a:pPr marL="1200150" lvl="2" indent="-285750" latinLnBrk="0">
+              <a:rPr lang="en-US" altLang="ko-KR" sz="1600" dirty="0"/>
+              <a:t>DROP TABLE IF EXISTS </a:t>
+            </a:r>
+            <a:r>
+              <a:rPr lang="en-US" altLang="ko-KR" sz="1600" dirty="0" smtClean="0"/>
+              <a:t>`user`;</a:t>
+            </a:r>
+            <a:endParaRPr lang="en-US" altLang="ko-KR" sz="1600" dirty="0"/>
+          </a:p>
+          <a:p>
+            <a:pPr marL="742950" lvl="1" indent="-285750" latinLnBrk="0">
               <a:lnSpc>
                 <a:spcPct val="150000"/>
               </a:lnSpc>
               <a:buFont typeface="Arial" panose="020B0604020202020204" pitchFamily="34" charset="0"/>
               <a:buChar char="•"/>
+            </a:pPr>
+            <a:r>
+              <a:rPr lang="en-US" altLang="ko-KR" sz="1600" dirty="0" smtClean="0"/>
+              <a:t>CREATE TABLE `user` </a:t>
+            </a:r>
+            <a:r>
+              <a:rPr lang="en-US" altLang="ko-KR" sz="1600" dirty="0"/>
+              <a:t>(</a:t>
+            </a:r>
+          </a:p>
+          <a:p>
+            <a:pPr lvl="1" latinLnBrk="0">
+              <a:lnSpc>
+                <a:spcPct val="150000"/>
+              </a:lnSpc>
+            </a:pPr>
+            <a:r>
+              <a:rPr lang="en-US" altLang="ko-KR" sz="1600" dirty="0"/>
+              <a:t>	</a:t>
+            </a:r>
+            <a:r>
+              <a:rPr lang="en-US" altLang="ko-KR" sz="1600" dirty="0" smtClean="0"/>
+              <a:t>`id` </a:t>
+            </a:r>
+            <a:r>
+              <a:rPr lang="en-US" altLang="ko-KR" sz="1600" dirty="0" err="1"/>
+              <a:t>int</a:t>
+            </a:r>
+            <a:r>
+              <a:rPr lang="en-US" altLang="ko-KR" sz="1600" dirty="0"/>
+              <a:t>(11) NOT NULL </a:t>
+            </a:r>
+            <a:r>
+              <a:rPr lang="en-US" altLang="ko-KR" sz="1600" dirty="0" smtClean="0"/>
+              <a:t>AUTO_INCREMENT,</a:t>
+            </a:r>
+          </a:p>
+          <a:p>
+            <a:pPr lvl="1" latinLnBrk="0">
+              <a:lnSpc>
+                <a:spcPct val="150000"/>
+              </a:lnSpc>
+            </a:pPr>
+            <a:r>
+              <a:rPr lang="en-US" altLang="ko-KR" sz="1600" dirty="0"/>
+              <a:t>	</a:t>
+            </a:r>
+            <a:r>
+              <a:rPr lang="en-US" altLang="ko-KR" sz="1600" dirty="0" smtClean="0"/>
+              <a:t>`name` varchar(20) not null,</a:t>
+            </a:r>
+          </a:p>
+          <a:p>
+            <a:pPr lvl="1" latinLnBrk="0">
+              <a:lnSpc>
+                <a:spcPct val="150000"/>
+              </a:lnSpc>
+            </a:pPr>
+            <a:r>
+              <a:rPr lang="en-US" altLang="ko-KR" sz="1600" dirty="0"/>
+              <a:t>	</a:t>
+            </a:r>
+            <a:r>
+              <a:rPr lang="en-US" altLang="ko-KR" sz="1600" dirty="0" smtClean="0"/>
+              <a:t>`password` varchar(30) not null,</a:t>
+            </a:r>
+          </a:p>
+          <a:p>
+            <a:pPr lvl="1" latinLnBrk="0">
+              <a:lnSpc>
+                <a:spcPct val="150000"/>
+              </a:lnSpc>
+            </a:pPr>
+            <a:r>
+              <a:rPr lang="en-US" altLang="ko-KR" sz="1600" dirty="0" smtClean="0"/>
+              <a:t>	PRIMARY </a:t>
+            </a:r>
+            <a:r>
+              <a:rPr lang="en-US" altLang="ko-KR" sz="1600" dirty="0"/>
+              <a:t>KEY </a:t>
+            </a:r>
+            <a:r>
+              <a:rPr lang="en-US" altLang="ko-KR" sz="1600" dirty="0" smtClean="0"/>
+              <a:t>(`id`)</a:t>
+            </a:r>
+          </a:p>
+          <a:p>
+            <a:pPr lvl="1" latinLnBrk="0">
+              <a:lnSpc>
+                <a:spcPct val="150000"/>
+              </a:lnSpc>
+            </a:pPr>
+            <a:r>
+              <a:rPr lang="en-US" altLang="ko-KR" sz="1600" dirty="0" smtClean="0"/>
+              <a:t>) ENGINE=</a:t>
+            </a:r>
+            <a:r>
+              <a:rPr lang="en-US" altLang="ko-KR" sz="1600" dirty="0" err="1" smtClean="0"/>
+              <a:t>InnoDB</a:t>
+            </a:r>
+            <a:r>
+              <a:rPr lang="en-US" altLang="ko-KR" sz="1600" dirty="0" smtClean="0"/>
+              <a:t> </a:t>
+            </a:r>
+            <a:r>
+              <a:rPr lang="en-US" altLang="ko-KR" sz="1600" dirty="0"/>
+              <a:t>AUTO_INCREMENT=8</a:t>
+            </a:r>
+            <a:r>
+              <a:rPr lang="en-US" altLang="ko-KR" sz="1600" dirty="0" smtClean="0"/>
+              <a:t> </a:t>
+            </a:r>
+            <a:r>
+              <a:rPr lang="en-US" altLang="ko-KR" sz="1600" dirty="0"/>
+              <a:t>DEFAULT CHARSET=utf8</a:t>
+            </a:r>
+            <a:r>
+              <a:rPr lang="en-US" altLang="ko-KR" sz="1600" dirty="0" smtClean="0"/>
+              <a:t>;</a:t>
+            </a:r>
+          </a:p>
+          <a:p>
+            <a:pPr lvl="1" latinLnBrk="0">
+              <a:lnSpc>
+                <a:spcPct val="150000"/>
+              </a:lnSpc>
+            </a:pPr>
+            <a:endParaRPr lang="en-US" altLang="ko-KR" sz="1600" dirty="0"/>
+          </a:p>
+          <a:p>
+            <a:pPr lvl="1" latinLnBrk="0">
+              <a:lnSpc>
+                <a:spcPct val="150000"/>
+              </a:lnSpc>
+            </a:pPr>
+            <a:endParaRPr lang="en-US" altLang="ko-KR" sz="1600" dirty="0" smtClean="0"/>
+          </a:p>
+          <a:p>
+            <a:pPr lvl="1" latinLnBrk="0">
+              <a:lnSpc>
+                <a:spcPct val="150000"/>
+              </a:lnSpc>
+            </a:pPr>
+            <a:endParaRPr lang="en-US" altLang="ko-KR" sz="1600" dirty="0"/>
+          </a:p>
+          <a:p>
+            <a:pPr lvl="1" latinLnBrk="0">
+              <a:lnSpc>
+                <a:spcPct val="150000"/>
+              </a:lnSpc>
             </a:pPr>
             <a:endParaRPr lang="en-US" altLang="ko-KR" sz="1600" dirty="0" smtClean="0"/>
           </a:p>
@@ -4949,7 +5190,7 @@
     </p:spTree>
     <p:extLst>
       <p:ext uri="{BB962C8B-B14F-4D97-AF65-F5344CB8AC3E}">
-        <p14:creationId xmlns:p14="http://schemas.microsoft.com/office/powerpoint/2010/main" val="4053685340"/>
+        <p14:creationId xmlns:p14="http://schemas.microsoft.com/office/powerpoint/2010/main" val="1371645219"/>
       </p:ext>
     </p:extLst>
   </p:cSld>
@@ -5006,16 +5247,19 @@
           <a:lstStyle/>
           <a:p>
             <a:r>
-              <a:rPr lang="en-US" altLang="ko-KR" sz="2400" dirty="0" smtClean="0">
+              <a:rPr lang="en-US" altLang="ko-KR" sz="2400" dirty="0">
                 <a:latin typeface="HY헤드라인M" pitchFamily="18" charset="-127"/>
                 <a:ea typeface="HY헤드라인M" pitchFamily="18" charset="-127"/>
               </a:rPr>
-              <a:t>SQL Cheat Sheet 1</a:t>
-            </a:r>
-            <a:endParaRPr lang="ko-KR" altLang="en-US" sz="2400" dirty="0">
-              <a:latin typeface="HY헤드라인M" pitchFamily="18" charset="-127"/>
-              <a:ea typeface="HY헤드라인M" pitchFamily="18" charset="-127"/>
-            </a:endParaRPr>
+              <a:t>MySQL </a:t>
+            </a:r>
+            <a:r>
+              <a:rPr lang="ko-KR" altLang="en-US" sz="2400" dirty="0">
+                <a:latin typeface="HY헤드라인M" pitchFamily="18" charset="-127"/>
+                <a:ea typeface="HY헤드라인M" pitchFamily="18" charset="-127"/>
+              </a:rPr>
+              <a:t>명령어</a:t>
+            </a:r>
           </a:p>
         </p:txBody>
       </p:sp>
@@ -5092,38 +5336,139 @@
               <a:buFont typeface="Wingdings" panose="05000000000000000000" pitchFamily="2" charset="2"/>
               <a:buChar char="Ø"/>
             </a:pPr>
+            <a:r>
+              <a:rPr lang="ko-KR" altLang="en-US" sz="2000" dirty="0" smtClean="0">
+                <a:solidFill>
+                  <a:srgbClr val="0000FF"/>
+                </a:solidFill>
+                <a:latin typeface="+mn-ea"/>
+              </a:rPr>
+              <a:t>데이터 추가</a:t>
+            </a:r>
+          </a:p>
+          <a:p>
+            <a:pPr marL="742950" lvl="1" indent="-285750" latinLnBrk="0">
+              <a:lnSpc>
+                <a:spcPct val="150000"/>
+              </a:lnSpc>
+              <a:buFont typeface="Arial" panose="020B0604020202020204" pitchFamily="34" charset="0"/>
+              <a:buChar char="•"/>
+            </a:pPr>
+            <a:r>
+              <a:rPr lang="en-US" altLang="ko-KR" sz="1600" dirty="0"/>
+              <a:t>INSERT INTO </a:t>
+            </a:r>
+            <a:r>
+              <a:rPr lang="en-US" altLang="ko-KR" sz="1600" dirty="0" smtClean="0"/>
+              <a:t>`user` </a:t>
+            </a:r>
+            <a:r>
+              <a:rPr lang="en-US" altLang="ko-KR" sz="1600" dirty="0"/>
+              <a:t>(id, </a:t>
+            </a:r>
+            <a:r>
+              <a:rPr lang="en-US" altLang="ko-KR" sz="1600" dirty="0" smtClean="0"/>
+              <a:t>name, password) </a:t>
+            </a:r>
+            <a:r>
+              <a:rPr lang="en-US" altLang="ko-KR" sz="1600" dirty="0"/>
+              <a:t>VALUES (1, "</a:t>
+            </a:r>
+            <a:r>
+              <a:rPr lang="en-US" altLang="ko-KR" sz="1600" dirty="0" err="1" smtClean="0"/>
+              <a:t>egoin</a:t>
+            </a:r>
+            <a:r>
+              <a:rPr lang="en-US" altLang="ko-KR" sz="1600" dirty="0" smtClean="0"/>
+              <a:t>",  </a:t>
+            </a:r>
+            <a:r>
+              <a:rPr lang="en-US" altLang="ko-KR" sz="1600" dirty="0"/>
+              <a:t>"</a:t>
+            </a:r>
+            <a:r>
+              <a:rPr lang="en-US" altLang="ko-KR" sz="1600" dirty="0" smtClean="0"/>
+              <a:t>1111");</a:t>
+            </a:r>
+          </a:p>
+          <a:p>
+            <a:pPr marL="742950" lvl="1" indent="-285750" latinLnBrk="0">
+              <a:lnSpc>
+                <a:spcPct val="150000"/>
+              </a:lnSpc>
+              <a:buFont typeface="Arial" panose="020B0604020202020204" pitchFamily="34" charset="0"/>
+              <a:buChar char="•"/>
+            </a:pPr>
+            <a:r>
+              <a:rPr lang="en-US" altLang="ko-KR" sz="1600" dirty="0"/>
+              <a:t>INSERT INTO `user` (id, name, password) VALUES </a:t>
+            </a:r>
+            <a:r>
+              <a:rPr lang="en-US" altLang="ko-KR" sz="1600" dirty="0" smtClean="0"/>
+              <a:t>(2, "jsh",  </a:t>
+            </a:r>
+            <a:r>
+              <a:rPr lang="en-US" altLang="ko-KR" sz="1600" dirty="0"/>
+              <a:t>"</a:t>
+            </a:r>
+            <a:r>
+              <a:rPr lang="en-US" altLang="ko-KR" sz="1600" dirty="0" smtClean="0"/>
+              <a:t>222");</a:t>
+            </a:r>
+            <a:endParaRPr lang="en-US" altLang="ko-KR" sz="1600" dirty="0"/>
+          </a:p>
+          <a:p>
+            <a:pPr marL="742950" lvl="1" indent="-285750" latinLnBrk="0">
+              <a:lnSpc>
+                <a:spcPct val="150000"/>
+              </a:lnSpc>
+              <a:buFont typeface="Arial" panose="020B0604020202020204" pitchFamily="34" charset="0"/>
+              <a:buChar char="•"/>
+            </a:pPr>
+            <a:r>
+              <a:rPr lang="en-US" altLang="ko-KR" sz="1600" dirty="0"/>
+              <a:t>INSERT INTO `user` (id, name, password) VALUES </a:t>
+            </a:r>
+            <a:r>
+              <a:rPr lang="en-US" altLang="ko-KR" sz="1600" dirty="0" smtClean="0"/>
+              <a:t>(3, "lily",  </a:t>
+            </a:r>
+            <a:r>
+              <a:rPr lang="en-US" altLang="ko-KR" sz="1600" dirty="0"/>
+              <a:t>"</a:t>
+            </a:r>
+            <a:r>
+              <a:rPr lang="en-US" altLang="ko-KR" sz="1600" dirty="0" smtClean="0"/>
+              <a:t>3333");</a:t>
+            </a:r>
+            <a:endParaRPr lang="en-US" altLang="ko-KR" sz="1600" dirty="0"/>
+          </a:p>
+          <a:p>
+            <a:pPr marL="742950" lvl="1" indent="-285750" latinLnBrk="0">
+              <a:lnSpc>
+                <a:spcPct val="150000"/>
+              </a:lnSpc>
+              <a:buFont typeface="Arial" panose="020B0604020202020204" pitchFamily="34" charset="0"/>
+              <a:buChar char="•"/>
+            </a:pPr>
+            <a:endParaRPr lang="en-US" altLang="ko-KR" sz="1600" dirty="0" smtClean="0"/>
+          </a:p>
+          <a:p>
+            <a:pPr marL="742950" lvl="1" indent="-285750" latinLnBrk="0">
+              <a:lnSpc>
+                <a:spcPct val="150000"/>
+              </a:lnSpc>
+              <a:buFont typeface="Arial" panose="020B0604020202020204" pitchFamily="34" charset="0"/>
+              <a:buChar char="•"/>
+            </a:pPr>
             <a:endParaRPr lang="en-US" altLang="ko-KR" sz="1600" dirty="0" smtClean="0"/>
           </a:p>
         </p:txBody>
       </p:sp>
-      <p:pic>
-        <p:nvPicPr>
-          <p:cNvPr id="4" name="그림 3"/>
-          <p:cNvPicPr>
-            <a:picLocks noChangeAspect="1"/>
-          </p:cNvPicPr>
-          <p:nvPr/>
-        </p:nvPicPr>
-        <p:blipFill>
-          <a:blip r:embed="rId3"/>
-          <a:stretch>
-            <a:fillRect/>
-          </a:stretch>
-        </p:blipFill>
-        <p:spPr>
-          <a:xfrm>
-            <a:off x="892628" y="1351154"/>
-            <a:ext cx="7358745" cy="5146551"/>
-          </a:xfrm>
-          <a:prstGeom prst="rect">
-            <a:avLst/>
-          </a:prstGeom>
-        </p:spPr>
-      </p:pic>
     </p:spTree>
     <p:extLst>
       <p:ext uri="{BB962C8B-B14F-4D97-AF65-F5344CB8AC3E}">
-        <p14:creationId xmlns:p14="http://schemas.microsoft.com/office/powerpoint/2010/main" val="2616646542"/>
+        <p14:creationId xmlns:p14="http://schemas.microsoft.com/office/powerpoint/2010/main" val="1201798251"/>
       </p:ext>
     </p:extLst>
   </p:cSld>
@@ -5180,16 +5525,19 @@
           <a:lstStyle/>
           <a:p>
             <a:r>
-              <a:rPr lang="en-US" altLang="ko-KR" sz="2400" dirty="0" smtClean="0">
+              <a:rPr lang="en-US" altLang="ko-KR" sz="2400" dirty="0">
                 <a:latin typeface="HY헤드라인M" pitchFamily="18" charset="-127"/>
                 <a:ea typeface="HY헤드라인M" pitchFamily="18" charset="-127"/>
               </a:rPr>
-              <a:t>SQL Cheat Sheet 2</a:t>
-            </a:r>
-            <a:endParaRPr lang="ko-KR" altLang="en-US" sz="2400" dirty="0">
-              <a:latin typeface="HY헤드라인M" pitchFamily="18" charset="-127"/>
-              <a:ea typeface="HY헤드라인M" pitchFamily="18" charset="-127"/>
-            </a:endParaRPr>
+              <a:t>MySQL </a:t>
+            </a:r>
+            <a:r>
+              <a:rPr lang="ko-KR" altLang="en-US" sz="2400" dirty="0">
+                <a:latin typeface="HY헤드라인M" pitchFamily="18" charset="-127"/>
+                <a:ea typeface="HY헤드라인M" pitchFamily="18" charset="-127"/>
+              </a:rPr>
+              <a:t>명령어</a:t>
+            </a:r>
           </a:p>
         </p:txBody>
       </p:sp>
@@ -5266,38 +5614,202 @@
               <a:buFont typeface="Wingdings" panose="05000000000000000000" pitchFamily="2" charset="2"/>
               <a:buChar char="Ø"/>
             </a:pPr>
+            <a:r>
+              <a:rPr lang="ko-KR" altLang="en-US" sz="2000" dirty="0" smtClean="0">
+                <a:solidFill>
+                  <a:srgbClr val="0000FF"/>
+                </a:solidFill>
+                <a:latin typeface="+mn-ea"/>
+              </a:rPr>
+              <a:t>테이블 병합</a:t>
+            </a:r>
+          </a:p>
+          <a:p>
+            <a:pPr marL="742950" lvl="1" indent="-285750" latinLnBrk="0">
+              <a:lnSpc>
+                <a:spcPct val="150000"/>
+              </a:lnSpc>
+              <a:buFont typeface="Arial" panose="020B0604020202020204" pitchFamily="34" charset="0"/>
+              <a:buChar char="•"/>
+            </a:pPr>
+            <a:r>
+              <a:rPr lang="en-US" altLang="ko-KR" sz="1600" dirty="0" smtClean="0"/>
+              <a:t>SELECT * FROM topic LEFT JOIN user ON </a:t>
+            </a:r>
+            <a:r>
+              <a:rPr lang="en-US" altLang="ko-KR" sz="1600" dirty="0" err="1" smtClean="0"/>
+              <a:t>topic.author</a:t>
+            </a:r>
+            <a:r>
+              <a:rPr lang="en-US" altLang="ko-KR" sz="1600" dirty="0" smtClean="0"/>
+              <a:t> = user.id;</a:t>
+            </a:r>
+          </a:p>
+          <a:p>
+            <a:pPr marL="742950" lvl="1" indent="-285750" latinLnBrk="0">
+              <a:lnSpc>
+                <a:spcPct val="150000"/>
+              </a:lnSpc>
+              <a:buFont typeface="Arial" panose="020B0604020202020204" pitchFamily="34" charset="0"/>
+              <a:buChar char="•"/>
+            </a:pPr>
+            <a:r>
+              <a:rPr lang="en-US" altLang="ko-KR" sz="1600" dirty="0"/>
+              <a:t>SELECT * FROM topic LEFT </a:t>
+            </a:r>
+            <a:r>
+              <a:rPr lang="en-US" altLang="ko-KR" sz="1600" dirty="0" smtClean="0"/>
+              <a:t>JOIN user </a:t>
+            </a:r>
+            <a:r>
+              <a:rPr lang="en-US" altLang="ko-KR" sz="1600" dirty="0"/>
+              <a:t>ON </a:t>
+            </a:r>
+            <a:r>
+              <a:rPr lang="en-US" altLang="ko-KR" sz="1600" dirty="0" err="1"/>
+              <a:t>topic.author</a:t>
+            </a:r>
+            <a:r>
+              <a:rPr lang="en-US" altLang="ko-KR" sz="1600" dirty="0"/>
+              <a:t> = </a:t>
+            </a:r>
+            <a:r>
+              <a:rPr lang="en-US" altLang="ko-KR" sz="1600" dirty="0" smtClean="0"/>
+              <a:t>user.id WHERE topic.id=1;</a:t>
+            </a:r>
+          </a:p>
+          <a:p>
+            <a:pPr marL="742950" lvl="1" indent="-285750" latinLnBrk="0">
+              <a:lnSpc>
+                <a:spcPct val="150000"/>
+              </a:lnSpc>
+              <a:buFont typeface="Arial" panose="020B0604020202020204" pitchFamily="34" charset="0"/>
+              <a:buChar char="•"/>
+            </a:pPr>
+            <a:r>
+              <a:rPr lang="en-US" altLang="ko-KR" sz="1600" dirty="0"/>
+              <a:t>SELECT </a:t>
+            </a:r>
+            <a:r>
+              <a:rPr lang="en-US" altLang="ko-KR" sz="1600" dirty="0" smtClean="0"/>
+              <a:t>topic.id, title, name, description </a:t>
+            </a:r>
+            <a:r>
+              <a:rPr lang="en-US" altLang="ko-KR" sz="1600" dirty="0"/>
+              <a:t>FROM topic LEFT JOIN user ON </a:t>
+            </a:r>
+            <a:r>
+              <a:rPr lang="en-US" altLang="ko-KR" sz="1600" dirty="0" err="1"/>
+              <a:t>topic.author</a:t>
+            </a:r>
+            <a:r>
+              <a:rPr lang="en-US" altLang="ko-KR" sz="1600" dirty="0"/>
+              <a:t> = </a:t>
+            </a:r>
+            <a:r>
+              <a:rPr lang="en-US" altLang="ko-KR" sz="1600" dirty="0" smtClean="0"/>
+              <a:t>user.id;</a:t>
+            </a:r>
+          </a:p>
+          <a:p>
+            <a:pPr marL="742950" lvl="1" indent="-285750" latinLnBrk="0">
+              <a:lnSpc>
+                <a:spcPct val="150000"/>
+              </a:lnSpc>
+              <a:buFont typeface="Arial" panose="020B0604020202020204" pitchFamily="34" charset="0"/>
+              <a:buChar char="•"/>
+            </a:pPr>
+            <a:r>
+              <a:rPr lang="en-US" altLang="ko-KR" sz="1600" dirty="0">
+                <a:solidFill>
+                  <a:srgbClr val="FF0000"/>
+                </a:solidFill>
+              </a:rPr>
+              <a:t>SELECT </a:t>
+            </a:r>
+            <a:r>
+              <a:rPr lang="en-US" altLang="ko-KR" sz="1600" dirty="0" smtClean="0">
+                <a:solidFill>
+                  <a:srgbClr val="FF0000"/>
+                </a:solidFill>
+              </a:rPr>
+              <a:t>topic.id as</a:t>
+            </a:r>
+            <a:r>
+              <a:rPr lang="ko-KR" altLang="en-US" sz="1600" dirty="0" smtClean="0">
+                <a:solidFill>
+                  <a:srgbClr val="FF0000"/>
+                </a:solidFill>
+              </a:rPr>
+              <a:t> </a:t>
+            </a:r>
+            <a:r>
+              <a:rPr lang="en-US" altLang="ko-KR" sz="1600" dirty="0" err="1" smtClean="0">
+                <a:solidFill>
+                  <a:srgbClr val="FF0000"/>
+                </a:solidFill>
+              </a:rPr>
+              <a:t>topic_id</a:t>
+            </a:r>
+            <a:r>
+              <a:rPr lang="en-US" altLang="ko-KR" sz="1600" dirty="0" smtClean="0">
+                <a:solidFill>
+                  <a:srgbClr val="FF0000"/>
+                </a:solidFill>
+              </a:rPr>
+              <a:t>, </a:t>
+            </a:r>
+            <a:r>
+              <a:rPr lang="en-US" altLang="ko-KR" sz="1600" dirty="0">
+                <a:solidFill>
+                  <a:srgbClr val="FF0000"/>
+                </a:solidFill>
+              </a:rPr>
+              <a:t>title, name, description FROM topic LEFT JOIN user ON </a:t>
+            </a:r>
+            <a:r>
+              <a:rPr lang="en-US" altLang="ko-KR" sz="1600" dirty="0" err="1">
+                <a:solidFill>
+                  <a:srgbClr val="FF0000"/>
+                </a:solidFill>
+              </a:rPr>
+              <a:t>topic.author</a:t>
+            </a:r>
+            <a:r>
+              <a:rPr lang="en-US" altLang="ko-KR" sz="1600" dirty="0">
+                <a:solidFill>
+                  <a:srgbClr val="FF0000"/>
+                </a:solidFill>
+              </a:rPr>
+              <a:t> = user.id;</a:t>
+            </a:r>
+          </a:p>
+          <a:p>
+            <a:pPr marL="742950" lvl="1" indent="-285750" latinLnBrk="0">
+              <a:lnSpc>
+                <a:spcPct val="150000"/>
+              </a:lnSpc>
+              <a:buFont typeface="Arial" panose="020B0604020202020204" pitchFamily="34" charset="0"/>
+              <a:buChar char="•"/>
+            </a:pPr>
+            <a:endParaRPr lang="en-US" altLang="ko-KR" sz="1600" dirty="0"/>
+          </a:p>
+          <a:p>
+            <a:pPr marL="742950" lvl="1" indent="-285750" latinLnBrk="0">
+              <a:lnSpc>
+                <a:spcPct val="150000"/>
+              </a:lnSpc>
+              <a:buFont typeface="Arial" panose="020B0604020202020204" pitchFamily="34" charset="0"/>
+              <a:buChar char="•"/>
+            </a:pPr>
             <a:endParaRPr lang="en-US" altLang="ko-KR" sz="1600" dirty="0" smtClean="0"/>
           </a:p>
         </p:txBody>
       </p:sp>
-      <p:pic>
-        <p:nvPicPr>
-          <p:cNvPr id="6" name="그림 5"/>
-          <p:cNvPicPr>
-            <a:picLocks noChangeAspect="1"/>
-          </p:cNvPicPr>
-          <p:nvPr/>
-        </p:nvPicPr>
-        <p:blipFill>
-          <a:blip r:embed="rId3"/>
-          <a:stretch>
-            <a:fillRect/>
-          </a:stretch>
-        </p:blipFill>
-        <p:spPr>
-          <a:xfrm>
-            <a:off x="868843" y="1368146"/>
-            <a:ext cx="7406315" cy="5112568"/>
-          </a:xfrm>
-          <a:prstGeom prst="rect">
-            <a:avLst/>
-          </a:prstGeom>
-        </p:spPr>
-      </p:pic>
     </p:spTree>
     <p:extLst>
       <p:ext uri="{BB962C8B-B14F-4D97-AF65-F5344CB8AC3E}">
-        <p14:creationId xmlns:p14="http://schemas.microsoft.com/office/powerpoint/2010/main" val="2071286550"/>
+        <p14:creationId xmlns:p14="http://schemas.microsoft.com/office/powerpoint/2010/main" val="3167778717"/>
       </p:ext>
     </p:extLst>
   </p:cSld>
@@ -5354,16 +5866,19 @@
           <a:lstStyle/>
           <a:p>
             <a:r>
-              <a:rPr lang="en-US" altLang="ko-KR" sz="2400" dirty="0" smtClean="0">
+              <a:rPr lang="en-US" altLang="ko-KR" sz="2400" dirty="0">
                 <a:latin typeface="HY헤드라인M" pitchFamily="18" charset="-127"/>
                 <a:ea typeface="HY헤드라인M" pitchFamily="18" charset="-127"/>
               </a:rPr>
-              <a:t>SQL Cheat Sheet 3</a:t>
-            </a:r>
-            <a:endParaRPr lang="ko-KR" altLang="en-US" sz="2400" dirty="0">
-              <a:latin typeface="HY헤드라인M" pitchFamily="18" charset="-127"/>
-              <a:ea typeface="HY헤드라인M" pitchFamily="18" charset="-127"/>
-            </a:endParaRPr>
+              <a:t>MySQL </a:t>
+            </a:r>
+            <a:r>
+              <a:rPr lang="ko-KR" altLang="en-US" sz="2400" dirty="0">
+                <a:latin typeface="HY헤드라인M" pitchFamily="18" charset="-127"/>
+                <a:ea typeface="HY헤드라인M" pitchFamily="18" charset="-127"/>
+              </a:rPr>
+              <a:t>명령어</a:t>
+            </a:r>
           </a:p>
         </p:txBody>
       </p:sp>
@@ -5440,38 +5955,67 @@
               <a:buFont typeface="Wingdings" panose="05000000000000000000" pitchFamily="2" charset="2"/>
               <a:buChar char="Ø"/>
             </a:pPr>
+            <a:r>
+              <a:rPr lang="ko-KR" altLang="en-US" sz="2000" dirty="0" smtClean="0">
+                <a:solidFill>
+                  <a:srgbClr val="0000FF"/>
+                </a:solidFill>
+                <a:latin typeface="+mn-ea"/>
+              </a:rPr>
+              <a:t>보완</a:t>
+            </a:r>
+          </a:p>
+          <a:p>
+            <a:pPr marL="742950" lvl="1" indent="-285750" latinLnBrk="0">
+              <a:lnSpc>
+                <a:spcPct val="150000"/>
+              </a:lnSpc>
+              <a:buFont typeface="Arial" panose="020B0604020202020204" pitchFamily="34" charset="0"/>
+              <a:buChar char="•"/>
+            </a:pPr>
+            <a:r>
+              <a:rPr lang="en-US" altLang="ko-KR" sz="1600" dirty="0" smtClean="0"/>
+              <a:t>SQL Injection </a:t>
+            </a:r>
+            <a:r>
+              <a:rPr lang="ko-KR" altLang="en-US" sz="1600" dirty="0" smtClean="0"/>
+              <a:t>공격</a:t>
+            </a:r>
+            <a:endParaRPr lang="en-US" altLang="ko-KR" sz="1600" dirty="0" smtClean="0"/>
+          </a:p>
+          <a:p>
+            <a:pPr marL="1200150" lvl="2" indent="-285750" latinLnBrk="0">
+              <a:lnSpc>
+                <a:spcPct val="150000"/>
+              </a:lnSpc>
+              <a:buFont typeface="Wingdings" panose="05000000000000000000" pitchFamily="2" charset="2"/>
+              <a:buChar char="v"/>
+            </a:pPr>
+            <a:r>
+              <a:rPr lang="en-US" altLang="ko-KR" sz="1400" dirty="0">
+                <a:solidFill>
+                  <a:srgbClr val="FF0000"/>
+                </a:solidFill>
+              </a:rPr>
+              <a:t>select * from user where name ="jsh" and password="1111" or 1=1</a:t>
+            </a:r>
+          </a:p>
+          <a:p>
+            <a:pPr marL="1200150" lvl="2" indent="-285750" latinLnBrk="0">
+              <a:lnSpc>
+                <a:spcPct val="150000"/>
+              </a:lnSpc>
+              <a:buFont typeface="Arial" panose="020B0604020202020204" pitchFamily="34" charset="0"/>
+              <a:buChar char="•"/>
+            </a:pPr>
             <a:endParaRPr lang="en-US" altLang="ko-KR" sz="1600" dirty="0" smtClean="0"/>
           </a:p>
         </p:txBody>
       </p:sp>
-      <p:pic>
-        <p:nvPicPr>
-          <p:cNvPr id="6" name="그림 5"/>
-          <p:cNvPicPr>
-            <a:picLocks noChangeAspect="1"/>
-          </p:cNvPicPr>
-          <p:nvPr/>
-        </p:nvPicPr>
-        <p:blipFill>
-          <a:blip r:embed="rId3"/>
-          <a:stretch>
-            <a:fillRect/>
-          </a:stretch>
-        </p:blipFill>
-        <p:spPr>
-          <a:xfrm>
-            <a:off x="830906" y="1339844"/>
-            <a:ext cx="7482188" cy="5169171"/>
-          </a:xfrm>
-          <a:prstGeom prst="rect">
-            <a:avLst/>
-          </a:prstGeom>
-        </p:spPr>
-      </p:pic>
     </p:spTree>
     <p:extLst>
       <p:ext uri="{BB962C8B-B14F-4D97-AF65-F5344CB8AC3E}">
-        <p14:creationId xmlns:p14="http://schemas.microsoft.com/office/powerpoint/2010/main" val="1027526350"/>
+        <p14:creationId xmlns:p14="http://schemas.microsoft.com/office/powerpoint/2010/main" val="4053685340"/>
       </p:ext>
     </p:extLst>
   </p:cSld>
@@ -5880,6 +6424,528 @@
     <p:extLst>
       <p:ext uri="{BB962C8B-B14F-4D97-AF65-F5344CB8AC3E}">
         <p14:creationId xmlns:p14="http://schemas.microsoft.com/office/powerpoint/2010/main" val="1774821040"/>
+      </p:ext>
+    </p:extLst>
+  </p:cSld>
+  <p:clrMapOvr>
+    <a:masterClrMapping/>
+  </p:clrMapOvr>
+  <p:timing>
+    <p:tnLst>
+      <p:par>
+        <p:cTn id="1" dur="indefinite" restart="never" nodeType="tmRoot"/>
+      </p:par>
+    </p:tnLst>
+  </p:timing>
+</p:sld>
+</file>
+
+<file path=ppt/slides/slide20.xml><?xml version="1.0" encoding="utf-8"?>
+<p:sld xmlns:a="http://schemas.openxmlformats.org/drawingml/2006/main" xmlns:r="http://schemas.openxmlformats.org/officeDocument/2006/relationships" xmlns:p="http://schemas.openxmlformats.org/presentationml/2006/main">
+  <p:cSld>
+    <p:spTree>
+      <p:nvGrpSpPr>
+        <p:cNvPr id="1" name=""/>
+        <p:cNvGrpSpPr/>
+        <p:nvPr/>
+      </p:nvGrpSpPr>
+      <p:grpSpPr>
+        <a:xfrm>
+          <a:off x="0" y="0"/>
+          <a:ext cx="0" cy="0"/>
+          <a:chOff x="0" y="0"/>
+          <a:chExt cx="0" cy="0"/>
+        </a:xfrm>
+      </p:grpSpPr>
+      <p:sp>
+        <p:nvSpPr>
+          <p:cNvPr id="3" name="TextBox 2"/>
+          <p:cNvSpPr txBox="1"/>
+          <p:nvPr/>
+        </p:nvSpPr>
+        <p:spPr>
+          <a:xfrm>
+            <a:off x="548640" y="470346"/>
+            <a:ext cx="8055807" cy="461665"/>
+          </a:xfrm>
+          <a:prstGeom prst="rect">
+            <a:avLst/>
+          </a:prstGeom>
+          <a:noFill/>
+        </p:spPr>
+        <p:txBody>
+          <a:bodyPr wrap="square" rtlCol="0">
+            <a:spAutoFit/>
+          </a:bodyPr>
+          <a:lstStyle/>
+          <a:p>
+            <a:r>
+              <a:rPr lang="en-US" altLang="ko-KR" sz="2400" dirty="0" smtClean="0">
+                <a:latin typeface="HY헤드라인M" pitchFamily="18" charset="-127"/>
+                <a:ea typeface="HY헤드라인M" pitchFamily="18" charset="-127"/>
+              </a:rPr>
+              <a:t>SQL Cheat Sheet 1</a:t>
+            </a:r>
+            <a:endParaRPr lang="ko-KR" altLang="en-US" sz="2400" dirty="0">
+              <a:latin typeface="HY헤드라인M" pitchFamily="18" charset="-127"/>
+              <a:ea typeface="HY헤드라인M" pitchFamily="18" charset="-127"/>
+            </a:endParaRPr>
+          </a:p>
+        </p:txBody>
+      </p:sp>
+      <p:pic>
+        <p:nvPicPr>
+          <p:cNvPr id="2" name="그림 1"/>
+          <p:cNvPicPr>
+            <a:picLocks noChangeAspect="1"/>
+          </p:cNvPicPr>
+          <p:nvPr/>
+        </p:nvPicPr>
+        <p:blipFill>
+          <a:blip r:embed="rId2" cstate="print">
+            <a:extLst>
+              <a:ext uri="{28A0092B-C50C-407E-A947-70E740481C1C}">
+                <a14:useLocalDpi xmlns:a14="http://schemas.microsoft.com/office/drawing/2010/main" val="0"/>
+              </a:ext>
+            </a:extLst>
+          </a:blip>
+          <a:stretch>
+            <a:fillRect/>
+          </a:stretch>
+        </p:blipFill>
+        <p:spPr>
+          <a:xfrm>
+            <a:off x="7596744" y="2925352"/>
+            <a:ext cx="71600" cy="71600"/>
+          </a:xfrm>
+          <a:prstGeom prst="rect">
+            <a:avLst/>
+          </a:prstGeom>
+        </p:spPr>
+      </p:pic>
+      <p:sp>
+        <p:nvSpPr>
+          <p:cNvPr id="5" name="모서리가 둥근 직사각형 4"/>
+          <p:cNvSpPr/>
+          <p:nvPr/>
+        </p:nvSpPr>
+        <p:spPr>
+          <a:xfrm>
+            <a:off x="439982" y="1251508"/>
+            <a:ext cx="8164465" cy="5345844"/>
+          </a:xfrm>
+          <a:prstGeom prst="roundRect">
+            <a:avLst>
+              <a:gd name="adj" fmla="val 8134"/>
+            </a:avLst>
+          </a:prstGeom>
+          <a:ln/>
+        </p:spPr>
+        <p:style>
+          <a:lnRef idx="2">
+            <a:schemeClr val="accent1"/>
+          </a:lnRef>
+          <a:fillRef idx="1">
+            <a:schemeClr val="lt1"/>
+          </a:fillRef>
+          <a:effectRef idx="0">
+            <a:schemeClr val="accent1"/>
+          </a:effectRef>
+          <a:fontRef idx="minor">
+            <a:schemeClr val="dk1"/>
+          </a:fontRef>
+        </p:style>
+        <p:txBody>
+          <a:bodyPr rtlCol="0" anchor="t"/>
+          <a:lstStyle/>
+          <a:p>
+            <a:pPr marL="285750" indent="-285750">
+              <a:lnSpc>
+                <a:spcPct val="150000"/>
+              </a:lnSpc>
+              <a:buFont typeface="Wingdings" panose="05000000000000000000" pitchFamily="2" charset="2"/>
+              <a:buChar char="Ø"/>
+            </a:pPr>
+            <a:endParaRPr lang="en-US" altLang="ko-KR" sz="1600" dirty="0" smtClean="0"/>
+          </a:p>
+        </p:txBody>
+      </p:sp>
+      <p:pic>
+        <p:nvPicPr>
+          <p:cNvPr id="4" name="그림 3"/>
+          <p:cNvPicPr>
+            <a:picLocks noChangeAspect="1"/>
+          </p:cNvPicPr>
+          <p:nvPr/>
+        </p:nvPicPr>
+        <p:blipFill>
+          <a:blip r:embed="rId3"/>
+          <a:stretch>
+            <a:fillRect/>
+          </a:stretch>
+        </p:blipFill>
+        <p:spPr>
+          <a:xfrm>
+            <a:off x="892628" y="1351154"/>
+            <a:ext cx="7358745" cy="5146551"/>
+          </a:xfrm>
+          <a:prstGeom prst="rect">
+            <a:avLst/>
+          </a:prstGeom>
+        </p:spPr>
+      </p:pic>
+    </p:spTree>
+    <p:extLst>
+      <p:ext uri="{BB962C8B-B14F-4D97-AF65-F5344CB8AC3E}">
+        <p14:creationId xmlns:p14="http://schemas.microsoft.com/office/powerpoint/2010/main" val="2616646542"/>
+      </p:ext>
+    </p:extLst>
+  </p:cSld>
+  <p:clrMapOvr>
+    <a:masterClrMapping/>
+  </p:clrMapOvr>
+  <p:timing>
+    <p:tnLst>
+      <p:par>
+        <p:cTn id="1" dur="indefinite" restart="never" nodeType="tmRoot"/>
+      </p:par>
+    </p:tnLst>
+  </p:timing>
+</p:sld>
+</file>
+
+<file path=ppt/slides/slide21.xml><?xml version="1.0" encoding="utf-8"?>
+<p:sld xmlns:a="http://schemas.openxmlformats.org/drawingml/2006/main" xmlns:r="http://schemas.openxmlformats.org/officeDocument/2006/relationships" xmlns:p="http://schemas.openxmlformats.org/presentationml/2006/main">
+  <p:cSld>
+    <p:spTree>
+      <p:nvGrpSpPr>
+        <p:cNvPr id="1" name=""/>
+        <p:cNvGrpSpPr/>
+        <p:nvPr/>
+      </p:nvGrpSpPr>
+      <p:grpSpPr>
+        <a:xfrm>
+          <a:off x="0" y="0"/>
+          <a:ext cx="0" cy="0"/>
+          <a:chOff x="0" y="0"/>
+          <a:chExt cx="0" cy="0"/>
+        </a:xfrm>
+      </p:grpSpPr>
+      <p:sp>
+        <p:nvSpPr>
+          <p:cNvPr id="3" name="TextBox 2"/>
+          <p:cNvSpPr txBox="1"/>
+          <p:nvPr/>
+        </p:nvSpPr>
+        <p:spPr>
+          <a:xfrm>
+            <a:off x="548640" y="470346"/>
+            <a:ext cx="8055807" cy="461665"/>
+          </a:xfrm>
+          <a:prstGeom prst="rect">
+            <a:avLst/>
+          </a:prstGeom>
+          <a:noFill/>
+        </p:spPr>
+        <p:txBody>
+          <a:bodyPr wrap="square" rtlCol="0">
+            <a:spAutoFit/>
+          </a:bodyPr>
+          <a:lstStyle/>
+          <a:p>
+            <a:r>
+              <a:rPr lang="en-US" altLang="ko-KR" sz="2400" dirty="0" smtClean="0">
+                <a:latin typeface="HY헤드라인M" pitchFamily="18" charset="-127"/>
+                <a:ea typeface="HY헤드라인M" pitchFamily="18" charset="-127"/>
+              </a:rPr>
+              <a:t>SQL Cheat Sheet 2</a:t>
+            </a:r>
+            <a:endParaRPr lang="ko-KR" altLang="en-US" sz="2400" dirty="0">
+              <a:latin typeface="HY헤드라인M" pitchFamily="18" charset="-127"/>
+              <a:ea typeface="HY헤드라인M" pitchFamily="18" charset="-127"/>
+            </a:endParaRPr>
+          </a:p>
+        </p:txBody>
+      </p:sp>
+      <p:pic>
+        <p:nvPicPr>
+          <p:cNvPr id="2" name="그림 1"/>
+          <p:cNvPicPr>
+            <a:picLocks noChangeAspect="1"/>
+          </p:cNvPicPr>
+          <p:nvPr/>
+        </p:nvPicPr>
+        <p:blipFill>
+          <a:blip r:embed="rId2" cstate="print">
+            <a:extLst>
+              <a:ext uri="{28A0092B-C50C-407E-A947-70E740481C1C}">
+                <a14:useLocalDpi xmlns:a14="http://schemas.microsoft.com/office/drawing/2010/main" val="0"/>
+              </a:ext>
+            </a:extLst>
+          </a:blip>
+          <a:stretch>
+            <a:fillRect/>
+          </a:stretch>
+        </p:blipFill>
+        <p:spPr>
+          <a:xfrm>
+            <a:off x="7596744" y="2925352"/>
+            <a:ext cx="71600" cy="71600"/>
+          </a:xfrm>
+          <a:prstGeom prst="rect">
+            <a:avLst/>
+          </a:prstGeom>
+        </p:spPr>
+      </p:pic>
+      <p:sp>
+        <p:nvSpPr>
+          <p:cNvPr id="5" name="모서리가 둥근 직사각형 4"/>
+          <p:cNvSpPr/>
+          <p:nvPr/>
+        </p:nvSpPr>
+        <p:spPr>
+          <a:xfrm>
+            <a:off x="439982" y="1251508"/>
+            <a:ext cx="8164465" cy="5345844"/>
+          </a:xfrm>
+          <a:prstGeom prst="roundRect">
+            <a:avLst>
+              <a:gd name="adj" fmla="val 8134"/>
+            </a:avLst>
+          </a:prstGeom>
+          <a:ln/>
+        </p:spPr>
+        <p:style>
+          <a:lnRef idx="2">
+            <a:schemeClr val="accent1"/>
+          </a:lnRef>
+          <a:fillRef idx="1">
+            <a:schemeClr val="lt1"/>
+          </a:fillRef>
+          <a:effectRef idx="0">
+            <a:schemeClr val="accent1"/>
+          </a:effectRef>
+          <a:fontRef idx="minor">
+            <a:schemeClr val="dk1"/>
+          </a:fontRef>
+        </p:style>
+        <p:txBody>
+          <a:bodyPr rtlCol="0" anchor="t"/>
+          <a:lstStyle/>
+          <a:p>
+            <a:pPr marL="285750" indent="-285750">
+              <a:lnSpc>
+                <a:spcPct val="150000"/>
+              </a:lnSpc>
+              <a:buFont typeface="Wingdings" panose="05000000000000000000" pitchFamily="2" charset="2"/>
+              <a:buChar char="Ø"/>
+            </a:pPr>
+            <a:endParaRPr lang="en-US" altLang="ko-KR" sz="1600" dirty="0" smtClean="0"/>
+          </a:p>
+        </p:txBody>
+      </p:sp>
+      <p:pic>
+        <p:nvPicPr>
+          <p:cNvPr id="6" name="그림 5"/>
+          <p:cNvPicPr>
+            <a:picLocks noChangeAspect="1"/>
+          </p:cNvPicPr>
+          <p:nvPr/>
+        </p:nvPicPr>
+        <p:blipFill>
+          <a:blip r:embed="rId3"/>
+          <a:stretch>
+            <a:fillRect/>
+          </a:stretch>
+        </p:blipFill>
+        <p:spPr>
+          <a:xfrm>
+            <a:off x="868843" y="1368146"/>
+            <a:ext cx="7406315" cy="5112568"/>
+          </a:xfrm>
+          <a:prstGeom prst="rect">
+            <a:avLst/>
+          </a:prstGeom>
+        </p:spPr>
+      </p:pic>
+    </p:spTree>
+    <p:extLst>
+      <p:ext uri="{BB962C8B-B14F-4D97-AF65-F5344CB8AC3E}">
+        <p14:creationId xmlns:p14="http://schemas.microsoft.com/office/powerpoint/2010/main" val="2071286550"/>
+      </p:ext>
+    </p:extLst>
+  </p:cSld>
+  <p:clrMapOvr>
+    <a:masterClrMapping/>
+  </p:clrMapOvr>
+  <p:timing>
+    <p:tnLst>
+      <p:par>
+        <p:cTn id="1" dur="indefinite" restart="never" nodeType="tmRoot"/>
+      </p:par>
+    </p:tnLst>
+  </p:timing>
+</p:sld>
+</file>
+
+<file path=ppt/slides/slide22.xml><?xml version="1.0" encoding="utf-8"?>
+<p:sld xmlns:a="http://schemas.openxmlformats.org/drawingml/2006/main" xmlns:r="http://schemas.openxmlformats.org/officeDocument/2006/relationships" xmlns:p="http://schemas.openxmlformats.org/presentationml/2006/main">
+  <p:cSld>
+    <p:spTree>
+      <p:nvGrpSpPr>
+        <p:cNvPr id="1" name=""/>
+        <p:cNvGrpSpPr/>
+        <p:nvPr/>
+      </p:nvGrpSpPr>
+      <p:grpSpPr>
+        <a:xfrm>
+          <a:off x="0" y="0"/>
+          <a:ext cx="0" cy="0"/>
+          <a:chOff x="0" y="0"/>
+          <a:chExt cx="0" cy="0"/>
+        </a:xfrm>
+      </p:grpSpPr>
+      <p:sp>
+        <p:nvSpPr>
+          <p:cNvPr id="3" name="TextBox 2"/>
+          <p:cNvSpPr txBox="1"/>
+          <p:nvPr/>
+        </p:nvSpPr>
+        <p:spPr>
+          <a:xfrm>
+            <a:off x="548640" y="470346"/>
+            <a:ext cx="8055807" cy="461665"/>
+          </a:xfrm>
+          <a:prstGeom prst="rect">
+            <a:avLst/>
+          </a:prstGeom>
+          <a:noFill/>
+        </p:spPr>
+        <p:txBody>
+          <a:bodyPr wrap="square" rtlCol="0">
+            <a:spAutoFit/>
+          </a:bodyPr>
+          <a:lstStyle/>
+          <a:p>
+            <a:r>
+              <a:rPr lang="en-US" altLang="ko-KR" sz="2400" dirty="0" smtClean="0">
+                <a:latin typeface="HY헤드라인M" pitchFamily="18" charset="-127"/>
+                <a:ea typeface="HY헤드라인M" pitchFamily="18" charset="-127"/>
+              </a:rPr>
+              <a:t>SQL Cheat Sheet 3</a:t>
+            </a:r>
+            <a:endParaRPr lang="ko-KR" altLang="en-US" sz="2400" dirty="0">
+              <a:latin typeface="HY헤드라인M" pitchFamily="18" charset="-127"/>
+              <a:ea typeface="HY헤드라인M" pitchFamily="18" charset="-127"/>
+            </a:endParaRPr>
+          </a:p>
+        </p:txBody>
+      </p:sp>
+      <p:pic>
+        <p:nvPicPr>
+          <p:cNvPr id="2" name="그림 1"/>
+          <p:cNvPicPr>
+            <a:picLocks noChangeAspect="1"/>
+          </p:cNvPicPr>
+          <p:nvPr/>
+        </p:nvPicPr>
+        <p:blipFill>
+          <a:blip r:embed="rId2" cstate="print">
+            <a:extLst>
+              <a:ext uri="{28A0092B-C50C-407E-A947-70E740481C1C}">
+                <a14:useLocalDpi xmlns:a14="http://schemas.microsoft.com/office/drawing/2010/main" val="0"/>
+              </a:ext>
+            </a:extLst>
+          </a:blip>
+          <a:stretch>
+            <a:fillRect/>
+          </a:stretch>
+        </p:blipFill>
+        <p:spPr>
+          <a:xfrm>
+            <a:off x="7596744" y="2925352"/>
+            <a:ext cx="71600" cy="71600"/>
+          </a:xfrm>
+          <a:prstGeom prst="rect">
+            <a:avLst/>
+          </a:prstGeom>
+        </p:spPr>
+      </p:pic>
+      <p:sp>
+        <p:nvSpPr>
+          <p:cNvPr id="5" name="모서리가 둥근 직사각형 4"/>
+          <p:cNvSpPr/>
+          <p:nvPr/>
+        </p:nvSpPr>
+        <p:spPr>
+          <a:xfrm>
+            <a:off x="439982" y="1251508"/>
+            <a:ext cx="8164465" cy="5345844"/>
+          </a:xfrm>
+          <a:prstGeom prst="roundRect">
+            <a:avLst>
+              <a:gd name="adj" fmla="val 8134"/>
+            </a:avLst>
+          </a:prstGeom>
+          <a:ln/>
+        </p:spPr>
+        <p:style>
+          <a:lnRef idx="2">
+            <a:schemeClr val="accent1"/>
+          </a:lnRef>
+          <a:fillRef idx="1">
+            <a:schemeClr val="lt1"/>
+          </a:fillRef>
+          <a:effectRef idx="0">
+            <a:schemeClr val="accent1"/>
+          </a:effectRef>
+          <a:fontRef idx="minor">
+            <a:schemeClr val="dk1"/>
+          </a:fontRef>
+        </p:style>
+        <p:txBody>
+          <a:bodyPr rtlCol="0" anchor="t"/>
+          <a:lstStyle/>
+          <a:p>
+            <a:pPr marL="285750" indent="-285750">
+              <a:lnSpc>
+                <a:spcPct val="150000"/>
+              </a:lnSpc>
+              <a:buFont typeface="Wingdings" panose="05000000000000000000" pitchFamily="2" charset="2"/>
+              <a:buChar char="Ø"/>
+            </a:pPr>
+            <a:endParaRPr lang="en-US" altLang="ko-KR" sz="1600" dirty="0" smtClean="0"/>
+          </a:p>
+        </p:txBody>
+      </p:sp>
+      <p:pic>
+        <p:nvPicPr>
+          <p:cNvPr id="6" name="그림 5"/>
+          <p:cNvPicPr>
+            <a:picLocks noChangeAspect="1"/>
+          </p:cNvPicPr>
+          <p:nvPr/>
+        </p:nvPicPr>
+        <p:blipFill>
+          <a:blip r:embed="rId3"/>
+          <a:stretch>
+            <a:fillRect/>
+          </a:stretch>
+        </p:blipFill>
+        <p:spPr>
+          <a:xfrm>
+            <a:off x="830906" y="1339844"/>
+            <a:ext cx="7482188" cy="5169171"/>
+          </a:xfrm>
+          <a:prstGeom prst="rect">
+            <a:avLst/>
+          </a:prstGeom>
+        </p:spPr>
+      </p:pic>
+    </p:spTree>
+    <p:extLst>
+      <p:ext uri="{BB962C8B-B14F-4D97-AF65-F5344CB8AC3E}">
+        <p14:creationId xmlns:p14="http://schemas.microsoft.com/office/powerpoint/2010/main" val="1027526350"/>
       </p:ext>
     </p:extLst>
   </p:cSld>
@@ -8152,7 +9218,11 @@
             </a:pPr>
             <a:r>
               <a:rPr lang="en-US" altLang="ko-KR" sz="1600" dirty="0" smtClean="0"/>
-              <a:t>CREATE TABLE `topic` </a:t>
+              <a:t>CREATE TABLE `</a:t>
+            </a:r>
+            <a:r>
+              <a:rPr lang="en-US" altLang="ko-KR" sz="1600" dirty="0" smtClean="0"/>
+              <a:t>topics` </a:t>
             </a:r>
             <a:r>
               <a:rPr lang="en-US" altLang="ko-KR" sz="1600" dirty="0"/>
@@ -8433,19 +9503,23 @@
           <a:lstStyle/>
           <a:p>
             <a:r>
-              <a:rPr lang="en-US" altLang="ko-KR" sz="2400" dirty="0">
+              <a:rPr lang="en-US" altLang="ko-KR" sz="2400" dirty="0" smtClean="0">
                 <a:latin typeface="HY헤드라인M" pitchFamily="18" charset="-127"/>
                 <a:ea typeface="HY헤드라인M" pitchFamily="18" charset="-127"/>
               </a:rPr>
               <a:t>MySQL </a:t>
             </a:r>
             <a:r>
-              <a:rPr lang="ko-KR" altLang="en-US" sz="2400" dirty="0">
+              <a:rPr lang="ko-KR" altLang="en-US" sz="2400" dirty="0" smtClean="0">
                 <a:latin typeface="HY헤드라인M" pitchFamily="18" charset="-127"/>
                 <a:ea typeface="HY헤드라인M" pitchFamily="18" charset="-127"/>
               </a:rPr>
               <a:t>명령어</a:t>
             </a:r>
+            <a:endParaRPr lang="ko-KR" altLang="en-US" sz="2400" dirty="0">
+              <a:latin typeface="HY헤드라인M" pitchFamily="18" charset="-127"/>
+              <a:ea typeface="HY헤드라인M" pitchFamily="18" charset="-127"/>
+            </a:endParaRPr>
           </a:p>
         </p:txBody>
       </p:sp>
@@ -8529,101 +9603,9 @@
                 </a:solidFill>
                 <a:latin typeface="+mn-ea"/>
               </a:rPr>
-              <a:t>데이터 추가</a:t>
-            </a:r>
-          </a:p>
-          <a:p>
-            <a:pPr marL="742950" lvl="1" indent="-285750" latinLnBrk="0">
-              <a:lnSpc>
-                <a:spcPct val="150000"/>
-              </a:lnSpc>
-              <a:buFont typeface="Arial" panose="020B0604020202020204" pitchFamily="34" charset="0"/>
-              <a:buChar char="•"/>
-            </a:pPr>
-            <a:r>
-              <a:rPr lang="en-US" altLang="ko-KR" sz="1600" dirty="0"/>
-              <a:t>INSERT INTO </a:t>
-            </a:r>
-            <a:r>
-              <a:rPr lang="en-US" altLang="ko-KR" sz="1600" dirty="0" smtClean="0"/>
-              <a:t>`topic` </a:t>
-            </a:r>
-            <a:r>
-              <a:rPr lang="en-US" altLang="ko-KR" sz="1600" dirty="0"/>
-              <a:t>(id, title, description, author, created) VALUES (1, "</a:t>
-            </a:r>
-            <a:r>
-              <a:rPr lang="en-US" altLang="ko-KR" sz="1600" dirty="0" smtClean="0"/>
-              <a:t>HTML", </a:t>
-            </a:r>
-            <a:r>
-              <a:rPr lang="en-US" altLang="ko-KR" sz="1600" dirty="0"/>
-              <a:t>"</a:t>
-            </a:r>
-            <a:r>
-              <a:rPr lang="en-US" altLang="ko-KR" sz="1600" dirty="0" smtClean="0"/>
-              <a:t>HTML </a:t>
-            </a:r>
-            <a:r>
-              <a:rPr lang="en-US" altLang="ko-KR" sz="1600" dirty="0"/>
-              <a:t>is </a:t>
-            </a:r>
-            <a:r>
-              <a:rPr lang="en-US" altLang="ko-KR" sz="1600" dirty="0" smtClean="0"/>
-              <a:t>...", </a:t>
-            </a:r>
-            <a:r>
-              <a:rPr lang="en-US" altLang="ko-KR" sz="1600" dirty="0"/>
-              <a:t>"</a:t>
-            </a:r>
-            <a:r>
-              <a:rPr lang="en-US" altLang="ko-KR" sz="1600" dirty="0" smtClean="0"/>
-              <a:t>jsh", </a:t>
-            </a:r>
-            <a:r>
-              <a:rPr lang="en-US" altLang="ko-KR" sz="1600" dirty="0"/>
-              <a:t>now</a:t>
-            </a:r>
-            <a:r>
-              <a:rPr lang="en-US" altLang="ko-KR" sz="1600" dirty="0" smtClean="0"/>
-              <a:t>());</a:t>
-            </a:r>
-          </a:p>
-          <a:p>
-            <a:pPr lvl="1" latinLnBrk="0">
-              <a:lnSpc>
-                <a:spcPct val="150000"/>
-              </a:lnSpc>
-            </a:pPr>
-            <a:endParaRPr lang="en-US" altLang="ko-KR" sz="1600" dirty="0"/>
-          </a:p>
-          <a:p>
-            <a:pPr marL="285750" indent="-285750">
-              <a:lnSpc>
-                <a:spcPct val="150000"/>
-              </a:lnSpc>
-              <a:buFont typeface="Wingdings" panose="05000000000000000000" pitchFamily="2" charset="2"/>
-              <a:buChar char="Ø"/>
-            </a:pPr>
-            <a:r>
-              <a:rPr lang="ko-KR" altLang="en-US" sz="2000" dirty="0">
-                <a:solidFill>
-                  <a:srgbClr val="0000FF"/>
-                </a:solidFill>
-                <a:latin typeface="+mn-ea"/>
-              </a:rPr>
-              <a:t>데이터 </a:t>
-            </a:r>
-            <a:r>
-              <a:rPr lang="ko-KR" altLang="en-US" sz="2000" dirty="0" smtClean="0">
-                <a:solidFill>
-                  <a:srgbClr val="0000FF"/>
-                </a:solidFill>
-                <a:latin typeface="+mn-ea"/>
-              </a:rPr>
-              <a:t>삭제</a:t>
-            </a:r>
-            <a:endParaRPr lang="ko-KR" altLang="en-US" sz="2000" dirty="0">
+              <a:t>테이블 생성</a:t>
+            </a:r>
+            <a:endParaRPr lang="en-US" altLang="ko-KR" sz="2000" dirty="0">
               <a:solidFill>
                 <a:srgbClr val="0000FF"/>
               </a:solidFill>
@@ -8640,11 +9622,164 @@
             </a:pPr>
             <a:r>
               <a:rPr lang="en-US" altLang="ko-KR" sz="1600" dirty="0" smtClean="0"/>
-              <a:t>truncate </a:t>
-            </a:r>
-            <a:r>
-              <a:rPr lang="en-US" altLang="ko-KR" sz="1600" dirty="0"/>
-              <a:t>user;</a:t>
+              <a:t>CREATE TABLE `</a:t>
+            </a:r>
+            <a:r>
+              <a:rPr lang="en-US" altLang="ko-KR" sz="1600" dirty="0" smtClean="0"/>
+              <a:t>topics` </a:t>
+            </a:r>
+            <a:r>
+              <a:rPr lang="en-US" altLang="ko-KR" sz="1600" dirty="0"/>
+              <a:t>(</a:t>
+            </a:r>
+          </a:p>
+          <a:p>
+            <a:pPr lvl="1" latinLnBrk="0">
+              <a:lnSpc>
+                <a:spcPct val="150000"/>
+              </a:lnSpc>
+            </a:pPr>
+            <a:r>
+              <a:rPr lang="en-US" altLang="ko-KR" sz="1600" dirty="0"/>
+              <a:t>	</a:t>
+            </a:r>
+            <a:r>
+              <a:rPr lang="en-US" altLang="ko-KR" sz="1600" dirty="0" smtClean="0"/>
+              <a:t>id </a:t>
+            </a:r>
+            <a:r>
+              <a:rPr lang="en-US" altLang="ko-KR" sz="1600" dirty="0" err="1"/>
+              <a:t>int</a:t>
+            </a:r>
+            <a:r>
+              <a:rPr lang="en-US" altLang="ko-KR" sz="1600" dirty="0"/>
+              <a:t>(11) NOT NULL </a:t>
+            </a:r>
+            <a:r>
+              <a:rPr lang="en-US" altLang="ko-KR" sz="1600" dirty="0" smtClean="0"/>
+              <a:t>AUTO_INCREMENT,</a:t>
+            </a:r>
+          </a:p>
+          <a:p>
+            <a:pPr lvl="1" latinLnBrk="0">
+              <a:lnSpc>
+                <a:spcPct val="150000"/>
+              </a:lnSpc>
+            </a:pPr>
+            <a:r>
+              <a:rPr lang="en-US" altLang="ko-KR" sz="1600" dirty="0"/>
+              <a:t>	</a:t>
+            </a:r>
+            <a:r>
+              <a:rPr lang="en-US" altLang="ko-KR" sz="1600" dirty="0" smtClean="0"/>
+              <a:t>title </a:t>
+            </a:r>
+            <a:r>
+              <a:rPr lang="en-US" altLang="ko-KR" sz="1600" dirty="0"/>
+              <a:t>varchar(100) NOT NULL,</a:t>
+            </a:r>
+          </a:p>
+          <a:p>
+            <a:pPr lvl="1" latinLnBrk="0">
+              <a:lnSpc>
+                <a:spcPct val="150000"/>
+              </a:lnSpc>
+            </a:pPr>
+            <a:r>
+              <a:rPr lang="en-US" altLang="ko-KR" sz="1600" dirty="0" smtClean="0"/>
+              <a:t>	description </a:t>
+            </a:r>
+            <a:r>
+              <a:rPr lang="en-US" altLang="ko-KR" sz="1600" dirty="0"/>
+              <a:t>text NOT </a:t>
+            </a:r>
+            <a:r>
+              <a:rPr lang="en-US" altLang="ko-KR" sz="1600" dirty="0" smtClean="0"/>
+              <a:t>NULL,</a:t>
+            </a:r>
+          </a:p>
+          <a:p>
+            <a:pPr lvl="1" latinLnBrk="0">
+              <a:lnSpc>
+                <a:spcPct val="150000"/>
+              </a:lnSpc>
+            </a:pPr>
+            <a:r>
+              <a:rPr lang="en-US" altLang="ko-KR" sz="1600" dirty="0"/>
+              <a:t>	</a:t>
+            </a:r>
+            <a:r>
+              <a:rPr lang="en-US" altLang="ko-KR" sz="1600" dirty="0" smtClean="0"/>
+              <a:t>author </a:t>
+            </a:r>
+            <a:r>
+              <a:rPr lang="en-US" altLang="ko-KR" sz="1600" dirty="0"/>
+              <a:t>varchar(30) NOT NULL,</a:t>
+            </a:r>
+          </a:p>
+          <a:p>
+            <a:pPr lvl="1" latinLnBrk="0">
+              <a:lnSpc>
+                <a:spcPct val="150000"/>
+              </a:lnSpc>
+            </a:pPr>
+            <a:r>
+              <a:rPr lang="en-US" altLang="ko-KR" sz="1600" dirty="0" smtClean="0"/>
+              <a:t>	created </a:t>
+            </a:r>
+            <a:r>
+              <a:rPr lang="en-US" altLang="ko-KR" sz="1600" dirty="0" err="1"/>
+              <a:t>datetime</a:t>
+            </a:r>
+            <a:r>
+              <a:rPr lang="en-US" altLang="ko-KR" sz="1600" dirty="0"/>
+              <a:t> NOT NULL,</a:t>
+            </a:r>
+          </a:p>
+          <a:p>
+            <a:pPr lvl="1" latinLnBrk="0">
+              <a:lnSpc>
+                <a:spcPct val="150000"/>
+              </a:lnSpc>
+            </a:pPr>
+            <a:r>
+              <a:rPr lang="en-US" altLang="ko-KR" sz="1600" dirty="0" smtClean="0"/>
+              <a:t>	PRIMARY </a:t>
+            </a:r>
+            <a:r>
+              <a:rPr lang="en-US" altLang="ko-KR" sz="1600" dirty="0"/>
+              <a:t>KEY (id</a:t>
+            </a:r>
+            <a:r>
+              <a:rPr lang="en-US" altLang="ko-KR" sz="1600" dirty="0" smtClean="0"/>
+              <a:t>)</a:t>
+            </a:r>
+          </a:p>
+          <a:p>
+            <a:pPr lvl="1" latinLnBrk="0">
+              <a:lnSpc>
+                <a:spcPct val="150000"/>
+              </a:lnSpc>
+            </a:pPr>
+            <a:r>
+              <a:rPr lang="en-US" altLang="ko-KR" sz="1600" dirty="0" smtClean="0"/>
+              <a:t>) ENGINE=</a:t>
+            </a:r>
+            <a:r>
+              <a:rPr lang="en-US" altLang="ko-KR" sz="1600" dirty="0" err="1" smtClean="0"/>
+              <a:t>InnoDB</a:t>
+            </a:r>
+            <a:r>
+              <a:rPr lang="en-US" altLang="ko-KR" sz="1600" dirty="0" smtClean="0"/>
+              <a:t> DEFAULT </a:t>
+            </a:r>
+            <a:r>
+              <a:rPr lang="en-US" altLang="ko-KR" sz="1600" dirty="0"/>
+              <a:t>CHARSET=utf8</a:t>
+            </a:r>
+            <a:r>
+              <a:rPr lang="en-US" altLang="ko-KR" sz="1600" dirty="0" smtClean="0"/>
+              <a:t>;</a:t>
             </a:r>
           </a:p>
           <a:p>
@@ -8655,7 +9790,7 @@
               <a:buFont typeface="Arial" panose="020B0604020202020204" pitchFamily="34" charset="0"/>
               <a:buChar char="•"/>
             </a:pPr>
-            <a:endParaRPr lang="en-US" altLang="ko-KR" sz="1600" dirty="0"/>
+            <a:endParaRPr lang="en-US" altLang="ko-KR" sz="1600" dirty="0" smtClean="0"/>
           </a:p>
           <a:p>
             <a:pPr marL="742950" lvl="1" indent="-285750" latinLnBrk="0">
@@ -8664,6 +9799,49 @@
               </a:lnSpc>
               <a:buFont typeface="Arial" panose="020B0604020202020204" pitchFamily="34" charset="0"/>
               <a:buChar char="•"/>
+            </a:pPr>
+            <a:r>
+              <a:rPr lang="en-US" altLang="ko-KR" sz="1600" dirty="0"/>
+              <a:t>DROP TABLE IF EXISTS `topic`;</a:t>
+            </a:r>
+          </a:p>
+          <a:p>
+            <a:pPr lvl="1" latinLnBrk="0">
+              <a:lnSpc>
+                <a:spcPct val="150000"/>
+              </a:lnSpc>
+            </a:pPr>
+            <a:endParaRPr lang="en-US" altLang="ko-KR" sz="1600" dirty="0" smtClean="0"/>
+          </a:p>
+          <a:p>
+            <a:pPr lvl="1" latinLnBrk="0">
+              <a:lnSpc>
+                <a:spcPct val="150000"/>
+              </a:lnSpc>
+            </a:pPr>
+            <a:endParaRPr lang="en-US" altLang="ko-KR" sz="1600" dirty="0"/>
+          </a:p>
+          <a:p>
+            <a:pPr lvl="1" latinLnBrk="0">
+              <a:lnSpc>
+                <a:spcPct val="150000"/>
+              </a:lnSpc>
+            </a:pPr>
+            <a:endParaRPr lang="en-US" altLang="ko-KR" sz="1600" dirty="0" smtClean="0"/>
+          </a:p>
+          <a:p>
+            <a:pPr lvl="1" latinLnBrk="0">
+              <a:lnSpc>
+                <a:spcPct val="150000"/>
+              </a:lnSpc>
+            </a:pPr>
+            <a:endParaRPr lang="en-US" altLang="ko-KR" sz="1600" dirty="0"/>
+          </a:p>
+          <a:p>
+            <a:pPr lvl="1" latinLnBrk="0">
+              <a:lnSpc>
+                <a:spcPct val="150000"/>
+              </a:lnSpc>
             </a:pPr>
             <a:endParaRPr lang="en-US" altLang="ko-KR" sz="1600" dirty="0" smtClean="0"/>
           </a:p>
@@ -8672,7 +9850,7 @@
     </p:spTree>
     <p:extLst>
       <p:ext uri="{BB962C8B-B14F-4D97-AF65-F5344CB8AC3E}">
-        <p14:creationId xmlns:p14="http://schemas.microsoft.com/office/powerpoint/2010/main" val="184301439"/>
+        <p14:creationId xmlns:p14="http://schemas.microsoft.com/office/powerpoint/2010/main" val="4179785845"/>
       </p:ext>
     </p:extLst>
   </p:cSld>
